--- a/sprint-2-presentation/Sprint 1.pptx
+++ b/sprint-2-presentation/Sprint 1.pptx
@@ -23,7 +23,7 @@
   <p:notesSz cx="6858000" cy="9144000"/>
   <p:embeddedFontLst>
     <p:embeddedFont>
-      <p:font typeface="Roboto"/>
+      <p:font typeface="Raleway"/>
       <p:regular r:id="rId16"/>
       <p:bold r:id="rId17"/>
       <p:italic r:id="rId18"/>
@@ -709,7 +709,7 @@
   <p:cSld>
     <p:spTree>
       <p:nvGrpSpPr>
-        <p:cNvPr id="81" name="Shape 81"/>
+        <p:cNvPr id="54" name="Shape 54"/>
         <p:cNvGrpSpPr/>
         <p:nvPr/>
       </p:nvGrpSpPr>
@@ -723,7 +723,7 @@
       </p:grpSpPr>
       <p:sp>
         <p:nvSpPr>
-          <p:cNvPr id="82" name="Google Shape;82;p:notes"/>
+          <p:cNvPr id="55" name="Google Shape;55;p:notes"/>
           <p:cNvSpPr/>
           <p:nvPr>
             <p:ph idx="2" type="sldImg"/>
@@ -758,7 +758,7 @@
       </p:sp>
       <p:sp>
         <p:nvSpPr>
-          <p:cNvPr id="83" name="Google Shape;83;p:notes"/>
+          <p:cNvPr id="56" name="Google Shape;56;p:notes"/>
           <p:cNvSpPr txBox="1"/>
           <p:nvPr>
             <p:ph idx="1" type="body"/>
@@ -808,7 +808,7 @@
   <p:cSld>
     <p:spTree>
       <p:nvGrpSpPr>
-        <p:cNvPr id="139" name="Shape 139"/>
+        <p:cNvPr id="112" name="Shape 112"/>
         <p:cNvGrpSpPr/>
         <p:nvPr/>
       </p:nvGrpSpPr>
@@ -822,7 +822,7 @@
       </p:grpSpPr>
       <p:sp>
         <p:nvSpPr>
-          <p:cNvPr id="140" name="Google Shape;140;g2b1c7260869_0_174:notes"/>
+          <p:cNvPr id="113" name="Google Shape;113;g266fb267f00_1_0:notes"/>
           <p:cNvSpPr/>
           <p:nvPr>
             <p:ph idx="2" type="sldImg"/>
@@ -857,7 +857,7 @@
       </p:sp>
       <p:sp>
         <p:nvSpPr>
-          <p:cNvPr id="141" name="Google Shape;141;g2b1c7260869_0_174:notes"/>
+          <p:cNvPr id="114" name="Google Shape;114;g266fb267f00_1_0:notes"/>
           <p:cNvSpPr txBox="1"/>
           <p:nvPr>
             <p:ph idx="1" type="body"/>
@@ -907,7 +907,7 @@
   <p:cSld>
     <p:spTree>
       <p:nvGrpSpPr>
-        <p:cNvPr id="87" name="Shape 87"/>
+        <p:cNvPr id="60" name="Shape 60"/>
         <p:cNvGrpSpPr/>
         <p:nvPr/>
       </p:nvGrpSpPr>
@@ -921,7 +921,7 @@
       </p:grpSpPr>
       <p:sp>
         <p:nvSpPr>
-          <p:cNvPr id="88" name="Google Shape;88;g2b1c7260869_0_144:notes"/>
+          <p:cNvPr id="61" name="Google Shape;61;g266f0633f02_0_0:notes"/>
           <p:cNvSpPr/>
           <p:nvPr>
             <p:ph idx="2" type="sldImg"/>
@@ -956,7 +956,7 @@
       </p:sp>
       <p:sp>
         <p:nvSpPr>
-          <p:cNvPr id="89" name="Google Shape;89;g2b1c7260869_0_144:notes"/>
+          <p:cNvPr id="62" name="Google Shape;62;g266f0633f02_0_0:notes"/>
           <p:cNvSpPr txBox="1"/>
           <p:nvPr>
             <p:ph idx="1" type="body"/>
@@ -1006,7 +1006,7 @@
   <p:cSld>
     <p:spTree>
       <p:nvGrpSpPr>
-        <p:cNvPr id="93" name="Shape 93"/>
+        <p:cNvPr id="66" name="Shape 66"/>
         <p:cNvGrpSpPr/>
         <p:nvPr/>
       </p:nvGrpSpPr>
@@ -1020,7 +1020,7 @@
       </p:grpSpPr>
       <p:sp>
         <p:nvSpPr>
-          <p:cNvPr id="94" name="Google Shape;94;g2b1c7260869_0_187:notes"/>
+          <p:cNvPr id="67" name="Google Shape;67;g1efc637b4cd_1_206:notes"/>
           <p:cNvSpPr/>
           <p:nvPr>
             <p:ph idx="2" type="sldImg"/>
@@ -1055,7 +1055,7 @@
       </p:sp>
       <p:sp>
         <p:nvSpPr>
-          <p:cNvPr id="95" name="Google Shape;95;g2b1c7260869_0_187:notes"/>
+          <p:cNvPr id="68" name="Google Shape;68;g1efc637b4cd_1_206:notes"/>
           <p:cNvSpPr txBox="1"/>
           <p:nvPr>
             <p:ph idx="1" type="body"/>
@@ -1105,7 +1105,7 @@
   <p:cSld>
     <p:spTree>
       <p:nvGrpSpPr>
-        <p:cNvPr id="101" name="Shape 101"/>
+        <p:cNvPr id="74" name="Shape 74"/>
         <p:cNvGrpSpPr/>
         <p:nvPr/>
       </p:nvGrpSpPr>
@@ -1119,7 +1119,7 @@
       </p:grpSpPr>
       <p:sp>
         <p:nvSpPr>
-          <p:cNvPr id="102" name="Google Shape;102;g2b1c7260869_0_149:notes"/>
+          <p:cNvPr id="75" name="Google Shape;75;g266f0633f02_0_5:notes"/>
           <p:cNvSpPr/>
           <p:nvPr>
             <p:ph idx="2" type="sldImg"/>
@@ -1154,7 +1154,7 @@
       </p:sp>
       <p:sp>
         <p:nvSpPr>
-          <p:cNvPr id="103" name="Google Shape;103;g2b1c7260869_0_149:notes"/>
+          <p:cNvPr id="76" name="Google Shape;76;g266f0633f02_0_5:notes"/>
           <p:cNvSpPr txBox="1"/>
           <p:nvPr>
             <p:ph idx="1" type="body"/>
@@ -1204,7 +1204,7 @@
   <p:cSld>
     <p:spTree>
       <p:nvGrpSpPr>
-        <p:cNvPr id="107" name="Shape 107"/>
+        <p:cNvPr id="80" name="Shape 80"/>
         <p:cNvGrpSpPr/>
         <p:nvPr/>
       </p:nvGrpSpPr>
@@ -1218,7 +1218,7 @@
       </p:grpSpPr>
       <p:sp>
         <p:nvSpPr>
-          <p:cNvPr id="108" name="Google Shape;108;g2b1c7260869_0_154:notes"/>
+          <p:cNvPr id="81" name="Google Shape;81;g266f0633f02_0_10:notes"/>
           <p:cNvSpPr/>
           <p:nvPr>
             <p:ph idx="2" type="sldImg"/>
@@ -1253,7 +1253,7 @@
       </p:sp>
       <p:sp>
         <p:nvSpPr>
-          <p:cNvPr id="109" name="Google Shape;109;g2b1c7260869_0_154:notes"/>
+          <p:cNvPr id="82" name="Google Shape;82;g266f0633f02_0_10:notes"/>
           <p:cNvSpPr txBox="1"/>
           <p:nvPr>
             <p:ph idx="1" type="body"/>
@@ -1303,7 +1303,7 @@
   <p:cSld>
     <p:spTree>
       <p:nvGrpSpPr>
-        <p:cNvPr id="114" name="Shape 114"/>
+        <p:cNvPr id="86" name="Shape 86"/>
         <p:cNvGrpSpPr/>
         <p:nvPr/>
       </p:nvGrpSpPr>
@@ -1317,7 +1317,7 @@
       </p:grpSpPr>
       <p:sp>
         <p:nvSpPr>
-          <p:cNvPr id="115" name="Google Shape;115;g2b1c7260869_0_159:notes"/>
+          <p:cNvPr id="87" name="Google Shape;87;g266f0633f02_0_15:notes"/>
           <p:cNvSpPr/>
           <p:nvPr>
             <p:ph idx="2" type="sldImg"/>
@@ -1352,7 +1352,7 @@
       </p:sp>
       <p:sp>
         <p:nvSpPr>
-          <p:cNvPr id="116" name="Google Shape;116;g2b1c7260869_0_159:notes"/>
+          <p:cNvPr id="88" name="Google Shape;88;g266f0633f02_0_15:notes"/>
           <p:cNvSpPr txBox="1"/>
           <p:nvPr>
             <p:ph idx="1" type="body"/>
@@ -1402,7 +1402,7 @@
   <p:cSld>
     <p:spTree>
       <p:nvGrpSpPr>
-        <p:cNvPr id="120" name="Shape 120"/>
+        <p:cNvPr id="92" name="Shape 92"/>
         <p:cNvGrpSpPr/>
         <p:nvPr/>
       </p:nvGrpSpPr>
@@ -1416,7 +1416,7 @@
       </p:grpSpPr>
       <p:sp>
         <p:nvSpPr>
-          <p:cNvPr id="121" name="Google Shape;121;g2b1c7260869_0_139:notes"/>
+          <p:cNvPr id="93" name="Google Shape;93;g266f0633f02_0_20:notes"/>
           <p:cNvSpPr/>
           <p:nvPr>
             <p:ph idx="2" type="sldImg"/>
@@ -1451,7 +1451,7 @@
       </p:sp>
       <p:sp>
         <p:nvSpPr>
-          <p:cNvPr id="122" name="Google Shape;122;g2b1c7260869_0_139:notes"/>
+          <p:cNvPr id="94" name="Google Shape;94;g266f0633f02_0_20:notes"/>
           <p:cNvSpPr txBox="1"/>
           <p:nvPr>
             <p:ph idx="1" type="body"/>
@@ -1501,7 +1501,7 @@
   <p:cSld>
     <p:spTree>
       <p:nvGrpSpPr>
-        <p:cNvPr id="127" name="Shape 127"/>
+        <p:cNvPr id="99" name="Shape 99"/>
         <p:cNvGrpSpPr/>
         <p:nvPr/>
       </p:nvGrpSpPr>
@@ -1515,7 +1515,7 @@
       </p:grpSpPr>
       <p:sp>
         <p:nvSpPr>
-          <p:cNvPr id="128" name="Google Shape;128;g2b1c7260869_0_164:notes"/>
+          <p:cNvPr id="100" name="Google Shape;100;g1efc7ed7935_0_1:notes"/>
           <p:cNvSpPr/>
           <p:nvPr>
             <p:ph idx="2" type="sldImg"/>
@@ -1550,7 +1550,7 @@
       </p:sp>
       <p:sp>
         <p:nvSpPr>
-          <p:cNvPr id="129" name="Google Shape;129;g2b1c7260869_0_164:notes"/>
+          <p:cNvPr id="101" name="Google Shape;101;g1efc7ed7935_0_1:notes"/>
           <p:cNvSpPr txBox="1"/>
           <p:nvPr>
             <p:ph idx="1" type="body"/>
@@ -1600,7 +1600,7 @@
   <p:cSld>
     <p:spTree>
       <p:nvGrpSpPr>
-        <p:cNvPr id="133" name="Shape 133"/>
+        <p:cNvPr id="105" name="Shape 105"/>
         <p:cNvGrpSpPr/>
         <p:nvPr/>
       </p:nvGrpSpPr>
@@ -1614,7 +1614,7 @@
       </p:grpSpPr>
       <p:sp>
         <p:nvSpPr>
-          <p:cNvPr id="134" name="Google Shape;134;g2b1c7260869_0_169:notes"/>
+          <p:cNvPr id="106" name="Google Shape;106;g266fb267f00_0_5:notes"/>
           <p:cNvSpPr/>
           <p:nvPr>
             <p:ph idx="2" type="sldImg"/>
@@ -1649,7 +1649,7 @@
       </p:sp>
       <p:sp>
         <p:nvSpPr>
-          <p:cNvPr id="135" name="Google Shape;135;g2b1c7260869_0_169:notes"/>
+          <p:cNvPr id="107" name="Google Shape;107;g266fb267f00_0_5:notes"/>
           <p:cNvSpPr txBox="1"/>
           <p:nvPr>
             <p:ph idx="1" type="body"/>
@@ -1697,13 +1697,6 @@
 <file path=ppt/slideLayouts/slideLayout1.xml><?xml version="1.0" encoding="utf-8"?>
 <p:sldLayout xmlns:a="http://schemas.openxmlformats.org/drawingml/2006/main" xmlns:r="http://schemas.openxmlformats.org/officeDocument/2006/relationships" xmlns:mc="http://schemas.openxmlformats.org/markup-compatibility/2006" xmlns:mv="urn:schemas-microsoft-com:mac:vml" xmlns:p="http://schemas.openxmlformats.org/presentationml/2006/main" xmlns:c="http://schemas.openxmlformats.org/drawingml/2006/chart" xmlns:dgm="http://schemas.openxmlformats.org/drawingml/2006/diagram" xmlns:o="urn:schemas-microsoft-com:office:office" xmlns:v="urn:schemas-microsoft-com:vml" xmlns:pvml="urn:schemas-microsoft-com:office:powerpoint" xmlns:com="http://schemas.openxmlformats.org/drawingml/2006/compatibility" xmlns:p14="http://schemas.microsoft.com/office/powerpoint/2010/main" xmlns:p15="http://schemas.microsoft.com/office/powerpoint/2012/main" xmlns:ahyp="http://schemas.microsoft.com/office/drawing/2018/hyperlinkcolor" matchingName="Title slide" type="title">
   <p:cSld name="TITLE">
-    <p:bg>
-      <p:bgPr>
-        <a:solidFill>
-          <a:schemeClr val="dk1"/>
-        </a:solidFill>
-      </p:bgPr>
-    </p:bg>
     <p:spTree>
       <p:nvGrpSpPr>
         <p:cNvPr id="9" name="Shape 9"/>
@@ -1718,239 +1711,52 @@
           <a:chExt cx="0" cy="0"/>
         </a:xfrm>
       </p:grpSpPr>
-      <p:grpSp>
-        <p:nvGrpSpPr>
-          <p:cNvPr id="10" name="Google Shape;10;p2"/>
-          <p:cNvGrpSpPr/>
-          <p:nvPr/>
-        </p:nvGrpSpPr>
-        <p:grpSpPr>
-          <a:xfrm>
-            <a:off x="6098378" y="5"/>
-            <a:ext cx="3045625" cy="2030570"/>
-            <a:chOff x="6098378" y="5"/>
-            <a:chExt cx="3045625" cy="2030570"/>
-          </a:xfrm>
-        </p:grpSpPr>
-        <p:sp>
-          <p:nvSpPr>
-            <p:cNvPr id="11" name="Google Shape;11;p2"/>
-            <p:cNvSpPr/>
-            <p:nvPr/>
-          </p:nvSpPr>
-          <p:spPr>
-            <a:xfrm>
-              <a:off x="8128803" y="16"/>
-              <a:ext cx="1015200" cy="1015200"/>
-            </a:xfrm>
-            <a:prstGeom prst="rect">
-              <a:avLst/>
-            </a:prstGeom>
-            <a:solidFill>
-              <a:schemeClr val="accent1"/>
-            </a:solidFill>
-            <a:ln>
-              <a:noFill/>
-            </a:ln>
-          </p:spPr>
-          <p:txBody>
-            <a:bodyPr anchorCtr="0" anchor="ctr" bIns="91425" lIns="91425" spcFirstLastPara="1" rIns="91425" wrap="square" tIns="91425">
-              <a:noAutofit/>
-            </a:bodyPr>
-            <a:lstStyle/>
-            <a:p>
-              <a:pPr indent="0" lvl="0" marL="0" rtl="0" algn="l">
-                <a:spcBef>
-                  <a:spcPts val="0"/>
-                </a:spcBef>
-                <a:spcAft>
-                  <a:spcPts val="0"/>
-                </a:spcAft>
-                <a:buNone/>
-              </a:pPr>
-              <a:r>
-                <a:t/>
-              </a:r>
-              <a:endParaRPr/>
-            </a:p>
-          </p:txBody>
-        </p:sp>
-        <p:sp>
-          <p:nvSpPr>
-            <p:cNvPr id="12" name="Google Shape;12;p2"/>
-            <p:cNvSpPr/>
-            <p:nvPr/>
-          </p:nvSpPr>
-          <p:spPr>
-            <a:xfrm flipH="1">
-              <a:off x="7113463" y="5"/>
-              <a:ext cx="1015200" cy="1015200"/>
-            </a:xfrm>
-            <a:prstGeom prst="rtTriangle">
-              <a:avLst/>
-            </a:prstGeom>
-            <a:solidFill>
-              <a:schemeClr val="accent2"/>
-            </a:solidFill>
-            <a:ln>
-              <a:noFill/>
-            </a:ln>
-          </p:spPr>
-          <p:txBody>
-            <a:bodyPr anchorCtr="0" anchor="ctr" bIns="91425" lIns="91425" spcFirstLastPara="1" rIns="91425" wrap="square" tIns="91425">
-              <a:noAutofit/>
-            </a:bodyPr>
-            <a:lstStyle/>
-            <a:p>
-              <a:pPr indent="0" lvl="0" marL="0" rtl="0" algn="l">
-                <a:spcBef>
-                  <a:spcPts val="0"/>
-                </a:spcBef>
-                <a:spcAft>
-                  <a:spcPts val="0"/>
-                </a:spcAft>
-                <a:buNone/>
-              </a:pPr>
-              <a:r>
-                <a:t/>
-              </a:r>
-              <a:endParaRPr/>
-            </a:p>
-          </p:txBody>
-        </p:sp>
-        <p:sp>
-          <p:nvSpPr>
-            <p:cNvPr id="13" name="Google Shape;13;p2"/>
-            <p:cNvSpPr/>
-            <p:nvPr/>
-          </p:nvSpPr>
-          <p:spPr>
-            <a:xfrm flipH="1" rot="10800000">
-              <a:off x="7113588" y="107"/>
-              <a:ext cx="1015200" cy="1015200"/>
-            </a:xfrm>
-            <a:prstGeom prst="rtTriangle">
-              <a:avLst/>
-            </a:prstGeom>
-            <a:solidFill>
-              <a:schemeClr val="accent6"/>
-            </a:solidFill>
-            <a:ln>
-              <a:noFill/>
-            </a:ln>
-          </p:spPr>
-          <p:txBody>
-            <a:bodyPr anchorCtr="0" anchor="ctr" bIns="91425" lIns="91425" spcFirstLastPara="1" rIns="91425" wrap="square" tIns="91425">
-              <a:noAutofit/>
-            </a:bodyPr>
-            <a:lstStyle/>
-            <a:p>
-              <a:pPr indent="0" lvl="0" marL="0" rtl="0" algn="l">
-                <a:spcBef>
-                  <a:spcPts val="0"/>
-                </a:spcBef>
-                <a:spcAft>
-                  <a:spcPts val="0"/>
-                </a:spcAft>
-                <a:buNone/>
-              </a:pPr>
-              <a:r>
-                <a:t/>
-              </a:r>
-              <a:endParaRPr/>
-            </a:p>
-          </p:txBody>
-        </p:sp>
-        <p:sp>
-          <p:nvSpPr>
-            <p:cNvPr id="14" name="Google Shape;14;p2"/>
-            <p:cNvSpPr/>
-            <p:nvPr/>
-          </p:nvSpPr>
-          <p:spPr>
-            <a:xfrm rot="10800000">
-              <a:off x="6098378" y="97"/>
-              <a:ext cx="1015200" cy="1015200"/>
-            </a:xfrm>
-            <a:prstGeom prst="rtTriangle">
-              <a:avLst/>
-            </a:prstGeom>
-            <a:solidFill>
-              <a:schemeClr val="accent1"/>
-            </a:solidFill>
-            <a:ln>
-              <a:noFill/>
-            </a:ln>
-          </p:spPr>
-          <p:txBody>
-            <a:bodyPr anchorCtr="0" anchor="ctr" bIns="91425" lIns="91425" spcFirstLastPara="1" rIns="91425" wrap="square" tIns="91425">
-              <a:noAutofit/>
-            </a:bodyPr>
-            <a:lstStyle/>
-            <a:p>
-              <a:pPr indent="0" lvl="0" marL="0" rtl="0" algn="l">
-                <a:spcBef>
-                  <a:spcPts val="0"/>
-                </a:spcBef>
-                <a:spcAft>
-                  <a:spcPts val="0"/>
-                </a:spcAft>
-                <a:buNone/>
-              </a:pPr>
-              <a:r>
-                <a:t/>
-              </a:r>
-              <a:endParaRPr/>
-            </a:p>
-          </p:txBody>
-        </p:sp>
-        <p:sp>
-          <p:nvSpPr>
-            <p:cNvPr id="15" name="Google Shape;15;p2"/>
-            <p:cNvSpPr/>
-            <p:nvPr/>
-          </p:nvSpPr>
-          <p:spPr>
-            <a:xfrm rot="10800000">
-              <a:off x="8128789" y="1015375"/>
-              <a:ext cx="1015200" cy="1015200"/>
-            </a:xfrm>
-            <a:prstGeom prst="rtTriangle">
-              <a:avLst/>
-            </a:prstGeom>
-            <a:solidFill>
-              <a:schemeClr val="accent6"/>
-            </a:solidFill>
-            <a:ln>
-              <a:noFill/>
-            </a:ln>
-          </p:spPr>
-          <p:txBody>
-            <a:bodyPr anchorCtr="0" anchor="ctr" bIns="91425" lIns="91425" spcFirstLastPara="1" rIns="91425" wrap="square" tIns="91425">
-              <a:noAutofit/>
-            </a:bodyPr>
-            <a:lstStyle/>
-            <a:p>
-              <a:pPr indent="0" lvl="0" marL="0" rtl="0" algn="l">
-                <a:spcBef>
-                  <a:spcPts val="0"/>
-                </a:spcBef>
-                <a:spcAft>
-                  <a:spcPts val="0"/>
-                </a:spcAft>
-                <a:buNone/>
-              </a:pPr>
-              <a:r>
-                <a:t/>
-              </a:r>
-              <a:endParaRPr/>
-            </a:p>
-          </p:txBody>
-        </p:sp>
-      </p:grpSp>
       <p:sp>
         <p:nvSpPr>
-          <p:cNvPr id="16" name="Google Shape;16;p2"/>
+          <p:cNvPr id="10" name="Google Shape;10;p2"/>
+          <p:cNvSpPr/>
+          <p:nvPr/>
+        </p:nvSpPr>
+        <p:spPr>
+          <a:xfrm>
+            <a:off x="80700" y="2651100"/>
+            <a:ext cx="8982600" cy="2411700"/>
+          </a:xfrm>
+          <a:prstGeom prst="rect">
+            <a:avLst/>
+          </a:prstGeom>
+          <a:solidFill>
+            <a:schemeClr val="accent2"/>
+          </a:solidFill>
+          <a:ln>
+            <a:noFill/>
+          </a:ln>
+        </p:spPr>
+        <p:txBody>
+          <a:bodyPr anchorCtr="0" anchor="ctr" bIns="91425" lIns="91425" spcFirstLastPara="1" rIns="91425" wrap="square" tIns="91425">
+            <a:noAutofit/>
+          </a:bodyPr>
+          <a:lstStyle/>
+          <a:p>
+            <a:pPr indent="0" lvl="0" marL="0" rtl="0" algn="l">
+              <a:spcBef>
+                <a:spcPts val="0"/>
+              </a:spcBef>
+              <a:spcAft>
+                <a:spcPts val="0"/>
+              </a:spcAft>
+              <a:buNone/>
+            </a:pPr>
+            <a:r>
+              <a:t/>
+            </a:r>
+            <a:endParaRPr/>
+          </a:p>
+        </p:txBody>
+      </p:sp>
+      <p:sp>
+        <p:nvSpPr>
+          <p:cNvPr id="11" name="Google Shape;11;p2"/>
           <p:cNvSpPr txBox="1"/>
           <p:nvPr>
             <p:ph type="ctrTitle"/>
@@ -1958,8 +1764,8 @@
         </p:nvSpPr>
         <p:spPr>
           <a:xfrm>
-            <a:off x="598100" y="1775222"/>
-            <a:ext cx="8222100" cy="838800"/>
+            <a:off x="485875" y="264475"/>
+            <a:ext cx="8183700" cy="1473600"/>
           </a:xfrm>
           <a:prstGeom prst="rect">
             <a:avLst/>
@@ -1977,16 +1783,9 @@
               <a:spcAft>
                 <a:spcPts val="0"/>
               </a:spcAft>
-              <a:buClr>
-                <a:schemeClr val="lt1"/>
-              </a:buClr>
               <a:buSzPts val="4200"/>
               <a:buNone/>
-              <a:defRPr sz="4200">
-                <a:solidFill>
-                  <a:schemeClr val="lt1"/>
-                </a:solidFill>
-              </a:defRPr>
+              <a:defRPr sz="4200"/>
             </a:lvl1pPr>
             <a:lvl2pPr lvl="1">
               <a:spcBef>
@@ -1995,16 +1794,9 @@
               <a:spcAft>
                 <a:spcPts val="0"/>
               </a:spcAft>
-              <a:buClr>
-                <a:schemeClr val="lt1"/>
-              </a:buClr>
               <a:buSzPts val="4200"/>
               <a:buNone/>
-              <a:defRPr sz="4200">
-                <a:solidFill>
-                  <a:schemeClr val="lt1"/>
-                </a:solidFill>
-              </a:defRPr>
+              <a:defRPr sz="4200"/>
             </a:lvl2pPr>
             <a:lvl3pPr lvl="2">
               <a:spcBef>
@@ -2013,16 +1805,9 @@
               <a:spcAft>
                 <a:spcPts val="0"/>
               </a:spcAft>
-              <a:buClr>
-                <a:schemeClr val="lt1"/>
-              </a:buClr>
               <a:buSzPts val="4200"/>
               <a:buNone/>
-              <a:defRPr sz="4200">
-                <a:solidFill>
-                  <a:schemeClr val="lt1"/>
-                </a:solidFill>
-              </a:defRPr>
+              <a:defRPr sz="4200"/>
             </a:lvl3pPr>
             <a:lvl4pPr lvl="3">
               <a:spcBef>
@@ -2031,16 +1816,9 @@
               <a:spcAft>
                 <a:spcPts val="0"/>
               </a:spcAft>
-              <a:buClr>
-                <a:schemeClr val="lt1"/>
-              </a:buClr>
               <a:buSzPts val="4200"/>
               <a:buNone/>
-              <a:defRPr sz="4200">
-                <a:solidFill>
-                  <a:schemeClr val="lt1"/>
-                </a:solidFill>
-              </a:defRPr>
+              <a:defRPr sz="4200"/>
             </a:lvl4pPr>
             <a:lvl5pPr lvl="4">
               <a:spcBef>
@@ -2049,16 +1827,9 @@
               <a:spcAft>
                 <a:spcPts val="0"/>
               </a:spcAft>
-              <a:buClr>
-                <a:schemeClr val="lt1"/>
-              </a:buClr>
               <a:buSzPts val="4200"/>
               <a:buNone/>
-              <a:defRPr sz="4200">
-                <a:solidFill>
-                  <a:schemeClr val="lt1"/>
-                </a:solidFill>
-              </a:defRPr>
+              <a:defRPr sz="4200"/>
             </a:lvl5pPr>
             <a:lvl6pPr lvl="5">
               <a:spcBef>
@@ -2067,16 +1838,9 @@
               <a:spcAft>
                 <a:spcPts val="0"/>
               </a:spcAft>
-              <a:buClr>
-                <a:schemeClr val="lt1"/>
-              </a:buClr>
               <a:buSzPts val="4200"/>
               <a:buNone/>
-              <a:defRPr sz="4200">
-                <a:solidFill>
-                  <a:schemeClr val="lt1"/>
-                </a:solidFill>
-              </a:defRPr>
+              <a:defRPr sz="4200"/>
             </a:lvl6pPr>
             <a:lvl7pPr lvl="6">
               <a:spcBef>
@@ -2085,16 +1849,9 @@
               <a:spcAft>
                 <a:spcPts val="0"/>
               </a:spcAft>
-              <a:buClr>
-                <a:schemeClr val="lt1"/>
-              </a:buClr>
               <a:buSzPts val="4200"/>
               <a:buNone/>
-              <a:defRPr sz="4200">
-                <a:solidFill>
-                  <a:schemeClr val="lt1"/>
-                </a:solidFill>
-              </a:defRPr>
+              <a:defRPr sz="4200"/>
             </a:lvl7pPr>
             <a:lvl8pPr lvl="7">
               <a:spcBef>
@@ -2103,16 +1860,9 @@
               <a:spcAft>
                 <a:spcPts val="0"/>
               </a:spcAft>
-              <a:buClr>
-                <a:schemeClr val="lt1"/>
-              </a:buClr>
               <a:buSzPts val="4200"/>
               <a:buNone/>
-              <a:defRPr sz="4200">
-                <a:solidFill>
-                  <a:schemeClr val="lt1"/>
-                </a:solidFill>
-              </a:defRPr>
+              <a:defRPr sz="4200"/>
             </a:lvl8pPr>
             <a:lvl9pPr lvl="8">
               <a:spcBef>
@@ -2121,16 +1871,9 @@
               <a:spcAft>
                 <a:spcPts val="0"/>
               </a:spcAft>
-              <a:buClr>
-                <a:schemeClr val="lt1"/>
-              </a:buClr>
               <a:buSzPts val="4200"/>
               <a:buNone/>
-              <a:defRPr sz="4200">
-                <a:solidFill>
-                  <a:schemeClr val="lt1"/>
-                </a:solidFill>
-              </a:defRPr>
+              <a:defRPr sz="4200"/>
             </a:lvl9pPr>
           </a:lstStyle>
           <a:p/>
@@ -2138,7 +1881,7 @@
       </p:sp>
       <p:sp>
         <p:nvSpPr>
-          <p:cNvPr id="17" name="Google Shape;17;p2"/>
+          <p:cNvPr id="12" name="Google Shape;12;p2"/>
           <p:cNvSpPr txBox="1"/>
           <p:nvPr>
             <p:ph idx="1" type="subTitle"/>
@@ -2146,8 +1889,8 @@
         </p:nvSpPr>
         <p:spPr>
           <a:xfrm>
-            <a:off x="598088" y="2715913"/>
-            <a:ext cx="8222100" cy="432900"/>
+            <a:off x="485875" y="1738075"/>
+            <a:ext cx="8183700" cy="861000"/>
           </a:xfrm>
           <a:prstGeom prst="rect">
             <a:avLst/>
@@ -2168,16 +1911,9 @@
               <a:spcAft>
                 <a:spcPts val="0"/>
               </a:spcAft>
-              <a:buClr>
-                <a:schemeClr val="lt1"/>
-              </a:buClr>
-              <a:buSzPts val="2100"/>
-              <a:buNone/>
-              <a:defRPr sz="2100">
-                <a:solidFill>
-                  <a:schemeClr val="lt1"/>
-                </a:solidFill>
-              </a:defRPr>
+              <a:buSzPts val="2400"/>
+              <a:buNone/>
+              <a:defRPr sz="2400"/>
             </a:lvl1pPr>
             <a:lvl2pPr lvl="1">
               <a:lnSpc>
@@ -2189,16 +1925,9 @@
               <a:spcAft>
                 <a:spcPts val="0"/>
               </a:spcAft>
-              <a:buClr>
-                <a:schemeClr val="lt1"/>
-              </a:buClr>
-              <a:buSzPts val="2100"/>
-              <a:buNone/>
-              <a:defRPr sz="2100">
-                <a:solidFill>
-                  <a:schemeClr val="lt1"/>
-                </a:solidFill>
-              </a:defRPr>
+              <a:buSzPts val="2400"/>
+              <a:buNone/>
+              <a:defRPr sz="2400"/>
             </a:lvl2pPr>
             <a:lvl3pPr lvl="2">
               <a:lnSpc>
@@ -2210,16 +1939,9 @@
               <a:spcAft>
                 <a:spcPts val="0"/>
               </a:spcAft>
-              <a:buClr>
-                <a:schemeClr val="lt1"/>
-              </a:buClr>
-              <a:buSzPts val="2100"/>
-              <a:buNone/>
-              <a:defRPr sz="2100">
-                <a:solidFill>
-                  <a:schemeClr val="lt1"/>
-                </a:solidFill>
-              </a:defRPr>
+              <a:buSzPts val="2400"/>
+              <a:buNone/>
+              <a:defRPr sz="2400"/>
             </a:lvl3pPr>
             <a:lvl4pPr lvl="3">
               <a:lnSpc>
@@ -2231,16 +1953,9 @@
               <a:spcAft>
                 <a:spcPts val="0"/>
               </a:spcAft>
-              <a:buClr>
-                <a:schemeClr val="lt1"/>
-              </a:buClr>
-              <a:buSzPts val="2100"/>
-              <a:buNone/>
-              <a:defRPr sz="2100">
-                <a:solidFill>
-                  <a:schemeClr val="lt1"/>
-                </a:solidFill>
-              </a:defRPr>
+              <a:buSzPts val="2400"/>
+              <a:buNone/>
+              <a:defRPr sz="2400"/>
             </a:lvl4pPr>
             <a:lvl5pPr lvl="4">
               <a:lnSpc>
@@ -2252,16 +1967,9 @@
               <a:spcAft>
                 <a:spcPts val="0"/>
               </a:spcAft>
-              <a:buClr>
-                <a:schemeClr val="lt1"/>
-              </a:buClr>
-              <a:buSzPts val="2100"/>
-              <a:buNone/>
-              <a:defRPr sz="2100">
-                <a:solidFill>
-                  <a:schemeClr val="lt1"/>
-                </a:solidFill>
-              </a:defRPr>
+              <a:buSzPts val="2400"/>
+              <a:buNone/>
+              <a:defRPr sz="2400"/>
             </a:lvl5pPr>
             <a:lvl6pPr lvl="5">
               <a:lnSpc>
@@ -2273,16 +1981,9 @@
               <a:spcAft>
                 <a:spcPts val="0"/>
               </a:spcAft>
-              <a:buClr>
-                <a:schemeClr val="lt1"/>
-              </a:buClr>
-              <a:buSzPts val="2100"/>
-              <a:buNone/>
-              <a:defRPr sz="2100">
-                <a:solidFill>
-                  <a:schemeClr val="lt1"/>
-                </a:solidFill>
-              </a:defRPr>
+              <a:buSzPts val="2400"/>
+              <a:buNone/>
+              <a:defRPr sz="2400"/>
             </a:lvl6pPr>
             <a:lvl7pPr lvl="6">
               <a:lnSpc>
@@ -2294,16 +1995,9 @@
               <a:spcAft>
                 <a:spcPts val="0"/>
               </a:spcAft>
-              <a:buClr>
-                <a:schemeClr val="lt1"/>
-              </a:buClr>
-              <a:buSzPts val="2100"/>
-              <a:buNone/>
-              <a:defRPr sz="2100">
-                <a:solidFill>
-                  <a:schemeClr val="lt1"/>
-                </a:solidFill>
-              </a:defRPr>
+              <a:buSzPts val="2400"/>
+              <a:buNone/>
+              <a:defRPr sz="2400"/>
             </a:lvl7pPr>
             <a:lvl8pPr lvl="7">
               <a:lnSpc>
@@ -2315,16 +2009,9 @@
               <a:spcAft>
                 <a:spcPts val="0"/>
               </a:spcAft>
-              <a:buClr>
-                <a:schemeClr val="lt1"/>
-              </a:buClr>
-              <a:buSzPts val="2100"/>
-              <a:buNone/>
-              <a:defRPr sz="2100">
-                <a:solidFill>
-                  <a:schemeClr val="lt1"/>
-                </a:solidFill>
-              </a:defRPr>
+              <a:buSzPts val="2400"/>
+              <a:buNone/>
+              <a:defRPr sz="2400"/>
             </a:lvl8pPr>
             <a:lvl9pPr lvl="8">
               <a:lnSpc>
@@ -2336,16 +2023,9 @@
               <a:spcAft>
                 <a:spcPts val="0"/>
               </a:spcAft>
-              <a:buClr>
-                <a:schemeClr val="lt1"/>
-              </a:buClr>
-              <a:buSzPts val="2100"/>
-              <a:buNone/>
-              <a:defRPr sz="2100">
-                <a:solidFill>
-                  <a:schemeClr val="lt1"/>
-                </a:solidFill>
-              </a:defRPr>
+              <a:buSzPts val="2400"/>
+              <a:buNone/>
+              <a:defRPr sz="2400"/>
             </a:lvl9pPr>
           </a:lstStyle>
           <a:p/>
@@ -2353,7 +2033,7 @@
       </p:sp>
       <p:sp>
         <p:nvSpPr>
-          <p:cNvPr id="18" name="Google Shape;18;p2"/>
+          <p:cNvPr id="13" name="Google Shape;13;p2"/>
           <p:cNvSpPr txBox="1"/>
           <p:nvPr>
             <p:ph idx="12" type="sldNum"/>
@@ -2361,7 +2041,7 @@
         </p:nvSpPr>
         <p:spPr>
           <a:xfrm>
-            <a:off x="8460431" y="4651190"/>
+            <a:off x="8497999" y="4688759"/>
             <a:ext cx="548700" cy="393600"/>
           </a:xfrm>
           <a:prstGeom prst="rect">
@@ -2375,39 +2055,75 @@
           <a:lstStyle>
             <a:lvl1pPr lvl="0">
               <a:buNone/>
-              <a:defRPr/>
+              <a:defRPr>
+                <a:solidFill>
+                  <a:schemeClr val="lt1"/>
+                </a:solidFill>
+              </a:defRPr>
             </a:lvl1pPr>
             <a:lvl2pPr lvl="1">
               <a:buNone/>
-              <a:defRPr/>
+              <a:defRPr>
+                <a:solidFill>
+                  <a:schemeClr val="lt1"/>
+                </a:solidFill>
+              </a:defRPr>
             </a:lvl2pPr>
             <a:lvl3pPr lvl="2">
               <a:buNone/>
-              <a:defRPr/>
+              <a:defRPr>
+                <a:solidFill>
+                  <a:schemeClr val="lt1"/>
+                </a:solidFill>
+              </a:defRPr>
             </a:lvl3pPr>
             <a:lvl4pPr lvl="3">
               <a:buNone/>
-              <a:defRPr/>
+              <a:defRPr>
+                <a:solidFill>
+                  <a:schemeClr val="lt1"/>
+                </a:solidFill>
+              </a:defRPr>
             </a:lvl4pPr>
             <a:lvl5pPr lvl="4">
               <a:buNone/>
-              <a:defRPr/>
+              <a:defRPr>
+                <a:solidFill>
+                  <a:schemeClr val="lt1"/>
+                </a:solidFill>
+              </a:defRPr>
             </a:lvl5pPr>
             <a:lvl6pPr lvl="5">
               <a:buNone/>
-              <a:defRPr/>
+              <a:defRPr>
+                <a:solidFill>
+                  <a:schemeClr val="lt1"/>
+                </a:solidFill>
+              </a:defRPr>
             </a:lvl6pPr>
             <a:lvl7pPr lvl="6">
               <a:buNone/>
-              <a:defRPr/>
+              <a:defRPr>
+                <a:solidFill>
+                  <a:schemeClr val="lt1"/>
+                </a:solidFill>
+              </a:defRPr>
             </a:lvl7pPr>
             <a:lvl8pPr lvl="7">
               <a:buNone/>
-              <a:defRPr/>
+              <a:defRPr>
+                <a:solidFill>
+                  <a:schemeClr val="lt1"/>
+                </a:solidFill>
+              </a:defRPr>
             </a:lvl8pPr>
             <a:lvl9pPr lvl="8">
               <a:buNone/>
-              <a:defRPr/>
+              <a:defRPr>
+                <a:solidFill>
+                  <a:schemeClr val="lt1"/>
+                </a:solidFill>
+              </a:defRPr>
             </a:lvl9pPr>
           </a:lstStyle>
           <a:p>
@@ -2439,16 +2155,9 @@
 <file path=ppt/slideLayouts/slideLayout10.xml><?xml version="1.0" encoding="utf-8"?>
 <p:sldLayout xmlns:a="http://schemas.openxmlformats.org/drawingml/2006/main" xmlns:r="http://schemas.openxmlformats.org/officeDocument/2006/relationships" xmlns:mc="http://schemas.openxmlformats.org/markup-compatibility/2006" xmlns:mv="urn:schemas-microsoft-com:mac:vml" xmlns:p="http://schemas.openxmlformats.org/presentationml/2006/main" xmlns:c="http://schemas.openxmlformats.org/drawingml/2006/chart" xmlns:dgm="http://schemas.openxmlformats.org/drawingml/2006/diagram" xmlns:o="urn:schemas-microsoft-com:office:office" xmlns:v="urn:schemas-microsoft-com:vml" xmlns:pvml="urn:schemas-microsoft-com:office:powerpoint" xmlns:com="http://schemas.openxmlformats.org/drawingml/2006/compatibility" xmlns:p14="http://schemas.microsoft.com/office/powerpoint/2010/main" xmlns:p15="http://schemas.microsoft.com/office/powerpoint/2012/main" xmlns:ahyp="http://schemas.microsoft.com/office/drawing/2018/hyperlinkcolor" matchingName="Big number">
   <p:cSld name="BIG_NUMBER">
-    <p:bg>
-      <p:bgPr>
-        <a:solidFill>
-          <a:schemeClr val="dk1"/>
-        </a:solidFill>
-      </p:bgPr>
-    </p:bg>
     <p:spTree>
       <p:nvGrpSpPr>
-        <p:cNvPr id="69" name="Shape 69"/>
+        <p:cNvPr id="47" name="Shape 47"/>
         <p:cNvGrpSpPr/>
         <p:nvPr/>
       </p:nvGrpSpPr>
@@ -2460,239 +2169,52 @@
           <a:chExt cx="0" cy="0"/>
         </a:xfrm>
       </p:grpSpPr>
-      <p:grpSp>
-        <p:nvGrpSpPr>
-          <p:cNvPr id="70" name="Google Shape;70;p11"/>
-          <p:cNvGrpSpPr/>
-          <p:nvPr/>
-        </p:nvGrpSpPr>
-        <p:grpSpPr>
-          <a:xfrm>
-            <a:off x="6098378" y="5"/>
-            <a:ext cx="3045625" cy="2030570"/>
-            <a:chOff x="6098378" y="5"/>
-            <a:chExt cx="3045625" cy="2030570"/>
-          </a:xfrm>
-        </p:grpSpPr>
-        <p:sp>
-          <p:nvSpPr>
-            <p:cNvPr id="71" name="Google Shape;71;p11"/>
-            <p:cNvSpPr/>
-            <p:nvPr/>
-          </p:nvSpPr>
-          <p:spPr>
-            <a:xfrm>
-              <a:off x="8128803" y="16"/>
-              <a:ext cx="1015200" cy="1015200"/>
-            </a:xfrm>
-            <a:prstGeom prst="rect">
-              <a:avLst/>
-            </a:prstGeom>
-            <a:solidFill>
-              <a:schemeClr val="accent1"/>
-            </a:solidFill>
-            <a:ln>
-              <a:noFill/>
-            </a:ln>
-          </p:spPr>
-          <p:txBody>
-            <a:bodyPr anchorCtr="0" anchor="ctr" bIns="91425" lIns="91425" spcFirstLastPara="1" rIns="91425" wrap="square" tIns="91425">
-              <a:noAutofit/>
-            </a:bodyPr>
-            <a:lstStyle/>
-            <a:p>
-              <a:pPr indent="0" lvl="0" marL="0" rtl="0" algn="l">
-                <a:spcBef>
-                  <a:spcPts val="0"/>
-                </a:spcBef>
-                <a:spcAft>
-                  <a:spcPts val="0"/>
-                </a:spcAft>
-                <a:buNone/>
-              </a:pPr>
-              <a:r>
-                <a:t/>
-              </a:r>
-              <a:endParaRPr/>
-            </a:p>
-          </p:txBody>
-        </p:sp>
-        <p:sp>
-          <p:nvSpPr>
-            <p:cNvPr id="72" name="Google Shape;72;p11"/>
-            <p:cNvSpPr/>
-            <p:nvPr/>
-          </p:nvSpPr>
-          <p:spPr>
-            <a:xfrm flipH="1">
-              <a:off x="7113463" y="5"/>
-              <a:ext cx="1015200" cy="1015200"/>
-            </a:xfrm>
-            <a:prstGeom prst="rtTriangle">
-              <a:avLst/>
-            </a:prstGeom>
-            <a:solidFill>
-              <a:schemeClr val="accent2"/>
-            </a:solidFill>
-            <a:ln>
-              <a:noFill/>
-            </a:ln>
-          </p:spPr>
-          <p:txBody>
-            <a:bodyPr anchorCtr="0" anchor="ctr" bIns="91425" lIns="91425" spcFirstLastPara="1" rIns="91425" wrap="square" tIns="91425">
-              <a:noAutofit/>
-            </a:bodyPr>
-            <a:lstStyle/>
-            <a:p>
-              <a:pPr indent="0" lvl="0" marL="0" rtl="0" algn="l">
-                <a:spcBef>
-                  <a:spcPts val="0"/>
-                </a:spcBef>
-                <a:spcAft>
-                  <a:spcPts val="0"/>
-                </a:spcAft>
-                <a:buNone/>
-              </a:pPr>
-              <a:r>
-                <a:t/>
-              </a:r>
-              <a:endParaRPr/>
-            </a:p>
-          </p:txBody>
-        </p:sp>
-        <p:sp>
-          <p:nvSpPr>
-            <p:cNvPr id="73" name="Google Shape;73;p11"/>
-            <p:cNvSpPr/>
-            <p:nvPr/>
-          </p:nvSpPr>
-          <p:spPr>
-            <a:xfrm flipH="1" rot="10800000">
-              <a:off x="7113588" y="107"/>
-              <a:ext cx="1015200" cy="1015200"/>
-            </a:xfrm>
-            <a:prstGeom prst="rtTriangle">
-              <a:avLst/>
-            </a:prstGeom>
-            <a:solidFill>
-              <a:schemeClr val="accent6"/>
-            </a:solidFill>
-            <a:ln>
-              <a:noFill/>
-            </a:ln>
-          </p:spPr>
-          <p:txBody>
-            <a:bodyPr anchorCtr="0" anchor="ctr" bIns="91425" lIns="91425" spcFirstLastPara="1" rIns="91425" wrap="square" tIns="91425">
-              <a:noAutofit/>
-            </a:bodyPr>
-            <a:lstStyle/>
-            <a:p>
-              <a:pPr indent="0" lvl="0" marL="0" rtl="0" algn="l">
-                <a:spcBef>
-                  <a:spcPts val="0"/>
-                </a:spcBef>
-                <a:spcAft>
-                  <a:spcPts val="0"/>
-                </a:spcAft>
-                <a:buNone/>
-              </a:pPr>
-              <a:r>
-                <a:t/>
-              </a:r>
-              <a:endParaRPr/>
-            </a:p>
-          </p:txBody>
-        </p:sp>
-        <p:sp>
-          <p:nvSpPr>
-            <p:cNvPr id="74" name="Google Shape;74;p11"/>
-            <p:cNvSpPr/>
-            <p:nvPr/>
-          </p:nvSpPr>
-          <p:spPr>
-            <a:xfrm rot="10800000">
-              <a:off x="6098378" y="97"/>
-              <a:ext cx="1015200" cy="1015200"/>
-            </a:xfrm>
-            <a:prstGeom prst="rtTriangle">
-              <a:avLst/>
-            </a:prstGeom>
-            <a:solidFill>
-              <a:schemeClr val="accent1"/>
-            </a:solidFill>
-            <a:ln>
-              <a:noFill/>
-            </a:ln>
-          </p:spPr>
-          <p:txBody>
-            <a:bodyPr anchorCtr="0" anchor="ctr" bIns="91425" lIns="91425" spcFirstLastPara="1" rIns="91425" wrap="square" tIns="91425">
-              <a:noAutofit/>
-            </a:bodyPr>
-            <a:lstStyle/>
-            <a:p>
-              <a:pPr indent="0" lvl="0" marL="0" rtl="0" algn="l">
-                <a:spcBef>
-                  <a:spcPts val="0"/>
-                </a:spcBef>
-                <a:spcAft>
-                  <a:spcPts val="0"/>
-                </a:spcAft>
-                <a:buNone/>
-              </a:pPr>
-              <a:r>
-                <a:t/>
-              </a:r>
-              <a:endParaRPr/>
-            </a:p>
-          </p:txBody>
-        </p:sp>
-        <p:sp>
-          <p:nvSpPr>
-            <p:cNvPr id="75" name="Google Shape;75;p11"/>
-            <p:cNvSpPr/>
-            <p:nvPr/>
-          </p:nvSpPr>
-          <p:spPr>
-            <a:xfrm rot="10800000">
-              <a:off x="8128789" y="1015375"/>
-              <a:ext cx="1015200" cy="1015200"/>
-            </a:xfrm>
-            <a:prstGeom prst="rtTriangle">
-              <a:avLst/>
-            </a:prstGeom>
-            <a:solidFill>
-              <a:schemeClr val="accent6"/>
-            </a:solidFill>
-            <a:ln>
-              <a:noFill/>
-            </a:ln>
-          </p:spPr>
-          <p:txBody>
-            <a:bodyPr anchorCtr="0" anchor="ctr" bIns="91425" lIns="91425" spcFirstLastPara="1" rIns="91425" wrap="square" tIns="91425">
-              <a:noAutofit/>
-            </a:bodyPr>
-            <a:lstStyle/>
-            <a:p>
-              <a:pPr indent="0" lvl="0" marL="0" rtl="0" algn="l">
-                <a:spcBef>
-                  <a:spcPts val="0"/>
-                </a:spcBef>
-                <a:spcAft>
-                  <a:spcPts val="0"/>
-                </a:spcAft>
-                <a:buNone/>
-              </a:pPr>
-              <a:r>
-                <a:t/>
-              </a:r>
-              <a:endParaRPr/>
-            </a:p>
-          </p:txBody>
-        </p:sp>
-      </p:grpSp>
       <p:sp>
         <p:nvSpPr>
-          <p:cNvPr id="76" name="Google Shape;76;p11"/>
+          <p:cNvPr id="48" name="Google Shape;48;p11"/>
+          <p:cNvSpPr/>
+          <p:nvPr/>
+        </p:nvSpPr>
+        <p:spPr>
+          <a:xfrm>
+            <a:off x="80700" y="2651100"/>
+            <a:ext cx="8982600" cy="2411700"/>
+          </a:xfrm>
+          <a:prstGeom prst="rect">
+            <a:avLst/>
+          </a:prstGeom>
+          <a:solidFill>
+            <a:schemeClr val="accent2"/>
+          </a:solidFill>
+          <a:ln>
+            <a:noFill/>
+          </a:ln>
+        </p:spPr>
+        <p:txBody>
+          <a:bodyPr anchorCtr="0" anchor="ctr" bIns="91425" lIns="91425" spcFirstLastPara="1" rIns="91425" wrap="square" tIns="91425">
+            <a:noAutofit/>
+          </a:bodyPr>
+          <a:lstStyle/>
+          <a:p>
+            <a:pPr indent="0" lvl="0" marL="0" rtl="0" algn="l">
+              <a:spcBef>
+                <a:spcPts val="0"/>
+              </a:spcBef>
+              <a:spcAft>
+                <a:spcPts val="0"/>
+              </a:spcAft>
+              <a:buNone/>
+            </a:pPr>
+            <a:r>
+              <a:t/>
+            </a:r>
+            <a:endParaRPr/>
+          </a:p>
+        </p:txBody>
+      </p:sp>
+      <p:sp>
+        <p:nvSpPr>
+          <p:cNvPr id="49" name="Google Shape;49;p11"/>
           <p:cNvSpPr txBox="1"/>
           <p:nvPr>
             <p:ph hasCustomPrompt="1" type="title"/>
@@ -2700,8 +2222,8 @@
         </p:nvSpPr>
         <p:spPr>
           <a:xfrm>
-            <a:off x="311700" y="1256050"/>
-            <a:ext cx="8520600" cy="2030700"/>
+            <a:off x="311700" y="743001"/>
+            <a:ext cx="8520600" cy="2006400"/>
           </a:xfrm>
           <a:prstGeom prst="rect">
             <a:avLst/>
@@ -2719,15 +2241,14 @@
               <a:spcAft>
                 <a:spcPts val="0"/>
               </a:spcAft>
-              <a:buClr>
-                <a:schemeClr val="lt1"/>
-              </a:buClr>
               <a:buSzPts val="12000"/>
+              <a:buFont typeface="Source Sans Pro"/>
               <a:buNone/>
               <a:defRPr sz="12000">
-                <a:solidFill>
-                  <a:schemeClr val="lt1"/>
-                </a:solidFill>
+                <a:latin typeface="Source Sans Pro"/>
+                <a:ea typeface="Source Sans Pro"/>
+                <a:cs typeface="Source Sans Pro"/>
+                <a:sym typeface="Source Sans Pro"/>
               </a:defRPr>
             </a:lvl1pPr>
             <a:lvl2pPr lvl="1" algn="ctr">
@@ -2737,15 +2258,14 @@
               <a:spcAft>
                 <a:spcPts val="0"/>
               </a:spcAft>
-              <a:buClr>
-                <a:schemeClr val="lt1"/>
-              </a:buClr>
               <a:buSzPts val="12000"/>
+              <a:buFont typeface="Source Sans Pro"/>
               <a:buNone/>
               <a:defRPr sz="12000">
-                <a:solidFill>
-                  <a:schemeClr val="lt1"/>
-                </a:solidFill>
+                <a:latin typeface="Source Sans Pro"/>
+                <a:ea typeface="Source Sans Pro"/>
+                <a:cs typeface="Source Sans Pro"/>
+                <a:sym typeface="Source Sans Pro"/>
               </a:defRPr>
             </a:lvl2pPr>
             <a:lvl3pPr lvl="2" algn="ctr">
@@ -2755,15 +2275,14 @@
               <a:spcAft>
                 <a:spcPts val="0"/>
               </a:spcAft>
-              <a:buClr>
-                <a:schemeClr val="lt1"/>
-              </a:buClr>
               <a:buSzPts val="12000"/>
+              <a:buFont typeface="Source Sans Pro"/>
               <a:buNone/>
               <a:defRPr sz="12000">
-                <a:solidFill>
-                  <a:schemeClr val="lt1"/>
-                </a:solidFill>
+                <a:latin typeface="Source Sans Pro"/>
+                <a:ea typeface="Source Sans Pro"/>
+                <a:cs typeface="Source Sans Pro"/>
+                <a:sym typeface="Source Sans Pro"/>
               </a:defRPr>
             </a:lvl3pPr>
             <a:lvl4pPr lvl="3" algn="ctr">
@@ -2773,15 +2292,14 @@
               <a:spcAft>
                 <a:spcPts val="0"/>
               </a:spcAft>
-              <a:buClr>
-                <a:schemeClr val="lt1"/>
-              </a:buClr>
               <a:buSzPts val="12000"/>
+              <a:buFont typeface="Source Sans Pro"/>
               <a:buNone/>
               <a:defRPr sz="12000">
-                <a:solidFill>
-                  <a:schemeClr val="lt1"/>
-                </a:solidFill>
+                <a:latin typeface="Source Sans Pro"/>
+                <a:ea typeface="Source Sans Pro"/>
+                <a:cs typeface="Source Sans Pro"/>
+                <a:sym typeface="Source Sans Pro"/>
               </a:defRPr>
             </a:lvl4pPr>
             <a:lvl5pPr lvl="4" algn="ctr">
@@ -2791,15 +2309,14 @@
               <a:spcAft>
                 <a:spcPts val="0"/>
               </a:spcAft>
-              <a:buClr>
-                <a:schemeClr val="lt1"/>
-              </a:buClr>
               <a:buSzPts val="12000"/>
+              <a:buFont typeface="Source Sans Pro"/>
               <a:buNone/>
               <a:defRPr sz="12000">
-                <a:solidFill>
-                  <a:schemeClr val="lt1"/>
-                </a:solidFill>
+                <a:latin typeface="Source Sans Pro"/>
+                <a:ea typeface="Source Sans Pro"/>
+                <a:cs typeface="Source Sans Pro"/>
+                <a:sym typeface="Source Sans Pro"/>
               </a:defRPr>
             </a:lvl5pPr>
             <a:lvl6pPr lvl="5" algn="ctr">
@@ -2809,15 +2326,14 @@
               <a:spcAft>
                 <a:spcPts val="0"/>
               </a:spcAft>
-              <a:buClr>
-                <a:schemeClr val="lt1"/>
-              </a:buClr>
               <a:buSzPts val="12000"/>
+              <a:buFont typeface="Source Sans Pro"/>
               <a:buNone/>
               <a:defRPr sz="12000">
-                <a:solidFill>
-                  <a:schemeClr val="lt1"/>
-                </a:solidFill>
+                <a:latin typeface="Source Sans Pro"/>
+                <a:ea typeface="Source Sans Pro"/>
+                <a:cs typeface="Source Sans Pro"/>
+                <a:sym typeface="Source Sans Pro"/>
               </a:defRPr>
             </a:lvl6pPr>
             <a:lvl7pPr lvl="6" algn="ctr">
@@ -2827,15 +2343,14 @@
               <a:spcAft>
                 <a:spcPts val="0"/>
               </a:spcAft>
-              <a:buClr>
-                <a:schemeClr val="lt1"/>
-              </a:buClr>
               <a:buSzPts val="12000"/>
+              <a:buFont typeface="Source Sans Pro"/>
               <a:buNone/>
               <a:defRPr sz="12000">
-                <a:solidFill>
-                  <a:schemeClr val="lt1"/>
-                </a:solidFill>
+                <a:latin typeface="Source Sans Pro"/>
+                <a:ea typeface="Source Sans Pro"/>
+                <a:cs typeface="Source Sans Pro"/>
+                <a:sym typeface="Source Sans Pro"/>
               </a:defRPr>
             </a:lvl7pPr>
             <a:lvl8pPr lvl="7" algn="ctr">
@@ -2845,15 +2360,14 @@
               <a:spcAft>
                 <a:spcPts val="0"/>
               </a:spcAft>
-              <a:buClr>
-                <a:schemeClr val="lt1"/>
-              </a:buClr>
               <a:buSzPts val="12000"/>
+              <a:buFont typeface="Source Sans Pro"/>
               <a:buNone/>
               <a:defRPr sz="12000">
-                <a:solidFill>
-                  <a:schemeClr val="lt1"/>
-                </a:solidFill>
+                <a:latin typeface="Source Sans Pro"/>
+                <a:ea typeface="Source Sans Pro"/>
+                <a:cs typeface="Source Sans Pro"/>
+                <a:sym typeface="Source Sans Pro"/>
               </a:defRPr>
             </a:lvl8pPr>
             <a:lvl9pPr lvl="8" algn="ctr">
@@ -2863,15 +2377,14 @@
               <a:spcAft>
                 <a:spcPts val="0"/>
               </a:spcAft>
-              <a:buClr>
-                <a:schemeClr val="lt1"/>
-              </a:buClr>
               <a:buSzPts val="12000"/>
+              <a:buFont typeface="Source Sans Pro"/>
               <a:buNone/>
               <a:defRPr sz="12000">
-                <a:solidFill>
-                  <a:schemeClr val="lt1"/>
-                </a:solidFill>
+                <a:latin typeface="Source Sans Pro"/>
+                <a:ea typeface="Source Sans Pro"/>
+                <a:cs typeface="Source Sans Pro"/>
+                <a:sym typeface="Source Sans Pro"/>
               </a:defRPr>
             </a:lvl9pPr>
           </a:lstStyle>
@@ -2884,7 +2397,7 @@
       </p:sp>
       <p:sp>
         <p:nvSpPr>
-          <p:cNvPr id="77" name="Google Shape;77;p11"/>
+          <p:cNvPr id="50" name="Google Shape;50;p11"/>
           <p:cNvSpPr txBox="1"/>
           <p:nvPr>
             <p:ph idx="1" type="body"/>
@@ -2892,8 +2405,8 @@
         </p:nvSpPr>
         <p:spPr>
           <a:xfrm>
-            <a:off x="311700" y="3369225"/>
-            <a:ext cx="8520600" cy="1281900"/>
+            <a:off x="311700" y="2845182"/>
+            <a:ext cx="8520600" cy="1300800"/>
           </a:xfrm>
           <a:prstGeom prst="rect">
             <a:avLst/>
@@ -3072,7 +2585,7 @@
       </p:sp>
       <p:sp>
         <p:nvSpPr>
-          <p:cNvPr id="78" name="Google Shape;78;p11"/>
+          <p:cNvPr id="51" name="Google Shape;51;p11"/>
           <p:cNvSpPr txBox="1"/>
           <p:nvPr>
             <p:ph idx="12" type="sldNum"/>
@@ -3080,7 +2593,7 @@
         </p:nvSpPr>
         <p:spPr>
           <a:xfrm>
-            <a:off x="8460431" y="4651190"/>
+            <a:off x="8497999" y="4688759"/>
             <a:ext cx="548700" cy="393600"/>
           </a:xfrm>
           <a:prstGeom prst="rect">
@@ -3094,39 +2607,75 @@
           <a:lstStyle>
             <a:lvl1pPr lvl="0">
               <a:buNone/>
-              <a:defRPr/>
+              <a:defRPr>
+                <a:solidFill>
+                  <a:schemeClr val="lt1"/>
+                </a:solidFill>
+              </a:defRPr>
             </a:lvl1pPr>
             <a:lvl2pPr lvl="1">
               <a:buNone/>
-              <a:defRPr/>
+              <a:defRPr>
+                <a:solidFill>
+                  <a:schemeClr val="lt1"/>
+                </a:solidFill>
+              </a:defRPr>
             </a:lvl2pPr>
             <a:lvl3pPr lvl="2">
               <a:buNone/>
-              <a:defRPr/>
+              <a:defRPr>
+                <a:solidFill>
+                  <a:schemeClr val="lt1"/>
+                </a:solidFill>
+              </a:defRPr>
             </a:lvl3pPr>
             <a:lvl4pPr lvl="3">
               <a:buNone/>
-              <a:defRPr/>
+              <a:defRPr>
+                <a:solidFill>
+                  <a:schemeClr val="lt1"/>
+                </a:solidFill>
+              </a:defRPr>
             </a:lvl4pPr>
             <a:lvl5pPr lvl="4">
               <a:buNone/>
-              <a:defRPr/>
+              <a:defRPr>
+                <a:solidFill>
+                  <a:schemeClr val="lt1"/>
+                </a:solidFill>
+              </a:defRPr>
             </a:lvl5pPr>
             <a:lvl6pPr lvl="5">
               <a:buNone/>
-              <a:defRPr/>
+              <a:defRPr>
+                <a:solidFill>
+                  <a:schemeClr val="lt1"/>
+                </a:solidFill>
+              </a:defRPr>
             </a:lvl6pPr>
             <a:lvl7pPr lvl="6">
               <a:buNone/>
-              <a:defRPr/>
+              <a:defRPr>
+                <a:solidFill>
+                  <a:schemeClr val="lt1"/>
+                </a:solidFill>
+              </a:defRPr>
             </a:lvl7pPr>
             <a:lvl8pPr lvl="7">
               <a:buNone/>
-              <a:defRPr/>
+              <a:defRPr>
+                <a:solidFill>
+                  <a:schemeClr val="lt1"/>
+                </a:solidFill>
+              </a:defRPr>
             </a:lvl8pPr>
             <a:lvl9pPr lvl="8">
               <a:buNone/>
-              <a:defRPr/>
+              <a:defRPr>
+                <a:solidFill>
+                  <a:schemeClr val="lt1"/>
+                </a:solidFill>
+              </a:defRPr>
             </a:lvl9pPr>
           </a:lstStyle>
           <a:p>
@@ -3160,7 +2709,7 @@
   <p:cSld name="BLANK">
     <p:spTree>
       <p:nvGrpSpPr>
-        <p:cNvPr id="79" name="Shape 79"/>
+        <p:cNvPr id="52" name="Shape 52"/>
         <p:cNvGrpSpPr/>
         <p:nvPr/>
       </p:nvGrpSpPr>
@@ -3174,7 +2723,7 @@
       </p:grpSpPr>
       <p:sp>
         <p:nvSpPr>
-          <p:cNvPr id="80" name="Google Shape;80;p12"/>
+          <p:cNvPr id="53" name="Google Shape;53;p12"/>
           <p:cNvSpPr txBox="1"/>
           <p:nvPr>
             <p:ph idx="12" type="sldNum"/>
@@ -3182,7 +2731,7 @@
         </p:nvSpPr>
         <p:spPr>
           <a:xfrm>
-            <a:off x="8460431" y="4651190"/>
+            <a:off x="8497999" y="4688759"/>
             <a:ext cx="548700" cy="393600"/>
           </a:xfrm>
           <a:prstGeom prst="rect">
@@ -3196,75 +2745,39 @@
           <a:lstStyle>
             <a:lvl1pPr lvl="0">
               <a:buNone/>
-              <a:defRPr>
-                <a:solidFill>
-                  <a:schemeClr val="dk2"/>
-                </a:solidFill>
-              </a:defRPr>
+              <a:defRPr/>
             </a:lvl1pPr>
             <a:lvl2pPr lvl="1">
               <a:buNone/>
-              <a:defRPr>
-                <a:solidFill>
-                  <a:schemeClr val="dk2"/>
-                </a:solidFill>
-              </a:defRPr>
+              <a:defRPr/>
             </a:lvl2pPr>
             <a:lvl3pPr lvl="2">
               <a:buNone/>
-              <a:defRPr>
-                <a:solidFill>
-                  <a:schemeClr val="dk2"/>
-                </a:solidFill>
-              </a:defRPr>
+              <a:defRPr/>
             </a:lvl3pPr>
             <a:lvl4pPr lvl="3">
               <a:buNone/>
-              <a:defRPr>
-                <a:solidFill>
-                  <a:schemeClr val="dk2"/>
-                </a:solidFill>
-              </a:defRPr>
+              <a:defRPr/>
             </a:lvl4pPr>
             <a:lvl5pPr lvl="4">
               <a:buNone/>
-              <a:defRPr>
-                <a:solidFill>
-                  <a:schemeClr val="dk2"/>
-                </a:solidFill>
-              </a:defRPr>
+              <a:defRPr/>
             </a:lvl5pPr>
             <a:lvl6pPr lvl="5">
               <a:buNone/>
-              <a:defRPr>
-                <a:solidFill>
-                  <a:schemeClr val="dk2"/>
-                </a:solidFill>
-              </a:defRPr>
+              <a:defRPr/>
             </a:lvl6pPr>
             <a:lvl7pPr lvl="6">
               <a:buNone/>
-              <a:defRPr>
-                <a:solidFill>
-                  <a:schemeClr val="dk2"/>
-                </a:solidFill>
-              </a:defRPr>
+              <a:defRPr/>
             </a:lvl7pPr>
             <a:lvl8pPr lvl="7">
               <a:buNone/>
-              <a:defRPr>
-                <a:solidFill>
-                  <a:schemeClr val="dk2"/>
-                </a:solidFill>
-              </a:defRPr>
+              <a:defRPr/>
             </a:lvl8pPr>
             <a:lvl9pPr lvl="8">
               <a:buNone/>
-              <a:defRPr>
-                <a:solidFill>
-                  <a:schemeClr val="dk2"/>
-                </a:solidFill>
-              </a:defRPr>
+              <a:defRPr/>
             </a:lvl9pPr>
           </a:lstStyle>
           <a:p>
@@ -3296,16 +2809,9 @@
 <file path=ppt/slideLayouts/slideLayout2.xml><?xml version="1.0" encoding="utf-8"?>
 <p:sldLayout xmlns:a="http://schemas.openxmlformats.org/drawingml/2006/main" xmlns:r="http://schemas.openxmlformats.org/officeDocument/2006/relationships" xmlns:mc="http://schemas.openxmlformats.org/markup-compatibility/2006" xmlns:mv="urn:schemas-microsoft-com:mac:vml" xmlns:p="http://schemas.openxmlformats.org/presentationml/2006/main" xmlns:c="http://schemas.openxmlformats.org/drawingml/2006/chart" xmlns:dgm="http://schemas.openxmlformats.org/drawingml/2006/diagram" xmlns:o="urn:schemas-microsoft-com:office:office" xmlns:v="urn:schemas-microsoft-com:vml" xmlns:pvml="urn:schemas-microsoft-com:office:powerpoint" xmlns:com="http://schemas.openxmlformats.org/drawingml/2006/compatibility" xmlns:p14="http://schemas.microsoft.com/office/powerpoint/2010/main" xmlns:p15="http://schemas.microsoft.com/office/powerpoint/2012/main" xmlns:ahyp="http://schemas.microsoft.com/office/drawing/2018/hyperlinkcolor" matchingName="Section header" type="secHead">
   <p:cSld name="SECTION_HEADER">
-    <p:bg>
-      <p:bgPr>
-        <a:solidFill>
-          <a:schemeClr val="dk1"/>
-        </a:solidFill>
-      </p:bgPr>
-    </p:bg>
     <p:spTree>
       <p:nvGrpSpPr>
-        <p:cNvPr id="19" name="Shape 19"/>
+        <p:cNvPr id="14" name="Shape 14"/>
         <p:cNvGrpSpPr/>
         <p:nvPr/>
       </p:nvGrpSpPr>
@@ -3317,239 +2823,52 @@
           <a:chExt cx="0" cy="0"/>
         </a:xfrm>
       </p:grpSpPr>
-      <p:grpSp>
-        <p:nvGrpSpPr>
-          <p:cNvPr id="20" name="Google Shape;20;p3"/>
-          <p:cNvGrpSpPr/>
-          <p:nvPr/>
-        </p:nvGrpSpPr>
-        <p:grpSpPr>
-          <a:xfrm>
-            <a:off x="6098378" y="5"/>
-            <a:ext cx="3045625" cy="2030570"/>
-            <a:chOff x="6098378" y="5"/>
-            <a:chExt cx="3045625" cy="2030570"/>
-          </a:xfrm>
-        </p:grpSpPr>
-        <p:sp>
-          <p:nvSpPr>
-            <p:cNvPr id="21" name="Google Shape;21;p3"/>
-            <p:cNvSpPr/>
-            <p:nvPr/>
-          </p:nvSpPr>
-          <p:spPr>
-            <a:xfrm>
-              <a:off x="8128803" y="16"/>
-              <a:ext cx="1015200" cy="1015200"/>
-            </a:xfrm>
-            <a:prstGeom prst="rect">
-              <a:avLst/>
-            </a:prstGeom>
-            <a:solidFill>
-              <a:schemeClr val="accent1"/>
-            </a:solidFill>
-            <a:ln>
-              <a:noFill/>
-            </a:ln>
-          </p:spPr>
-          <p:txBody>
-            <a:bodyPr anchorCtr="0" anchor="ctr" bIns="91425" lIns="91425" spcFirstLastPara="1" rIns="91425" wrap="square" tIns="91425">
-              <a:noAutofit/>
-            </a:bodyPr>
-            <a:lstStyle/>
-            <a:p>
-              <a:pPr indent="0" lvl="0" marL="0" rtl="0" algn="l">
-                <a:spcBef>
-                  <a:spcPts val="0"/>
-                </a:spcBef>
-                <a:spcAft>
-                  <a:spcPts val="0"/>
-                </a:spcAft>
-                <a:buNone/>
-              </a:pPr>
-              <a:r>
-                <a:t/>
-              </a:r>
-              <a:endParaRPr/>
-            </a:p>
-          </p:txBody>
-        </p:sp>
-        <p:sp>
-          <p:nvSpPr>
-            <p:cNvPr id="22" name="Google Shape;22;p3"/>
-            <p:cNvSpPr/>
-            <p:nvPr/>
-          </p:nvSpPr>
-          <p:spPr>
-            <a:xfrm flipH="1">
-              <a:off x="7113463" y="5"/>
-              <a:ext cx="1015200" cy="1015200"/>
-            </a:xfrm>
-            <a:prstGeom prst="rtTriangle">
-              <a:avLst/>
-            </a:prstGeom>
-            <a:solidFill>
-              <a:schemeClr val="accent2"/>
-            </a:solidFill>
-            <a:ln>
-              <a:noFill/>
-            </a:ln>
-          </p:spPr>
-          <p:txBody>
-            <a:bodyPr anchorCtr="0" anchor="ctr" bIns="91425" lIns="91425" spcFirstLastPara="1" rIns="91425" wrap="square" tIns="91425">
-              <a:noAutofit/>
-            </a:bodyPr>
-            <a:lstStyle/>
-            <a:p>
-              <a:pPr indent="0" lvl="0" marL="0" rtl="0" algn="l">
-                <a:spcBef>
-                  <a:spcPts val="0"/>
-                </a:spcBef>
-                <a:spcAft>
-                  <a:spcPts val="0"/>
-                </a:spcAft>
-                <a:buNone/>
-              </a:pPr>
-              <a:r>
-                <a:t/>
-              </a:r>
-              <a:endParaRPr/>
-            </a:p>
-          </p:txBody>
-        </p:sp>
-        <p:sp>
-          <p:nvSpPr>
-            <p:cNvPr id="23" name="Google Shape;23;p3"/>
-            <p:cNvSpPr/>
-            <p:nvPr/>
-          </p:nvSpPr>
-          <p:spPr>
-            <a:xfrm flipH="1" rot="10800000">
-              <a:off x="7113588" y="107"/>
-              <a:ext cx="1015200" cy="1015200"/>
-            </a:xfrm>
-            <a:prstGeom prst="rtTriangle">
-              <a:avLst/>
-            </a:prstGeom>
-            <a:solidFill>
-              <a:schemeClr val="accent6"/>
-            </a:solidFill>
-            <a:ln>
-              <a:noFill/>
-            </a:ln>
-          </p:spPr>
-          <p:txBody>
-            <a:bodyPr anchorCtr="0" anchor="ctr" bIns="91425" lIns="91425" spcFirstLastPara="1" rIns="91425" wrap="square" tIns="91425">
-              <a:noAutofit/>
-            </a:bodyPr>
-            <a:lstStyle/>
-            <a:p>
-              <a:pPr indent="0" lvl="0" marL="0" rtl="0" algn="l">
-                <a:spcBef>
-                  <a:spcPts val="0"/>
-                </a:spcBef>
-                <a:spcAft>
-                  <a:spcPts val="0"/>
-                </a:spcAft>
-                <a:buNone/>
-              </a:pPr>
-              <a:r>
-                <a:t/>
-              </a:r>
-              <a:endParaRPr/>
-            </a:p>
-          </p:txBody>
-        </p:sp>
-        <p:sp>
-          <p:nvSpPr>
-            <p:cNvPr id="24" name="Google Shape;24;p3"/>
-            <p:cNvSpPr/>
-            <p:nvPr/>
-          </p:nvSpPr>
-          <p:spPr>
-            <a:xfrm rot="10800000">
-              <a:off x="6098378" y="97"/>
-              <a:ext cx="1015200" cy="1015200"/>
-            </a:xfrm>
-            <a:prstGeom prst="rtTriangle">
-              <a:avLst/>
-            </a:prstGeom>
-            <a:solidFill>
-              <a:schemeClr val="accent1"/>
-            </a:solidFill>
-            <a:ln>
-              <a:noFill/>
-            </a:ln>
-          </p:spPr>
-          <p:txBody>
-            <a:bodyPr anchorCtr="0" anchor="ctr" bIns="91425" lIns="91425" spcFirstLastPara="1" rIns="91425" wrap="square" tIns="91425">
-              <a:noAutofit/>
-            </a:bodyPr>
-            <a:lstStyle/>
-            <a:p>
-              <a:pPr indent="0" lvl="0" marL="0" rtl="0" algn="l">
-                <a:spcBef>
-                  <a:spcPts val="0"/>
-                </a:spcBef>
-                <a:spcAft>
-                  <a:spcPts val="0"/>
-                </a:spcAft>
-                <a:buNone/>
-              </a:pPr>
-              <a:r>
-                <a:t/>
-              </a:r>
-              <a:endParaRPr/>
-            </a:p>
-          </p:txBody>
-        </p:sp>
-        <p:sp>
-          <p:nvSpPr>
-            <p:cNvPr id="25" name="Google Shape;25;p3"/>
-            <p:cNvSpPr/>
-            <p:nvPr/>
-          </p:nvSpPr>
-          <p:spPr>
-            <a:xfrm rot="10800000">
-              <a:off x="8128789" y="1015375"/>
-              <a:ext cx="1015200" cy="1015200"/>
-            </a:xfrm>
-            <a:prstGeom prst="rtTriangle">
-              <a:avLst/>
-            </a:prstGeom>
-            <a:solidFill>
-              <a:schemeClr val="accent6"/>
-            </a:solidFill>
-            <a:ln>
-              <a:noFill/>
-            </a:ln>
-          </p:spPr>
-          <p:txBody>
-            <a:bodyPr anchorCtr="0" anchor="ctr" bIns="91425" lIns="91425" spcFirstLastPara="1" rIns="91425" wrap="square" tIns="91425">
-              <a:noAutofit/>
-            </a:bodyPr>
-            <a:lstStyle/>
-            <a:p>
-              <a:pPr indent="0" lvl="0" marL="0" rtl="0" algn="l">
-                <a:spcBef>
-                  <a:spcPts val="0"/>
-                </a:spcBef>
-                <a:spcAft>
-                  <a:spcPts val="0"/>
-                </a:spcAft>
-                <a:buNone/>
-              </a:pPr>
-              <a:r>
-                <a:t/>
-              </a:r>
-              <a:endParaRPr/>
-            </a:p>
-          </p:txBody>
-        </p:sp>
-      </p:grpSp>
       <p:sp>
         <p:nvSpPr>
-          <p:cNvPr id="26" name="Google Shape;26;p3"/>
+          <p:cNvPr id="15" name="Google Shape;15;p3"/>
+          <p:cNvSpPr/>
+          <p:nvPr/>
+        </p:nvSpPr>
+        <p:spPr>
+          <a:xfrm>
+            <a:off x="80700" y="2651100"/>
+            <a:ext cx="8982600" cy="2411700"/>
+          </a:xfrm>
+          <a:prstGeom prst="rect">
+            <a:avLst/>
+          </a:prstGeom>
+          <a:solidFill>
+            <a:schemeClr val="accent2"/>
+          </a:solidFill>
+          <a:ln>
+            <a:noFill/>
+          </a:ln>
+        </p:spPr>
+        <p:txBody>
+          <a:bodyPr anchorCtr="0" anchor="ctr" bIns="91425" lIns="91425" spcFirstLastPara="1" rIns="91425" wrap="square" tIns="91425">
+            <a:noAutofit/>
+          </a:bodyPr>
+          <a:lstStyle/>
+          <a:p>
+            <a:pPr indent="0" lvl="0" marL="0" rtl="0" algn="l">
+              <a:spcBef>
+                <a:spcPts val="0"/>
+              </a:spcBef>
+              <a:spcAft>
+                <a:spcPts val="0"/>
+              </a:spcAft>
+              <a:buNone/>
+            </a:pPr>
+            <a:r>
+              <a:t/>
+            </a:r>
+            <a:endParaRPr/>
+          </a:p>
+        </p:txBody>
+      </p:sp>
+      <p:sp>
+        <p:nvSpPr>
+          <p:cNvPr id="16" name="Google Shape;16;p3"/>
           <p:cNvSpPr txBox="1"/>
           <p:nvPr>
             <p:ph type="title"/>
@@ -3557,15 +2876,15 @@
         </p:nvSpPr>
         <p:spPr>
           <a:xfrm>
-            <a:off x="598100" y="2152347"/>
-            <a:ext cx="8222100" cy="838800"/>
+            <a:off x="485875" y="1714500"/>
+            <a:ext cx="8183700" cy="785700"/>
           </a:xfrm>
           <a:prstGeom prst="rect">
             <a:avLst/>
           </a:prstGeom>
         </p:spPr>
         <p:txBody>
-          <a:bodyPr anchorCtr="0" anchor="ctr" bIns="91425" lIns="91425" spcFirstLastPara="1" rIns="91425" wrap="square" tIns="91425">
+          <a:bodyPr anchorCtr="0" anchor="b" bIns="91425" lIns="91425" spcFirstLastPara="1" rIns="91425" wrap="square" tIns="91425">
             <a:normAutofit/>
           </a:bodyPr>
           <a:lstStyle>
@@ -3576,16 +2895,9 @@
               <a:spcAft>
                 <a:spcPts val="0"/>
               </a:spcAft>
-              <a:buClr>
-                <a:schemeClr val="lt1"/>
-              </a:buClr>
-              <a:buSzPts val="4200"/>
-              <a:buNone/>
-              <a:defRPr sz="4200">
-                <a:solidFill>
-                  <a:schemeClr val="lt1"/>
-                </a:solidFill>
-              </a:defRPr>
+              <a:buSzPts val="3600"/>
+              <a:buNone/>
+              <a:defRPr sz="3600"/>
             </a:lvl1pPr>
             <a:lvl2pPr lvl="1">
               <a:spcBef>
@@ -3594,16 +2906,9 @@
               <a:spcAft>
                 <a:spcPts val="0"/>
               </a:spcAft>
-              <a:buClr>
-                <a:schemeClr val="lt1"/>
-              </a:buClr>
-              <a:buSzPts val="4200"/>
-              <a:buNone/>
-              <a:defRPr sz="4200">
-                <a:solidFill>
-                  <a:schemeClr val="lt1"/>
-                </a:solidFill>
-              </a:defRPr>
+              <a:buSzPts val="3600"/>
+              <a:buNone/>
+              <a:defRPr sz="3600"/>
             </a:lvl2pPr>
             <a:lvl3pPr lvl="2">
               <a:spcBef>
@@ -3612,16 +2917,9 @@
               <a:spcAft>
                 <a:spcPts val="0"/>
               </a:spcAft>
-              <a:buClr>
-                <a:schemeClr val="lt1"/>
-              </a:buClr>
-              <a:buSzPts val="4200"/>
-              <a:buNone/>
-              <a:defRPr sz="4200">
-                <a:solidFill>
-                  <a:schemeClr val="lt1"/>
-                </a:solidFill>
-              </a:defRPr>
+              <a:buSzPts val="3600"/>
+              <a:buNone/>
+              <a:defRPr sz="3600"/>
             </a:lvl3pPr>
             <a:lvl4pPr lvl="3">
               <a:spcBef>
@@ -3630,16 +2928,9 @@
               <a:spcAft>
                 <a:spcPts val="0"/>
               </a:spcAft>
-              <a:buClr>
-                <a:schemeClr val="lt1"/>
-              </a:buClr>
-              <a:buSzPts val="4200"/>
-              <a:buNone/>
-              <a:defRPr sz="4200">
-                <a:solidFill>
-                  <a:schemeClr val="lt1"/>
-                </a:solidFill>
-              </a:defRPr>
+              <a:buSzPts val="3600"/>
+              <a:buNone/>
+              <a:defRPr sz="3600"/>
             </a:lvl4pPr>
             <a:lvl5pPr lvl="4">
               <a:spcBef>
@@ -3648,16 +2939,9 @@
               <a:spcAft>
                 <a:spcPts val="0"/>
               </a:spcAft>
-              <a:buClr>
-                <a:schemeClr val="lt1"/>
-              </a:buClr>
-              <a:buSzPts val="4200"/>
-              <a:buNone/>
-              <a:defRPr sz="4200">
-                <a:solidFill>
-                  <a:schemeClr val="lt1"/>
-                </a:solidFill>
-              </a:defRPr>
+              <a:buSzPts val="3600"/>
+              <a:buNone/>
+              <a:defRPr sz="3600"/>
             </a:lvl5pPr>
             <a:lvl6pPr lvl="5">
               <a:spcBef>
@@ -3666,16 +2950,9 @@
               <a:spcAft>
                 <a:spcPts val="0"/>
               </a:spcAft>
-              <a:buClr>
-                <a:schemeClr val="lt1"/>
-              </a:buClr>
-              <a:buSzPts val="4200"/>
-              <a:buNone/>
-              <a:defRPr sz="4200">
-                <a:solidFill>
-                  <a:schemeClr val="lt1"/>
-                </a:solidFill>
-              </a:defRPr>
+              <a:buSzPts val="3600"/>
+              <a:buNone/>
+              <a:defRPr sz="3600"/>
             </a:lvl6pPr>
             <a:lvl7pPr lvl="6">
               <a:spcBef>
@@ -3684,16 +2961,9 @@
               <a:spcAft>
                 <a:spcPts val="0"/>
               </a:spcAft>
-              <a:buClr>
-                <a:schemeClr val="lt1"/>
-              </a:buClr>
-              <a:buSzPts val="4200"/>
-              <a:buNone/>
-              <a:defRPr sz="4200">
-                <a:solidFill>
-                  <a:schemeClr val="lt1"/>
-                </a:solidFill>
-              </a:defRPr>
+              <a:buSzPts val="3600"/>
+              <a:buNone/>
+              <a:defRPr sz="3600"/>
             </a:lvl7pPr>
             <a:lvl8pPr lvl="7">
               <a:spcBef>
@@ -3702,16 +2972,9 @@
               <a:spcAft>
                 <a:spcPts val="0"/>
               </a:spcAft>
-              <a:buClr>
-                <a:schemeClr val="lt1"/>
-              </a:buClr>
-              <a:buSzPts val="4200"/>
-              <a:buNone/>
-              <a:defRPr sz="4200">
-                <a:solidFill>
-                  <a:schemeClr val="lt1"/>
-                </a:solidFill>
-              </a:defRPr>
+              <a:buSzPts val="3600"/>
+              <a:buNone/>
+              <a:defRPr sz="3600"/>
             </a:lvl8pPr>
             <a:lvl9pPr lvl="8">
               <a:spcBef>
@@ -3720,16 +2983,9 @@
               <a:spcAft>
                 <a:spcPts val="0"/>
               </a:spcAft>
-              <a:buClr>
-                <a:schemeClr val="lt1"/>
-              </a:buClr>
-              <a:buSzPts val="4200"/>
-              <a:buNone/>
-              <a:defRPr sz="4200">
-                <a:solidFill>
-                  <a:schemeClr val="lt1"/>
-                </a:solidFill>
-              </a:defRPr>
+              <a:buSzPts val="3600"/>
+              <a:buNone/>
+              <a:defRPr sz="3600"/>
             </a:lvl9pPr>
           </a:lstStyle>
           <a:p/>
@@ -3737,7 +2993,7 @@
       </p:sp>
       <p:sp>
         <p:nvSpPr>
-          <p:cNvPr id="27" name="Google Shape;27;p3"/>
+          <p:cNvPr id="17" name="Google Shape;17;p3"/>
           <p:cNvSpPr txBox="1"/>
           <p:nvPr>
             <p:ph idx="12" type="sldNum"/>
@@ -3745,7 +3001,7 @@
         </p:nvSpPr>
         <p:spPr>
           <a:xfrm>
-            <a:off x="8460431" y="4651190"/>
+            <a:off x="8497999" y="4688759"/>
             <a:ext cx="548700" cy="393600"/>
           </a:xfrm>
           <a:prstGeom prst="rect">
@@ -3759,39 +3015,75 @@
           <a:lstStyle>
             <a:lvl1pPr lvl="0">
               <a:buNone/>
-              <a:defRPr/>
+              <a:defRPr>
+                <a:solidFill>
+                  <a:schemeClr val="lt1"/>
+                </a:solidFill>
+              </a:defRPr>
             </a:lvl1pPr>
             <a:lvl2pPr lvl="1">
               <a:buNone/>
-              <a:defRPr/>
+              <a:defRPr>
+                <a:solidFill>
+                  <a:schemeClr val="lt1"/>
+                </a:solidFill>
+              </a:defRPr>
             </a:lvl2pPr>
             <a:lvl3pPr lvl="2">
               <a:buNone/>
-              <a:defRPr/>
+              <a:defRPr>
+                <a:solidFill>
+                  <a:schemeClr val="lt1"/>
+                </a:solidFill>
+              </a:defRPr>
             </a:lvl3pPr>
             <a:lvl4pPr lvl="3">
               <a:buNone/>
-              <a:defRPr/>
+              <a:defRPr>
+                <a:solidFill>
+                  <a:schemeClr val="lt1"/>
+                </a:solidFill>
+              </a:defRPr>
             </a:lvl4pPr>
             <a:lvl5pPr lvl="4">
               <a:buNone/>
-              <a:defRPr/>
+              <a:defRPr>
+                <a:solidFill>
+                  <a:schemeClr val="lt1"/>
+                </a:solidFill>
+              </a:defRPr>
             </a:lvl5pPr>
             <a:lvl6pPr lvl="5">
               <a:buNone/>
-              <a:defRPr/>
+              <a:defRPr>
+                <a:solidFill>
+                  <a:schemeClr val="lt1"/>
+                </a:solidFill>
+              </a:defRPr>
             </a:lvl6pPr>
             <a:lvl7pPr lvl="6">
               <a:buNone/>
-              <a:defRPr/>
+              <a:defRPr>
+                <a:solidFill>
+                  <a:schemeClr val="lt1"/>
+                </a:solidFill>
+              </a:defRPr>
             </a:lvl7pPr>
             <a:lvl8pPr lvl="7">
               <a:buNone/>
-              <a:defRPr/>
+              <a:defRPr>
+                <a:solidFill>
+                  <a:schemeClr val="lt1"/>
+                </a:solidFill>
+              </a:defRPr>
             </a:lvl8pPr>
             <a:lvl9pPr lvl="8">
               <a:buNone/>
-              <a:defRPr/>
+              <a:defRPr>
+                <a:solidFill>
+                  <a:schemeClr val="lt1"/>
+                </a:solidFill>
+              </a:defRPr>
             </a:lvl9pPr>
           </a:lstStyle>
           <a:p>
@@ -3825,7 +3117,7 @@
   <p:cSld name="TITLE_AND_BODY">
     <p:spTree>
       <p:nvGrpSpPr>
-        <p:cNvPr id="28" name="Shape 28"/>
+        <p:cNvPr id="18" name="Shape 18"/>
         <p:cNvGrpSpPr/>
         <p:nvPr/>
       </p:nvGrpSpPr>
@@ -3837,239 +3129,9 @@
           <a:chExt cx="0" cy="0"/>
         </a:xfrm>
       </p:grpSpPr>
-      <p:grpSp>
-        <p:nvGrpSpPr>
-          <p:cNvPr id="29" name="Google Shape;29;p4"/>
-          <p:cNvGrpSpPr/>
-          <p:nvPr/>
-        </p:nvGrpSpPr>
-        <p:grpSpPr>
-          <a:xfrm>
-            <a:off x="0" y="3903669"/>
-            <a:ext cx="9144000" cy="1239925"/>
-            <a:chOff x="0" y="3903669"/>
-            <a:chExt cx="9144000" cy="1239925"/>
-          </a:xfrm>
-        </p:grpSpPr>
-        <p:sp>
-          <p:nvSpPr>
-            <p:cNvPr id="30" name="Google Shape;30;p4"/>
-            <p:cNvSpPr/>
-            <p:nvPr/>
-          </p:nvSpPr>
-          <p:spPr>
-            <a:xfrm>
-              <a:off x="8154895" y="3903669"/>
-              <a:ext cx="989100" cy="987900"/>
-            </a:xfrm>
-            <a:prstGeom prst="rtTriangle">
-              <a:avLst/>
-            </a:prstGeom>
-            <a:solidFill>
-              <a:schemeClr val="accent5"/>
-            </a:solidFill>
-            <a:ln>
-              <a:noFill/>
-            </a:ln>
-          </p:spPr>
-          <p:txBody>
-            <a:bodyPr anchorCtr="0" anchor="ctr" bIns="91425" lIns="91425" spcFirstLastPara="1" rIns="91425" wrap="square" tIns="91425">
-              <a:noAutofit/>
-            </a:bodyPr>
-            <a:lstStyle/>
-            <a:p>
-              <a:pPr indent="0" lvl="0" marL="0" rtl="0" algn="l">
-                <a:spcBef>
-                  <a:spcPts val="0"/>
-                </a:spcBef>
-                <a:spcAft>
-                  <a:spcPts val="0"/>
-                </a:spcAft>
-                <a:buNone/>
-              </a:pPr>
-              <a:r>
-                <a:t/>
-              </a:r>
-              <a:endParaRPr/>
-            </a:p>
-          </p:txBody>
-        </p:sp>
-        <p:sp>
-          <p:nvSpPr>
-            <p:cNvPr id="31" name="Google Shape;31;p4"/>
-            <p:cNvSpPr/>
-            <p:nvPr/>
-          </p:nvSpPr>
-          <p:spPr>
-            <a:xfrm flipH="1">
-              <a:off x="6181163" y="3903669"/>
-              <a:ext cx="989100" cy="987900"/>
-            </a:xfrm>
-            <a:prstGeom prst="rtTriangle">
-              <a:avLst/>
-            </a:prstGeom>
-            <a:solidFill>
-              <a:schemeClr val="accent5"/>
-            </a:solidFill>
-            <a:ln>
-              <a:noFill/>
-            </a:ln>
-          </p:spPr>
-          <p:txBody>
-            <a:bodyPr anchorCtr="0" anchor="ctr" bIns="91425" lIns="91425" spcFirstLastPara="1" rIns="91425" wrap="square" tIns="91425">
-              <a:noAutofit/>
-            </a:bodyPr>
-            <a:lstStyle/>
-            <a:p>
-              <a:pPr indent="0" lvl="0" marL="0" rtl="0" algn="l">
-                <a:spcBef>
-                  <a:spcPts val="0"/>
-                </a:spcBef>
-                <a:spcAft>
-                  <a:spcPts val="0"/>
-                </a:spcAft>
-                <a:buNone/>
-              </a:pPr>
-              <a:r>
-                <a:t/>
-              </a:r>
-              <a:endParaRPr/>
-            </a:p>
-          </p:txBody>
-        </p:sp>
-        <p:sp>
-          <p:nvSpPr>
-            <p:cNvPr id="32" name="Google Shape;32;p4"/>
-            <p:cNvSpPr/>
-            <p:nvPr/>
-          </p:nvSpPr>
-          <p:spPr>
-            <a:xfrm>
-              <a:off x="7170274" y="3903669"/>
-              <a:ext cx="989100" cy="987900"/>
-            </a:xfrm>
-            <a:prstGeom prst="rect">
-              <a:avLst/>
-            </a:prstGeom>
-            <a:solidFill>
-              <a:schemeClr val="accent4"/>
-            </a:solidFill>
-            <a:ln>
-              <a:noFill/>
-            </a:ln>
-          </p:spPr>
-          <p:txBody>
-            <a:bodyPr anchorCtr="0" anchor="ctr" bIns="91425" lIns="91425" spcFirstLastPara="1" rIns="91425" wrap="square" tIns="91425">
-              <a:noAutofit/>
-            </a:bodyPr>
-            <a:lstStyle/>
-            <a:p>
-              <a:pPr indent="0" lvl="0" marL="0" rtl="0" algn="l">
-                <a:spcBef>
-                  <a:spcPts val="0"/>
-                </a:spcBef>
-                <a:spcAft>
-                  <a:spcPts val="0"/>
-                </a:spcAft>
-                <a:buNone/>
-              </a:pPr>
-              <a:r>
-                <a:t/>
-              </a:r>
-              <a:endParaRPr/>
-            </a:p>
-          </p:txBody>
-        </p:sp>
-        <p:sp>
-          <p:nvSpPr>
-            <p:cNvPr id="33" name="Google Shape;33;p4"/>
-            <p:cNvSpPr/>
-            <p:nvPr/>
-          </p:nvSpPr>
-          <p:spPr>
-            <a:xfrm rot="10800000">
-              <a:off x="8154757" y="3903682"/>
-              <a:ext cx="989100" cy="987900"/>
-            </a:xfrm>
-            <a:prstGeom prst="rtTriangle">
-              <a:avLst/>
-            </a:prstGeom>
-            <a:solidFill>
-              <a:schemeClr val="accent3"/>
-            </a:solidFill>
-            <a:ln>
-              <a:noFill/>
-            </a:ln>
-          </p:spPr>
-          <p:txBody>
-            <a:bodyPr anchorCtr="0" anchor="ctr" bIns="91425" lIns="91425" spcFirstLastPara="1" rIns="91425" wrap="square" tIns="91425">
-              <a:noAutofit/>
-            </a:bodyPr>
-            <a:lstStyle/>
-            <a:p>
-              <a:pPr indent="0" lvl="0" marL="0" rtl="0" algn="l">
-                <a:spcBef>
-                  <a:spcPts val="0"/>
-                </a:spcBef>
-                <a:spcAft>
-                  <a:spcPts val="0"/>
-                </a:spcAft>
-                <a:buNone/>
-              </a:pPr>
-              <a:r>
-                <a:t/>
-              </a:r>
-              <a:endParaRPr/>
-            </a:p>
-          </p:txBody>
-        </p:sp>
-        <p:sp>
-          <p:nvSpPr>
-            <p:cNvPr id="34" name="Google Shape;34;p4"/>
-            <p:cNvSpPr/>
-            <p:nvPr/>
-          </p:nvSpPr>
-          <p:spPr>
-            <a:xfrm>
-              <a:off x="0" y="4891594"/>
-              <a:ext cx="9144000" cy="252000"/>
-            </a:xfrm>
-            <a:prstGeom prst="rect">
-              <a:avLst/>
-            </a:prstGeom>
-            <a:solidFill>
-              <a:schemeClr val="dk1"/>
-            </a:solidFill>
-            <a:ln>
-              <a:noFill/>
-            </a:ln>
-          </p:spPr>
-          <p:txBody>
-            <a:bodyPr anchorCtr="0" anchor="ctr" bIns="91425" lIns="91425" spcFirstLastPara="1" rIns="91425" wrap="square" tIns="91425">
-              <a:noAutofit/>
-            </a:bodyPr>
-            <a:lstStyle/>
-            <a:p>
-              <a:pPr indent="0" lvl="0" marL="0" rtl="0" algn="l">
-                <a:spcBef>
-                  <a:spcPts val="0"/>
-                </a:spcBef>
-                <a:spcAft>
-                  <a:spcPts val="0"/>
-                </a:spcAft>
-                <a:buNone/>
-              </a:pPr>
-              <a:r>
-                <a:t/>
-              </a:r>
-              <a:endParaRPr/>
-            </a:p>
-          </p:txBody>
-        </p:sp>
-      </p:grpSp>
       <p:sp>
         <p:nvSpPr>
-          <p:cNvPr id="35" name="Google Shape;35;p4"/>
+          <p:cNvPr id="19" name="Google Shape;19;p4"/>
           <p:cNvSpPr txBox="1"/>
           <p:nvPr>
             <p:ph type="title"/>
@@ -4077,8 +3139,8 @@
         </p:nvSpPr>
         <p:spPr>
           <a:xfrm>
-            <a:off x="311700" y="410000"/>
-            <a:ext cx="8520600" cy="607800"/>
+            <a:off x="311700" y="445025"/>
+            <a:ext cx="8520600" cy="623400"/>
           </a:xfrm>
           <a:prstGeom prst="rect">
             <a:avLst/>
@@ -4194,7 +3256,7 @@
       </p:sp>
       <p:sp>
         <p:nvSpPr>
-          <p:cNvPr id="36" name="Google Shape;36;p4"/>
+          <p:cNvPr id="20" name="Google Shape;20;p4"/>
           <p:cNvSpPr txBox="1"/>
           <p:nvPr>
             <p:ph idx="1" type="body"/>
@@ -4202,8 +3264,8 @@
         </p:nvSpPr>
         <p:spPr>
           <a:xfrm>
-            <a:off x="311700" y="1229875"/>
-            <a:ext cx="8520600" cy="3339000"/>
+            <a:off x="311700" y="1152475"/>
+            <a:ext cx="8520600" cy="3416400"/>
           </a:xfrm>
           <a:prstGeom prst="rect">
             <a:avLst/>
@@ -4319,7 +3381,7 @@
       </p:sp>
       <p:sp>
         <p:nvSpPr>
-          <p:cNvPr id="37" name="Google Shape;37;p4"/>
+          <p:cNvPr id="21" name="Google Shape;21;p4"/>
           <p:cNvSpPr txBox="1"/>
           <p:nvPr>
             <p:ph idx="12" type="sldNum"/>
@@ -4327,7 +3389,7 @@
         </p:nvSpPr>
         <p:spPr>
           <a:xfrm>
-            <a:off x="8460431" y="4651190"/>
+            <a:off x="8497999" y="4688759"/>
             <a:ext cx="548700" cy="393600"/>
           </a:xfrm>
           <a:prstGeom prst="rect">
@@ -4407,7 +3469,7 @@
   <p:cSld name="TITLE_AND_TWO_COLUMNS">
     <p:spTree>
       <p:nvGrpSpPr>
-        <p:cNvPr id="38" name="Shape 38"/>
+        <p:cNvPr id="22" name="Shape 22"/>
         <p:cNvGrpSpPr/>
         <p:nvPr/>
       </p:nvGrpSpPr>
@@ -4421,7 +3483,7 @@
       </p:grpSpPr>
       <p:sp>
         <p:nvSpPr>
-          <p:cNvPr id="39" name="Google Shape;39;p5"/>
+          <p:cNvPr id="23" name="Google Shape;23;p5"/>
           <p:cNvSpPr txBox="1"/>
           <p:nvPr>
             <p:ph type="title"/>
@@ -4429,8 +3491,8 @@
         </p:nvSpPr>
         <p:spPr>
           <a:xfrm>
-            <a:off x="311700" y="410000"/>
-            <a:ext cx="8520600" cy="607800"/>
+            <a:off x="311700" y="445025"/>
+            <a:ext cx="8520600" cy="623400"/>
           </a:xfrm>
           <a:prstGeom prst="rect">
             <a:avLst/>
@@ -4546,7 +3608,7 @@
       </p:sp>
       <p:sp>
         <p:nvSpPr>
-          <p:cNvPr id="40" name="Google Shape;40;p5"/>
+          <p:cNvPr id="24" name="Google Shape;24;p5"/>
           <p:cNvSpPr txBox="1"/>
           <p:nvPr>
             <p:ph idx="1" type="body"/>
@@ -4554,8 +3616,8 @@
         </p:nvSpPr>
         <p:spPr>
           <a:xfrm>
-            <a:off x="311700" y="1229975"/>
-            <a:ext cx="3999900" cy="3339000"/>
+            <a:off x="311700" y="1152475"/>
+            <a:ext cx="3999900" cy="3416400"/>
           </a:xfrm>
           <a:prstGeom prst="rect">
             <a:avLst/>
@@ -4671,7 +3733,7 @@
       </p:sp>
       <p:sp>
         <p:nvSpPr>
-          <p:cNvPr id="41" name="Google Shape;41;p5"/>
+          <p:cNvPr id="25" name="Google Shape;25;p5"/>
           <p:cNvSpPr txBox="1"/>
           <p:nvPr>
             <p:ph idx="2" type="body"/>
@@ -4679,8 +3741,8 @@
         </p:nvSpPr>
         <p:spPr>
           <a:xfrm>
-            <a:off x="4832400" y="1229975"/>
-            <a:ext cx="3999900" cy="3339000"/>
+            <a:off x="4832400" y="1152475"/>
+            <a:ext cx="3999900" cy="3416400"/>
           </a:xfrm>
           <a:prstGeom prst="rect">
             <a:avLst/>
@@ -4796,7 +3858,7 @@
       </p:sp>
       <p:sp>
         <p:nvSpPr>
-          <p:cNvPr id="42" name="Google Shape;42;p5"/>
+          <p:cNvPr id="26" name="Google Shape;26;p5"/>
           <p:cNvSpPr txBox="1"/>
           <p:nvPr>
             <p:ph idx="12" type="sldNum"/>
@@ -4804,7 +3866,7 @@
         </p:nvSpPr>
         <p:spPr>
           <a:xfrm>
-            <a:off x="8460431" y="4651190"/>
+            <a:off x="8497999" y="4688759"/>
             <a:ext cx="548700" cy="393600"/>
           </a:xfrm>
           <a:prstGeom prst="rect">
@@ -4818,75 +3880,39 @@
           <a:lstStyle>
             <a:lvl1pPr lvl="0">
               <a:buNone/>
-              <a:defRPr>
-                <a:solidFill>
-                  <a:schemeClr val="dk2"/>
-                </a:solidFill>
-              </a:defRPr>
+              <a:defRPr/>
             </a:lvl1pPr>
             <a:lvl2pPr lvl="1">
               <a:buNone/>
-              <a:defRPr>
-                <a:solidFill>
-                  <a:schemeClr val="dk2"/>
-                </a:solidFill>
-              </a:defRPr>
+              <a:defRPr/>
             </a:lvl2pPr>
             <a:lvl3pPr lvl="2">
               <a:buNone/>
-              <a:defRPr>
-                <a:solidFill>
-                  <a:schemeClr val="dk2"/>
-                </a:solidFill>
-              </a:defRPr>
+              <a:defRPr/>
             </a:lvl3pPr>
             <a:lvl4pPr lvl="3">
               <a:buNone/>
-              <a:defRPr>
-                <a:solidFill>
-                  <a:schemeClr val="dk2"/>
-                </a:solidFill>
-              </a:defRPr>
+              <a:defRPr/>
             </a:lvl4pPr>
             <a:lvl5pPr lvl="4">
               <a:buNone/>
-              <a:defRPr>
-                <a:solidFill>
-                  <a:schemeClr val="dk2"/>
-                </a:solidFill>
-              </a:defRPr>
+              <a:defRPr/>
             </a:lvl5pPr>
             <a:lvl6pPr lvl="5">
               <a:buNone/>
-              <a:defRPr>
-                <a:solidFill>
-                  <a:schemeClr val="dk2"/>
-                </a:solidFill>
-              </a:defRPr>
+              <a:defRPr/>
             </a:lvl6pPr>
             <a:lvl7pPr lvl="6">
               <a:buNone/>
-              <a:defRPr>
-                <a:solidFill>
-                  <a:schemeClr val="dk2"/>
-                </a:solidFill>
-              </a:defRPr>
+              <a:defRPr/>
             </a:lvl7pPr>
             <a:lvl8pPr lvl="7">
               <a:buNone/>
-              <a:defRPr>
-                <a:solidFill>
-                  <a:schemeClr val="dk2"/>
-                </a:solidFill>
-              </a:defRPr>
+              <a:defRPr/>
             </a:lvl8pPr>
             <a:lvl9pPr lvl="8">
               <a:buNone/>
-              <a:defRPr>
-                <a:solidFill>
-                  <a:schemeClr val="dk2"/>
-                </a:solidFill>
-              </a:defRPr>
+              <a:defRPr/>
             </a:lvl9pPr>
           </a:lstStyle>
           <a:p>
@@ -4920,7 +3946,7 @@
   <p:cSld name="TITLE_ONLY">
     <p:spTree>
       <p:nvGrpSpPr>
-        <p:cNvPr id="43" name="Shape 43"/>
+        <p:cNvPr id="27" name="Shape 27"/>
         <p:cNvGrpSpPr/>
         <p:nvPr/>
       </p:nvGrpSpPr>
@@ -4934,7 +3960,7 @@
       </p:grpSpPr>
       <p:sp>
         <p:nvSpPr>
-          <p:cNvPr id="44" name="Google Shape;44;p6"/>
+          <p:cNvPr id="28" name="Google Shape;28;p6"/>
           <p:cNvSpPr txBox="1"/>
           <p:nvPr>
             <p:ph type="title"/>
@@ -4942,8 +3968,8 @@
         </p:nvSpPr>
         <p:spPr>
           <a:xfrm>
-            <a:off x="311700" y="410000"/>
-            <a:ext cx="8520600" cy="607800"/>
+            <a:off x="311700" y="445025"/>
+            <a:ext cx="8520600" cy="623400"/>
           </a:xfrm>
           <a:prstGeom prst="rect">
             <a:avLst/>
@@ -5059,7 +4085,7 @@
       </p:sp>
       <p:sp>
         <p:nvSpPr>
-          <p:cNvPr id="45" name="Google Shape;45;p6"/>
+          <p:cNvPr id="29" name="Google Shape;29;p6"/>
           <p:cNvSpPr txBox="1"/>
           <p:nvPr>
             <p:ph idx="12" type="sldNum"/>
@@ -5067,7 +4093,7 @@
         </p:nvSpPr>
         <p:spPr>
           <a:xfrm>
-            <a:off x="8460431" y="4651190"/>
+            <a:off x="8497999" y="4688759"/>
             <a:ext cx="548700" cy="393600"/>
           </a:xfrm>
           <a:prstGeom prst="rect">
@@ -5081,75 +4107,39 @@
           <a:lstStyle>
             <a:lvl1pPr lvl="0">
               <a:buNone/>
-              <a:defRPr>
-                <a:solidFill>
-                  <a:schemeClr val="dk2"/>
-                </a:solidFill>
-              </a:defRPr>
+              <a:defRPr/>
             </a:lvl1pPr>
             <a:lvl2pPr lvl="1">
               <a:buNone/>
-              <a:defRPr>
-                <a:solidFill>
-                  <a:schemeClr val="dk2"/>
-                </a:solidFill>
-              </a:defRPr>
+              <a:defRPr/>
             </a:lvl2pPr>
             <a:lvl3pPr lvl="2">
               <a:buNone/>
-              <a:defRPr>
-                <a:solidFill>
-                  <a:schemeClr val="dk2"/>
-                </a:solidFill>
-              </a:defRPr>
+              <a:defRPr/>
             </a:lvl3pPr>
             <a:lvl4pPr lvl="3">
               <a:buNone/>
-              <a:defRPr>
-                <a:solidFill>
-                  <a:schemeClr val="dk2"/>
-                </a:solidFill>
-              </a:defRPr>
+              <a:defRPr/>
             </a:lvl4pPr>
             <a:lvl5pPr lvl="4">
               <a:buNone/>
-              <a:defRPr>
-                <a:solidFill>
-                  <a:schemeClr val="dk2"/>
-                </a:solidFill>
-              </a:defRPr>
+              <a:defRPr/>
             </a:lvl5pPr>
             <a:lvl6pPr lvl="5">
               <a:buNone/>
-              <a:defRPr>
-                <a:solidFill>
-                  <a:schemeClr val="dk2"/>
-                </a:solidFill>
-              </a:defRPr>
+              <a:defRPr/>
             </a:lvl6pPr>
             <a:lvl7pPr lvl="6">
               <a:buNone/>
-              <a:defRPr>
-                <a:solidFill>
-                  <a:schemeClr val="dk2"/>
-                </a:solidFill>
-              </a:defRPr>
+              <a:defRPr/>
             </a:lvl7pPr>
             <a:lvl8pPr lvl="7">
               <a:buNone/>
-              <a:defRPr>
-                <a:solidFill>
-                  <a:schemeClr val="dk2"/>
-                </a:solidFill>
-              </a:defRPr>
+              <a:defRPr/>
             </a:lvl8pPr>
             <a:lvl9pPr lvl="8">
               <a:buNone/>
-              <a:defRPr>
-                <a:solidFill>
-                  <a:schemeClr val="dk2"/>
-                </a:solidFill>
-              </a:defRPr>
+              <a:defRPr/>
             </a:lvl9pPr>
           </a:lstStyle>
           <a:p>
@@ -5183,7 +4173,7 @@
   <p:cSld name="ONE_COLUMN_TEXT">
     <p:spTree>
       <p:nvGrpSpPr>
-        <p:cNvPr id="46" name="Shape 46"/>
+        <p:cNvPr id="30" name="Shape 30"/>
         <p:cNvGrpSpPr/>
         <p:nvPr/>
       </p:nvGrpSpPr>
@@ -5197,7 +4187,7 @@
       </p:grpSpPr>
       <p:sp>
         <p:nvSpPr>
-          <p:cNvPr id="47" name="Google Shape;47;p7"/>
+          <p:cNvPr id="31" name="Google Shape;31;p7"/>
           <p:cNvSpPr txBox="1"/>
           <p:nvPr>
             <p:ph type="title"/>
@@ -5322,7 +4312,7 @@
       </p:sp>
       <p:sp>
         <p:nvSpPr>
-          <p:cNvPr id="48" name="Google Shape;48;p7"/>
+          <p:cNvPr id="32" name="Google Shape;32;p7"/>
           <p:cNvSpPr txBox="1"/>
           <p:nvPr>
             <p:ph idx="1" type="body"/>
@@ -5330,8 +4320,8 @@
         </p:nvSpPr>
         <p:spPr>
           <a:xfrm>
-            <a:off x="311700" y="1465804"/>
-            <a:ext cx="2808000" cy="3103200"/>
+            <a:off x="311700" y="1389600"/>
+            <a:ext cx="2808000" cy="3179400"/>
           </a:xfrm>
           <a:prstGeom prst="rect">
             <a:avLst/>
@@ -5447,7 +4437,7 @@
       </p:sp>
       <p:sp>
         <p:nvSpPr>
-          <p:cNvPr id="49" name="Google Shape;49;p7"/>
+          <p:cNvPr id="33" name="Google Shape;33;p7"/>
           <p:cNvSpPr txBox="1"/>
           <p:nvPr>
             <p:ph idx="12" type="sldNum"/>
@@ -5455,7 +4445,7 @@
         </p:nvSpPr>
         <p:spPr>
           <a:xfrm>
-            <a:off x="8460431" y="4651190"/>
+            <a:off x="8497999" y="4688759"/>
             <a:ext cx="548700" cy="393600"/>
           </a:xfrm>
           <a:prstGeom prst="rect">
@@ -5469,75 +4459,39 @@
           <a:lstStyle>
             <a:lvl1pPr lvl="0">
               <a:buNone/>
-              <a:defRPr>
-                <a:solidFill>
-                  <a:schemeClr val="dk2"/>
-                </a:solidFill>
-              </a:defRPr>
+              <a:defRPr/>
             </a:lvl1pPr>
             <a:lvl2pPr lvl="1">
               <a:buNone/>
-              <a:defRPr>
-                <a:solidFill>
-                  <a:schemeClr val="dk2"/>
-                </a:solidFill>
-              </a:defRPr>
+              <a:defRPr/>
             </a:lvl2pPr>
             <a:lvl3pPr lvl="2">
               <a:buNone/>
-              <a:defRPr>
-                <a:solidFill>
-                  <a:schemeClr val="dk2"/>
-                </a:solidFill>
-              </a:defRPr>
+              <a:defRPr/>
             </a:lvl3pPr>
             <a:lvl4pPr lvl="3">
               <a:buNone/>
-              <a:defRPr>
-                <a:solidFill>
-                  <a:schemeClr val="dk2"/>
-                </a:solidFill>
-              </a:defRPr>
+              <a:defRPr/>
             </a:lvl4pPr>
             <a:lvl5pPr lvl="4">
               <a:buNone/>
-              <a:defRPr>
-                <a:solidFill>
-                  <a:schemeClr val="dk2"/>
-                </a:solidFill>
-              </a:defRPr>
+              <a:defRPr/>
             </a:lvl5pPr>
             <a:lvl6pPr lvl="5">
               <a:buNone/>
-              <a:defRPr>
-                <a:solidFill>
-                  <a:schemeClr val="dk2"/>
-                </a:solidFill>
-              </a:defRPr>
+              <a:defRPr/>
             </a:lvl6pPr>
             <a:lvl7pPr lvl="6">
               <a:buNone/>
-              <a:defRPr>
-                <a:solidFill>
-                  <a:schemeClr val="dk2"/>
-                </a:solidFill>
-              </a:defRPr>
+              <a:defRPr/>
             </a:lvl7pPr>
             <a:lvl8pPr lvl="7">
               <a:buNone/>
-              <a:defRPr>
-                <a:solidFill>
-                  <a:schemeClr val="dk2"/>
-                </a:solidFill>
-              </a:defRPr>
+              <a:defRPr/>
             </a:lvl8pPr>
             <a:lvl9pPr lvl="8">
               <a:buNone/>
-              <a:defRPr>
-                <a:solidFill>
-                  <a:schemeClr val="dk2"/>
-                </a:solidFill>
-              </a:defRPr>
+              <a:defRPr/>
             </a:lvl9pPr>
           </a:lstStyle>
           <a:p>
@@ -5572,13 +4526,13 @@
     <p:bg>
       <p:bgPr>
         <a:solidFill>
-          <a:schemeClr val="accent4"/>
+          <a:schemeClr val="accent2"/>
         </a:solidFill>
       </p:bgPr>
     </p:bg>
     <p:spTree>
       <p:nvGrpSpPr>
-        <p:cNvPr id="50" name="Shape 50"/>
+        <p:cNvPr id="34" name="Shape 34"/>
         <p:cNvGrpSpPr/>
         <p:nvPr/>
       </p:nvGrpSpPr>
@@ -5590,239 +4544,9 @@
           <a:chExt cx="0" cy="0"/>
         </a:xfrm>
       </p:grpSpPr>
-      <p:grpSp>
-        <p:nvGrpSpPr>
-          <p:cNvPr id="51" name="Google Shape;51;p8"/>
-          <p:cNvGrpSpPr/>
-          <p:nvPr/>
-        </p:nvGrpSpPr>
-        <p:grpSpPr>
-          <a:xfrm>
-            <a:off x="6098378" y="5"/>
-            <a:ext cx="3045625" cy="2030570"/>
-            <a:chOff x="6098378" y="5"/>
-            <a:chExt cx="3045625" cy="2030570"/>
-          </a:xfrm>
-        </p:grpSpPr>
-        <p:sp>
-          <p:nvSpPr>
-            <p:cNvPr id="52" name="Google Shape;52;p8"/>
-            <p:cNvSpPr/>
-            <p:nvPr/>
-          </p:nvSpPr>
-          <p:spPr>
-            <a:xfrm>
-              <a:off x="8128803" y="16"/>
-              <a:ext cx="1015200" cy="1015200"/>
-            </a:xfrm>
-            <a:prstGeom prst="rect">
-              <a:avLst/>
-            </a:prstGeom>
-            <a:solidFill>
-              <a:schemeClr val="accent3"/>
-            </a:solidFill>
-            <a:ln>
-              <a:noFill/>
-            </a:ln>
-          </p:spPr>
-          <p:txBody>
-            <a:bodyPr anchorCtr="0" anchor="ctr" bIns="91425" lIns="91425" spcFirstLastPara="1" rIns="91425" wrap="square" tIns="91425">
-              <a:noAutofit/>
-            </a:bodyPr>
-            <a:lstStyle/>
-            <a:p>
-              <a:pPr indent="0" lvl="0" marL="0" rtl="0" algn="l">
-                <a:spcBef>
-                  <a:spcPts val="0"/>
-                </a:spcBef>
-                <a:spcAft>
-                  <a:spcPts val="0"/>
-                </a:spcAft>
-                <a:buNone/>
-              </a:pPr>
-              <a:r>
-                <a:t/>
-              </a:r>
-              <a:endParaRPr/>
-            </a:p>
-          </p:txBody>
-        </p:sp>
-        <p:sp>
-          <p:nvSpPr>
-            <p:cNvPr id="53" name="Google Shape;53;p8"/>
-            <p:cNvSpPr/>
-            <p:nvPr/>
-          </p:nvSpPr>
-          <p:spPr>
-            <a:xfrm flipH="1">
-              <a:off x="7113463" y="5"/>
-              <a:ext cx="1015200" cy="1015200"/>
-            </a:xfrm>
-            <a:prstGeom prst="rtTriangle">
-              <a:avLst/>
-            </a:prstGeom>
-            <a:solidFill>
-              <a:schemeClr val="accent5"/>
-            </a:solidFill>
-            <a:ln>
-              <a:noFill/>
-            </a:ln>
-          </p:spPr>
-          <p:txBody>
-            <a:bodyPr anchorCtr="0" anchor="ctr" bIns="91425" lIns="91425" spcFirstLastPara="1" rIns="91425" wrap="square" tIns="91425">
-              <a:noAutofit/>
-            </a:bodyPr>
-            <a:lstStyle/>
-            <a:p>
-              <a:pPr indent="0" lvl="0" marL="0" rtl="0" algn="l">
-                <a:spcBef>
-                  <a:spcPts val="0"/>
-                </a:spcBef>
-                <a:spcAft>
-                  <a:spcPts val="0"/>
-                </a:spcAft>
-                <a:buNone/>
-              </a:pPr>
-              <a:r>
-                <a:t/>
-              </a:r>
-              <a:endParaRPr/>
-            </a:p>
-          </p:txBody>
-        </p:sp>
-        <p:sp>
-          <p:nvSpPr>
-            <p:cNvPr id="54" name="Google Shape;54;p8"/>
-            <p:cNvSpPr/>
-            <p:nvPr/>
-          </p:nvSpPr>
-          <p:spPr>
-            <a:xfrm flipH="1" rot="10800000">
-              <a:off x="7113588" y="107"/>
-              <a:ext cx="1015200" cy="1015200"/>
-            </a:xfrm>
-            <a:prstGeom prst="rtTriangle">
-              <a:avLst/>
-            </a:prstGeom>
-            <a:solidFill>
-              <a:schemeClr val="accent3"/>
-            </a:solidFill>
-            <a:ln>
-              <a:noFill/>
-            </a:ln>
-          </p:spPr>
-          <p:txBody>
-            <a:bodyPr anchorCtr="0" anchor="ctr" bIns="91425" lIns="91425" spcFirstLastPara="1" rIns="91425" wrap="square" tIns="91425">
-              <a:noAutofit/>
-            </a:bodyPr>
-            <a:lstStyle/>
-            <a:p>
-              <a:pPr indent="0" lvl="0" marL="0" rtl="0" algn="l">
-                <a:spcBef>
-                  <a:spcPts val="0"/>
-                </a:spcBef>
-                <a:spcAft>
-                  <a:spcPts val="0"/>
-                </a:spcAft>
-                <a:buNone/>
-              </a:pPr>
-              <a:r>
-                <a:t/>
-              </a:r>
-              <a:endParaRPr/>
-            </a:p>
-          </p:txBody>
-        </p:sp>
-        <p:sp>
-          <p:nvSpPr>
-            <p:cNvPr id="55" name="Google Shape;55;p8"/>
-            <p:cNvSpPr/>
-            <p:nvPr/>
-          </p:nvSpPr>
-          <p:spPr>
-            <a:xfrm rot="10800000">
-              <a:off x="6098378" y="97"/>
-              <a:ext cx="1015200" cy="1015200"/>
-            </a:xfrm>
-            <a:prstGeom prst="rtTriangle">
-              <a:avLst/>
-            </a:prstGeom>
-            <a:solidFill>
-              <a:schemeClr val="accent5"/>
-            </a:solidFill>
-            <a:ln>
-              <a:noFill/>
-            </a:ln>
-          </p:spPr>
-          <p:txBody>
-            <a:bodyPr anchorCtr="0" anchor="ctr" bIns="91425" lIns="91425" spcFirstLastPara="1" rIns="91425" wrap="square" tIns="91425">
-              <a:noAutofit/>
-            </a:bodyPr>
-            <a:lstStyle/>
-            <a:p>
-              <a:pPr indent="0" lvl="0" marL="0" rtl="0" algn="l">
-                <a:spcBef>
-                  <a:spcPts val="0"/>
-                </a:spcBef>
-                <a:spcAft>
-                  <a:spcPts val="0"/>
-                </a:spcAft>
-                <a:buNone/>
-              </a:pPr>
-              <a:r>
-                <a:t/>
-              </a:r>
-              <a:endParaRPr/>
-            </a:p>
-          </p:txBody>
-        </p:sp>
-        <p:sp>
-          <p:nvSpPr>
-            <p:cNvPr id="56" name="Google Shape;56;p8"/>
-            <p:cNvSpPr/>
-            <p:nvPr/>
-          </p:nvSpPr>
-          <p:spPr>
-            <a:xfrm rot="10800000">
-              <a:off x="8128789" y="1015375"/>
-              <a:ext cx="1015200" cy="1015200"/>
-            </a:xfrm>
-            <a:prstGeom prst="rtTriangle">
-              <a:avLst/>
-            </a:prstGeom>
-            <a:solidFill>
-              <a:schemeClr val="accent5"/>
-            </a:solidFill>
-            <a:ln>
-              <a:noFill/>
-            </a:ln>
-          </p:spPr>
-          <p:txBody>
-            <a:bodyPr anchorCtr="0" anchor="ctr" bIns="91425" lIns="91425" spcFirstLastPara="1" rIns="91425" wrap="square" tIns="91425">
-              <a:noAutofit/>
-            </a:bodyPr>
-            <a:lstStyle/>
-            <a:p>
-              <a:pPr indent="0" lvl="0" marL="0" rtl="0" algn="l">
-                <a:spcBef>
-                  <a:spcPts val="0"/>
-                </a:spcBef>
-                <a:spcAft>
-                  <a:spcPts val="0"/>
-                </a:spcAft>
-                <a:buNone/>
-              </a:pPr>
-              <a:r>
-                <a:t/>
-              </a:r>
-              <a:endParaRPr/>
-            </a:p>
-          </p:txBody>
-        </p:sp>
-      </p:grpSp>
       <p:sp>
         <p:nvSpPr>
-          <p:cNvPr id="57" name="Google Shape;57;p8"/>
+          <p:cNvPr id="35" name="Google Shape;35;p8"/>
           <p:cNvSpPr txBox="1"/>
           <p:nvPr>
             <p:ph type="title"/>
@@ -5831,7 +4555,7 @@
         <p:spPr>
           <a:xfrm>
             <a:off x="490250" y="526350"/>
-            <a:ext cx="5618700" cy="4090800"/>
+            <a:ext cx="5604000" cy="4090800"/>
           </a:xfrm>
           <a:prstGeom prst="rect">
             <a:avLst/>
@@ -6010,7 +4734,7 @@
       </p:sp>
       <p:sp>
         <p:nvSpPr>
-          <p:cNvPr id="58" name="Google Shape;58;p8"/>
+          <p:cNvPr id="36" name="Google Shape;36;p8"/>
           <p:cNvSpPr txBox="1"/>
           <p:nvPr>
             <p:ph idx="12" type="sldNum"/>
@@ -6018,7 +4742,7 @@
         </p:nvSpPr>
         <p:spPr>
           <a:xfrm>
-            <a:off x="8460431" y="4651190"/>
+            <a:off x="8497999" y="4688759"/>
             <a:ext cx="548700" cy="393600"/>
           </a:xfrm>
           <a:prstGeom prst="rect">
@@ -6032,39 +4756,75 @@
           <a:lstStyle>
             <a:lvl1pPr lvl="0">
               <a:buNone/>
-              <a:defRPr/>
+              <a:defRPr>
+                <a:solidFill>
+                  <a:schemeClr val="lt1"/>
+                </a:solidFill>
+              </a:defRPr>
             </a:lvl1pPr>
             <a:lvl2pPr lvl="1">
               <a:buNone/>
-              <a:defRPr/>
+              <a:defRPr>
+                <a:solidFill>
+                  <a:schemeClr val="lt1"/>
+                </a:solidFill>
+              </a:defRPr>
             </a:lvl2pPr>
             <a:lvl3pPr lvl="2">
               <a:buNone/>
-              <a:defRPr/>
+              <a:defRPr>
+                <a:solidFill>
+                  <a:schemeClr val="lt1"/>
+                </a:solidFill>
+              </a:defRPr>
             </a:lvl3pPr>
             <a:lvl4pPr lvl="3">
               <a:buNone/>
-              <a:defRPr/>
+              <a:defRPr>
+                <a:solidFill>
+                  <a:schemeClr val="lt1"/>
+                </a:solidFill>
+              </a:defRPr>
             </a:lvl4pPr>
             <a:lvl5pPr lvl="4">
               <a:buNone/>
-              <a:defRPr/>
+              <a:defRPr>
+                <a:solidFill>
+                  <a:schemeClr val="lt1"/>
+                </a:solidFill>
+              </a:defRPr>
             </a:lvl5pPr>
             <a:lvl6pPr lvl="5">
               <a:buNone/>
-              <a:defRPr/>
+              <a:defRPr>
+                <a:solidFill>
+                  <a:schemeClr val="lt1"/>
+                </a:solidFill>
+              </a:defRPr>
             </a:lvl6pPr>
             <a:lvl7pPr lvl="6">
               <a:buNone/>
-              <a:defRPr/>
+              <a:defRPr>
+                <a:solidFill>
+                  <a:schemeClr val="lt1"/>
+                </a:solidFill>
+              </a:defRPr>
             </a:lvl7pPr>
             <a:lvl8pPr lvl="7">
               <a:buNone/>
-              <a:defRPr/>
+              <a:defRPr>
+                <a:solidFill>
+                  <a:schemeClr val="lt1"/>
+                </a:solidFill>
+              </a:defRPr>
             </a:lvl8pPr>
             <a:lvl9pPr lvl="8">
               <a:buNone/>
-              <a:defRPr/>
+              <a:defRPr>
+                <a:solidFill>
+                  <a:schemeClr val="lt1"/>
+                </a:solidFill>
+              </a:defRPr>
             </a:lvl9pPr>
           </a:lstStyle>
           <a:p>
@@ -6098,7 +4858,7 @@
   <p:cSld name="SECTION_TITLE_AND_DESCRIPTION">
     <p:spTree>
       <p:nvGrpSpPr>
-        <p:cNvPr id="59" name="Shape 59"/>
+        <p:cNvPr id="37" name="Shape 37"/>
         <p:cNvGrpSpPr/>
         <p:nvPr/>
       </p:nvGrpSpPr>
@@ -6112,20 +4872,20 @@
       </p:grpSpPr>
       <p:sp>
         <p:nvSpPr>
-          <p:cNvPr id="60" name="Google Shape;60;p9"/>
+          <p:cNvPr id="38" name="Google Shape;38;p9"/>
           <p:cNvSpPr/>
           <p:nvPr/>
         </p:nvSpPr>
         <p:spPr>
           <a:xfrm>
-            <a:off x="4572000" y="-175"/>
-            <a:ext cx="4572000" cy="5143500"/>
+            <a:off x="4636800" y="80700"/>
+            <a:ext cx="4426500" cy="4982100"/>
           </a:xfrm>
           <a:prstGeom prst="rect">
             <a:avLst/>
           </a:prstGeom>
           <a:solidFill>
-            <a:schemeClr val="dk1"/>
+            <a:schemeClr val="accent2"/>
           </a:solidFill>
           <a:ln>
             <a:noFill/>
@@ -6155,7 +4915,7 @@
       </p:sp>
       <p:cxnSp>
         <p:nvCxnSpPr>
-          <p:cNvPr id="61" name="Google Shape;61;p9"/>
+          <p:cNvPr id="39" name="Google Shape;39;p9"/>
           <p:cNvCxnSpPr/>
           <p:nvPr/>
         </p:nvCxnSpPr>
@@ -6181,7 +4941,7 @@
       </p:cxnSp>
       <p:sp>
         <p:nvSpPr>
-          <p:cNvPr id="62" name="Google Shape;62;p9"/>
+          <p:cNvPr id="40" name="Google Shape;40;p9"/>
           <p:cNvSpPr txBox="1"/>
           <p:nvPr>
             <p:ph type="title"/>
@@ -6189,8 +4949,8 @@
         </p:nvSpPr>
         <p:spPr>
           <a:xfrm>
-            <a:off x="265500" y="1151100"/>
-            <a:ext cx="4045200" cy="1564500"/>
+            <a:off x="265500" y="1181700"/>
+            <a:ext cx="4045200" cy="1533600"/>
           </a:xfrm>
           <a:prstGeom prst="rect">
             <a:avLst/>
@@ -6208,9 +4968,9 @@
               <a:spcAft>
                 <a:spcPts val="0"/>
               </a:spcAft>
-              <a:buSzPts val="4200"/>
-              <a:buNone/>
-              <a:defRPr sz="4200"/>
+              <a:buSzPts val="3800"/>
+              <a:buNone/>
+              <a:defRPr sz="3800"/>
             </a:lvl1pPr>
             <a:lvl2pPr lvl="1" algn="ctr">
               <a:spcBef>
@@ -6219,9 +4979,9 @@
               <a:spcAft>
                 <a:spcPts val="0"/>
               </a:spcAft>
-              <a:buSzPts val="4200"/>
-              <a:buNone/>
-              <a:defRPr sz="4200"/>
+              <a:buSzPts val="3800"/>
+              <a:buNone/>
+              <a:defRPr sz="3800"/>
             </a:lvl2pPr>
             <a:lvl3pPr lvl="2" algn="ctr">
               <a:spcBef>
@@ -6230,9 +4990,9 @@
               <a:spcAft>
                 <a:spcPts val="0"/>
               </a:spcAft>
-              <a:buSzPts val="4200"/>
-              <a:buNone/>
-              <a:defRPr sz="4200"/>
+              <a:buSzPts val="3800"/>
+              <a:buNone/>
+              <a:defRPr sz="3800"/>
             </a:lvl3pPr>
             <a:lvl4pPr lvl="3" algn="ctr">
               <a:spcBef>
@@ -6241,9 +5001,9 @@
               <a:spcAft>
                 <a:spcPts val="0"/>
               </a:spcAft>
-              <a:buSzPts val="4200"/>
-              <a:buNone/>
-              <a:defRPr sz="4200"/>
+              <a:buSzPts val="3800"/>
+              <a:buNone/>
+              <a:defRPr sz="3800"/>
             </a:lvl4pPr>
             <a:lvl5pPr lvl="4" algn="ctr">
               <a:spcBef>
@@ -6252,9 +5012,9 @@
               <a:spcAft>
                 <a:spcPts val="0"/>
               </a:spcAft>
-              <a:buSzPts val="4200"/>
-              <a:buNone/>
-              <a:defRPr sz="4200"/>
+              <a:buSzPts val="3800"/>
+              <a:buNone/>
+              <a:defRPr sz="3800"/>
             </a:lvl5pPr>
             <a:lvl6pPr lvl="5" algn="ctr">
               <a:spcBef>
@@ -6263,9 +5023,9 @@
               <a:spcAft>
                 <a:spcPts val="0"/>
               </a:spcAft>
-              <a:buSzPts val="4200"/>
-              <a:buNone/>
-              <a:defRPr sz="4200"/>
+              <a:buSzPts val="3800"/>
+              <a:buNone/>
+              <a:defRPr sz="3800"/>
             </a:lvl6pPr>
             <a:lvl7pPr lvl="6" algn="ctr">
               <a:spcBef>
@@ -6274,9 +5034,9 @@
               <a:spcAft>
                 <a:spcPts val="0"/>
               </a:spcAft>
-              <a:buSzPts val="4200"/>
-              <a:buNone/>
-              <a:defRPr sz="4200"/>
+              <a:buSzPts val="3800"/>
+              <a:buNone/>
+              <a:defRPr sz="3800"/>
             </a:lvl7pPr>
             <a:lvl8pPr lvl="7" algn="ctr">
               <a:spcBef>
@@ -6285,9 +5045,9 @@
               <a:spcAft>
                 <a:spcPts val="0"/>
               </a:spcAft>
-              <a:buSzPts val="4200"/>
-              <a:buNone/>
-              <a:defRPr sz="4200"/>
+              <a:buSzPts val="3800"/>
+              <a:buNone/>
+              <a:defRPr sz="3800"/>
             </a:lvl8pPr>
             <a:lvl9pPr lvl="8" algn="ctr">
               <a:spcBef>
@@ -6296,9 +5056,9 @@
               <a:spcAft>
                 <a:spcPts val="0"/>
               </a:spcAft>
-              <a:buSzPts val="4200"/>
-              <a:buNone/>
-              <a:defRPr sz="4200"/>
+              <a:buSzPts val="3800"/>
+              <a:buNone/>
+              <a:defRPr sz="3800"/>
             </a:lvl9pPr>
           </a:lstStyle>
           <a:p/>
@@ -6306,7 +5066,7 @@
       </p:sp>
       <p:sp>
         <p:nvSpPr>
-          <p:cNvPr id="63" name="Google Shape;63;p9"/>
+          <p:cNvPr id="41" name="Google Shape;41;p9"/>
           <p:cNvSpPr txBox="1"/>
           <p:nvPr>
             <p:ph idx="1" type="subTitle"/>
@@ -6315,7 +5075,7 @@
         <p:spPr>
           <a:xfrm>
             <a:off x="265500" y="2769001"/>
-            <a:ext cx="4045200" cy="1269300"/>
+            <a:ext cx="4045200" cy="1345500"/>
           </a:xfrm>
           <a:prstGeom prst="rect">
             <a:avLst/>
@@ -6458,7 +5218,7 @@
       </p:sp>
       <p:sp>
         <p:nvSpPr>
-          <p:cNvPr id="64" name="Google Shape;64;p9"/>
+          <p:cNvPr id="42" name="Google Shape;42;p9"/>
           <p:cNvSpPr txBox="1"/>
           <p:nvPr>
             <p:ph idx="2" type="body"/>
@@ -6646,7 +5406,7 @@
       </p:sp>
       <p:sp>
         <p:nvSpPr>
-          <p:cNvPr id="65" name="Google Shape;65;p9"/>
+          <p:cNvPr id="43" name="Google Shape;43;p9"/>
           <p:cNvSpPr txBox="1"/>
           <p:nvPr>
             <p:ph idx="12" type="sldNum"/>
@@ -6654,7 +5414,7 @@
         </p:nvSpPr>
         <p:spPr>
           <a:xfrm>
-            <a:off x="8460431" y="4651190"/>
+            <a:off x="8497999" y="4688759"/>
             <a:ext cx="548700" cy="393600"/>
           </a:xfrm>
           <a:prstGeom prst="rect">
@@ -6668,39 +5428,75 @@
           <a:lstStyle>
             <a:lvl1pPr lvl="0">
               <a:buNone/>
-              <a:defRPr/>
+              <a:defRPr>
+                <a:solidFill>
+                  <a:schemeClr val="lt1"/>
+                </a:solidFill>
+              </a:defRPr>
             </a:lvl1pPr>
             <a:lvl2pPr lvl="1">
               <a:buNone/>
-              <a:defRPr/>
+              <a:defRPr>
+                <a:solidFill>
+                  <a:schemeClr val="lt1"/>
+                </a:solidFill>
+              </a:defRPr>
             </a:lvl2pPr>
             <a:lvl3pPr lvl="2">
               <a:buNone/>
-              <a:defRPr/>
+              <a:defRPr>
+                <a:solidFill>
+                  <a:schemeClr val="lt1"/>
+                </a:solidFill>
+              </a:defRPr>
             </a:lvl3pPr>
             <a:lvl4pPr lvl="3">
               <a:buNone/>
-              <a:defRPr/>
+              <a:defRPr>
+                <a:solidFill>
+                  <a:schemeClr val="lt1"/>
+                </a:solidFill>
+              </a:defRPr>
             </a:lvl4pPr>
             <a:lvl5pPr lvl="4">
               <a:buNone/>
-              <a:defRPr/>
+              <a:defRPr>
+                <a:solidFill>
+                  <a:schemeClr val="lt1"/>
+                </a:solidFill>
+              </a:defRPr>
             </a:lvl5pPr>
             <a:lvl6pPr lvl="5">
               <a:buNone/>
-              <a:defRPr/>
+              <a:defRPr>
+                <a:solidFill>
+                  <a:schemeClr val="lt1"/>
+                </a:solidFill>
+              </a:defRPr>
             </a:lvl6pPr>
             <a:lvl7pPr lvl="6">
               <a:buNone/>
-              <a:defRPr/>
+              <a:defRPr>
+                <a:solidFill>
+                  <a:schemeClr val="lt1"/>
+                </a:solidFill>
+              </a:defRPr>
             </a:lvl7pPr>
             <a:lvl8pPr lvl="7">
               <a:buNone/>
-              <a:defRPr/>
+              <a:defRPr>
+                <a:solidFill>
+                  <a:schemeClr val="lt1"/>
+                </a:solidFill>
+              </a:defRPr>
             </a:lvl8pPr>
             <a:lvl9pPr lvl="8">
               <a:buNone/>
-              <a:defRPr/>
+              <a:defRPr>
+                <a:solidFill>
+                  <a:schemeClr val="lt1"/>
+                </a:solidFill>
+              </a:defRPr>
             </a:lvl9pPr>
           </a:lstStyle>
           <a:p>
@@ -6734,7 +5530,7 @@
   <p:cSld name="CAPTION_ONLY">
     <p:spTree>
       <p:nvGrpSpPr>
-        <p:cNvPr id="66" name="Shape 66"/>
+        <p:cNvPr id="44" name="Shape 44"/>
         <p:cNvGrpSpPr/>
         <p:nvPr/>
       </p:nvGrpSpPr>
@@ -6748,7 +5544,7 @@
       </p:grpSpPr>
       <p:sp>
         <p:nvSpPr>
-          <p:cNvPr id="67" name="Google Shape;67;p10"/>
+          <p:cNvPr id="45" name="Google Shape;45;p10"/>
           <p:cNvSpPr txBox="1"/>
           <p:nvPr>
             <p:ph idx="1" type="body"/>
@@ -6756,8 +5552,8 @@
         </p:nvSpPr>
         <p:spPr>
           <a:xfrm>
-            <a:off x="319500" y="4230575"/>
-            <a:ext cx="5998800" cy="598800"/>
+            <a:off x="311700" y="4230575"/>
+            <a:ext cx="5998800" cy="605100"/>
           </a:xfrm>
           <a:prstGeom prst="rect">
             <a:avLst/>
@@ -6778,9 +5574,9 @@
               <a:spcAft>
                 <a:spcPts val="0"/>
               </a:spcAft>
-              <a:buSzPts val="1800"/>
-              <a:buNone/>
-              <a:defRPr/>
+              <a:buSzPts val="2100"/>
+              <a:buNone/>
+              <a:defRPr sz="2100"/>
             </a:lvl1pPr>
           </a:lstStyle>
           <a:p/>
@@ -6788,7 +5584,7 @@
       </p:sp>
       <p:sp>
         <p:nvSpPr>
-          <p:cNvPr id="68" name="Google Shape;68;p10"/>
+          <p:cNvPr id="46" name="Google Shape;46;p10"/>
           <p:cNvSpPr txBox="1"/>
           <p:nvPr>
             <p:ph idx="12" type="sldNum"/>
@@ -6796,7 +5592,7 @@
         </p:nvSpPr>
         <p:spPr>
           <a:xfrm>
-            <a:off x="8460431" y="4651190"/>
+            <a:off x="8497999" y="4688759"/>
             <a:ext cx="548700" cy="393600"/>
           </a:xfrm>
           <a:prstGeom prst="rect">
@@ -6810,75 +5606,39 @@
           <a:lstStyle>
             <a:lvl1pPr lvl="0">
               <a:buNone/>
-              <a:defRPr>
-                <a:solidFill>
-                  <a:schemeClr val="dk2"/>
-                </a:solidFill>
-              </a:defRPr>
+              <a:defRPr/>
             </a:lvl1pPr>
             <a:lvl2pPr lvl="1">
               <a:buNone/>
-              <a:defRPr>
-                <a:solidFill>
-                  <a:schemeClr val="dk2"/>
-                </a:solidFill>
-              </a:defRPr>
+              <a:defRPr/>
             </a:lvl2pPr>
             <a:lvl3pPr lvl="2">
               <a:buNone/>
-              <a:defRPr>
-                <a:solidFill>
-                  <a:schemeClr val="dk2"/>
-                </a:solidFill>
-              </a:defRPr>
+              <a:defRPr/>
             </a:lvl3pPr>
             <a:lvl4pPr lvl="3">
               <a:buNone/>
-              <a:defRPr>
-                <a:solidFill>
-                  <a:schemeClr val="dk2"/>
-                </a:solidFill>
-              </a:defRPr>
+              <a:defRPr/>
             </a:lvl4pPr>
             <a:lvl5pPr lvl="4">
               <a:buNone/>
-              <a:defRPr>
-                <a:solidFill>
-                  <a:schemeClr val="dk2"/>
-                </a:solidFill>
-              </a:defRPr>
+              <a:defRPr/>
             </a:lvl5pPr>
             <a:lvl6pPr lvl="5">
               <a:buNone/>
-              <a:defRPr>
-                <a:solidFill>
-                  <a:schemeClr val="dk2"/>
-                </a:solidFill>
-              </a:defRPr>
+              <a:defRPr/>
             </a:lvl6pPr>
             <a:lvl7pPr lvl="6">
               <a:buNone/>
-              <a:defRPr>
-                <a:solidFill>
-                  <a:schemeClr val="dk2"/>
-                </a:solidFill>
-              </a:defRPr>
+              <a:defRPr/>
             </a:lvl7pPr>
             <a:lvl8pPr lvl="7">
               <a:buNone/>
-              <a:defRPr>
-                <a:solidFill>
-                  <a:schemeClr val="dk2"/>
-                </a:solidFill>
-              </a:defRPr>
+              <a:defRPr/>
             </a:lvl8pPr>
             <a:lvl9pPr lvl="8">
               <a:buNone/>
-              <a:defRPr>
-                <a:solidFill>
-                  <a:schemeClr val="dk2"/>
-                </a:solidFill>
-              </a:defRPr>
+              <a:defRPr/>
             </a:lvl9pPr>
           </a:lstStyle>
           <a:p>
@@ -6909,7 +5669,7 @@
 
 <file path=ppt/slideMasters/slideMaster1.xml><?xml version="1.0" encoding="utf-8"?>
 <p:sldMaster xmlns:a="http://schemas.openxmlformats.org/drawingml/2006/main" xmlns:r="http://schemas.openxmlformats.org/officeDocument/2006/relationships" xmlns:mc="http://schemas.openxmlformats.org/markup-compatibility/2006" xmlns:mv="urn:schemas-microsoft-com:mac:vml" xmlns:p="http://schemas.openxmlformats.org/presentationml/2006/main" xmlns:c="http://schemas.openxmlformats.org/drawingml/2006/chart" xmlns:dgm="http://schemas.openxmlformats.org/drawingml/2006/diagram" xmlns:o="urn:schemas-microsoft-com:office:office" xmlns:v="urn:schemas-microsoft-com:vml" xmlns:pvml="urn:schemas-microsoft-com:office:powerpoint" xmlns:com="http://schemas.openxmlformats.org/drawingml/2006/compatibility" xmlns:p14="http://schemas.microsoft.com/office/powerpoint/2010/main" xmlns:p15="http://schemas.microsoft.com/office/powerpoint/2012/main" xmlns:ahyp="http://schemas.microsoft.com/office/drawing/2018/hyperlinkcolor">
-  <p:cSld name="geometric">
+  <p:cSld name="plum">
     <p:bg>
       <p:bgPr>
         <a:solidFill>
@@ -6941,8 +5701,8 @@
         </p:nvSpPr>
         <p:spPr>
           <a:xfrm>
-            <a:off x="311700" y="410000"/>
-            <a:ext cx="8520600" cy="607800"/>
+            <a:off x="311700" y="445025"/>
+            <a:ext cx="8520600" cy="623400"/>
           </a:xfrm>
           <a:prstGeom prst="rect">
             <a:avLst/>
@@ -6965,19 +5725,19 @@
                 <a:spcPts val="0"/>
               </a:spcAft>
               <a:buClr>
-                <a:schemeClr val="dk1"/>
+                <a:schemeClr val="dk2"/>
               </a:buClr>
               <a:buSzPts val="3000"/>
-              <a:buFont typeface="Roboto"/>
-              <a:buNone/>
-              <a:defRPr sz="3000">
-                <a:solidFill>
-                  <a:schemeClr val="dk1"/>
-                </a:solidFill>
-                <a:latin typeface="Roboto"/>
-                <a:ea typeface="Roboto"/>
-                <a:cs typeface="Roboto"/>
-                <a:sym typeface="Roboto"/>
+              <a:buFont typeface="Raleway"/>
+              <a:buNone/>
+              <a:defRPr b="1" sz="3000">
+                <a:solidFill>
+                  <a:schemeClr val="dk2"/>
+                </a:solidFill>
+                <a:latin typeface="Raleway"/>
+                <a:ea typeface="Raleway"/>
+                <a:cs typeface="Raleway"/>
+                <a:sym typeface="Raleway"/>
               </a:defRPr>
             </a:lvl1pPr>
             <a:lvl2pPr lvl="1">
@@ -6988,19 +5748,19 @@
                 <a:spcPts val="0"/>
               </a:spcAft>
               <a:buClr>
-                <a:schemeClr val="dk1"/>
+                <a:schemeClr val="dk2"/>
               </a:buClr>
               <a:buSzPts val="3000"/>
-              <a:buFont typeface="Roboto"/>
-              <a:buNone/>
-              <a:defRPr sz="3000">
-                <a:solidFill>
-                  <a:schemeClr val="dk1"/>
-                </a:solidFill>
-                <a:latin typeface="Roboto"/>
-                <a:ea typeface="Roboto"/>
-                <a:cs typeface="Roboto"/>
-                <a:sym typeface="Roboto"/>
+              <a:buFont typeface="Raleway"/>
+              <a:buNone/>
+              <a:defRPr b="1" sz="3000">
+                <a:solidFill>
+                  <a:schemeClr val="dk2"/>
+                </a:solidFill>
+                <a:latin typeface="Raleway"/>
+                <a:ea typeface="Raleway"/>
+                <a:cs typeface="Raleway"/>
+                <a:sym typeface="Raleway"/>
               </a:defRPr>
             </a:lvl2pPr>
             <a:lvl3pPr lvl="2">
@@ -7011,19 +5771,19 @@
                 <a:spcPts val="0"/>
               </a:spcAft>
               <a:buClr>
-                <a:schemeClr val="dk1"/>
+                <a:schemeClr val="dk2"/>
               </a:buClr>
               <a:buSzPts val="3000"/>
-              <a:buFont typeface="Roboto"/>
-              <a:buNone/>
-              <a:defRPr sz="3000">
-                <a:solidFill>
-                  <a:schemeClr val="dk1"/>
-                </a:solidFill>
-                <a:latin typeface="Roboto"/>
-                <a:ea typeface="Roboto"/>
-                <a:cs typeface="Roboto"/>
-                <a:sym typeface="Roboto"/>
+              <a:buFont typeface="Raleway"/>
+              <a:buNone/>
+              <a:defRPr b="1" sz="3000">
+                <a:solidFill>
+                  <a:schemeClr val="dk2"/>
+                </a:solidFill>
+                <a:latin typeface="Raleway"/>
+                <a:ea typeface="Raleway"/>
+                <a:cs typeface="Raleway"/>
+                <a:sym typeface="Raleway"/>
               </a:defRPr>
             </a:lvl3pPr>
             <a:lvl4pPr lvl="3">
@@ -7034,19 +5794,19 @@
                 <a:spcPts val="0"/>
               </a:spcAft>
               <a:buClr>
-                <a:schemeClr val="dk1"/>
+                <a:schemeClr val="dk2"/>
               </a:buClr>
               <a:buSzPts val="3000"/>
-              <a:buFont typeface="Roboto"/>
-              <a:buNone/>
-              <a:defRPr sz="3000">
-                <a:solidFill>
-                  <a:schemeClr val="dk1"/>
-                </a:solidFill>
-                <a:latin typeface="Roboto"/>
-                <a:ea typeface="Roboto"/>
-                <a:cs typeface="Roboto"/>
-                <a:sym typeface="Roboto"/>
+              <a:buFont typeface="Raleway"/>
+              <a:buNone/>
+              <a:defRPr b="1" sz="3000">
+                <a:solidFill>
+                  <a:schemeClr val="dk2"/>
+                </a:solidFill>
+                <a:latin typeface="Raleway"/>
+                <a:ea typeface="Raleway"/>
+                <a:cs typeface="Raleway"/>
+                <a:sym typeface="Raleway"/>
               </a:defRPr>
             </a:lvl4pPr>
             <a:lvl5pPr lvl="4">
@@ -7057,19 +5817,19 @@
                 <a:spcPts val="0"/>
               </a:spcAft>
               <a:buClr>
-                <a:schemeClr val="dk1"/>
+                <a:schemeClr val="dk2"/>
               </a:buClr>
               <a:buSzPts val="3000"/>
-              <a:buFont typeface="Roboto"/>
-              <a:buNone/>
-              <a:defRPr sz="3000">
-                <a:solidFill>
-                  <a:schemeClr val="dk1"/>
-                </a:solidFill>
-                <a:latin typeface="Roboto"/>
-                <a:ea typeface="Roboto"/>
-                <a:cs typeface="Roboto"/>
-                <a:sym typeface="Roboto"/>
+              <a:buFont typeface="Raleway"/>
+              <a:buNone/>
+              <a:defRPr b="1" sz="3000">
+                <a:solidFill>
+                  <a:schemeClr val="dk2"/>
+                </a:solidFill>
+                <a:latin typeface="Raleway"/>
+                <a:ea typeface="Raleway"/>
+                <a:cs typeface="Raleway"/>
+                <a:sym typeface="Raleway"/>
               </a:defRPr>
             </a:lvl5pPr>
             <a:lvl6pPr lvl="5">
@@ -7080,19 +5840,19 @@
                 <a:spcPts val="0"/>
               </a:spcAft>
               <a:buClr>
-                <a:schemeClr val="dk1"/>
+                <a:schemeClr val="dk2"/>
               </a:buClr>
               <a:buSzPts val="3000"/>
-              <a:buFont typeface="Roboto"/>
-              <a:buNone/>
-              <a:defRPr sz="3000">
-                <a:solidFill>
-                  <a:schemeClr val="dk1"/>
-                </a:solidFill>
-                <a:latin typeface="Roboto"/>
-                <a:ea typeface="Roboto"/>
-                <a:cs typeface="Roboto"/>
-                <a:sym typeface="Roboto"/>
+              <a:buFont typeface="Raleway"/>
+              <a:buNone/>
+              <a:defRPr b="1" sz="3000">
+                <a:solidFill>
+                  <a:schemeClr val="dk2"/>
+                </a:solidFill>
+                <a:latin typeface="Raleway"/>
+                <a:ea typeface="Raleway"/>
+                <a:cs typeface="Raleway"/>
+                <a:sym typeface="Raleway"/>
               </a:defRPr>
             </a:lvl6pPr>
             <a:lvl7pPr lvl="6">
@@ -7103,19 +5863,19 @@
                 <a:spcPts val="0"/>
               </a:spcAft>
               <a:buClr>
-                <a:schemeClr val="dk1"/>
+                <a:schemeClr val="dk2"/>
               </a:buClr>
               <a:buSzPts val="3000"/>
-              <a:buFont typeface="Roboto"/>
-              <a:buNone/>
-              <a:defRPr sz="3000">
-                <a:solidFill>
-                  <a:schemeClr val="dk1"/>
-                </a:solidFill>
-                <a:latin typeface="Roboto"/>
-                <a:ea typeface="Roboto"/>
-                <a:cs typeface="Roboto"/>
-                <a:sym typeface="Roboto"/>
+              <a:buFont typeface="Raleway"/>
+              <a:buNone/>
+              <a:defRPr b="1" sz="3000">
+                <a:solidFill>
+                  <a:schemeClr val="dk2"/>
+                </a:solidFill>
+                <a:latin typeface="Raleway"/>
+                <a:ea typeface="Raleway"/>
+                <a:cs typeface="Raleway"/>
+                <a:sym typeface="Raleway"/>
               </a:defRPr>
             </a:lvl7pPr>
             <a:lvl8pPr lvl="7">
@@ -7126,19 +5886,19 @@
                 <a:spcPts val="0"/>
               </a:spcAft>
               <a:buClr>
-                <a:schemeClr val="dk1"/>
+                <a:schemeClr val="dk2"/>
               </a:buClr>
               <a:buSzPts val="3000"/>
-              <a:buFont typeface="Roboto"/>
-              <a:buNone/>
-              <a:defRPr sz="3000">
-                <a:solidFill>
-                  <a:schemeClr val="dk1"/>
-                </a:solidFill>
-                <a:latin typeface="Roboto"/>
-                <a:ea typeface="Roboto"/>
-                <a:cs typeface="Roboto"/>
-                <a:sym typeface="Roboto"/>
+              <a:buFont typeface="Raleway"/>
+              <a:buNone/>
+              <a:defRPr b="1" sz="3000">
+                <a:solidFill>
+                  <a:schemeClr val="dk2"/>
+                </a:solidFill>
+                <a:latin typeface="Raleway"/>
+                <a:ea typeface="Raleway"/>
+                <a:cs typeface="Raleway"/>
+                <a:sym typeface="Raleway"/>
               </a:defRPr>
             </a:lvl8pPr>
             <a:lvl9pPr lvl="8">
@@ -7149,19 +5909,19 @@
                 <a:spcPts val="0"/>
               </a:spcAft>
               <a:buClr>
-                <a:schemeClr val="dk1"/>
+                <a:schemeClr val="dk2"/>
               </a:buClr>
               <a:buSzPts val="3000"/>
-              <a:buFont typeface="Roboto"/>
-              <a:buNone/>
-              <a:defRPr sz="3000">
-                <a:solidFill>
-                  <a:schemeClr val="dk1"/>
-                </a:solidFill>
-                <a:latin typeface="Roboto"/>
-                <a:ea typeface="Roboto"/>
-                <a:cs typeface="Roboto"/>
-                <a:sym typeface="Roboto"/>
+              <a:buFont typeface="Raleway"/>
+              <a:buNone/>
+              <a:defRPr b="1" sz="3000">
+                <a:solidFill>
+                  <a:schemeClr val="dk2"/>
+                </a:solidFill>
+                <a:latin typeface="Raleway"/>
+                <a:ea typeface="Raleway"/>
+                <a:cs typeface="Raleway"/>
+                <a:sym typeface="Raleway"/>
               </a:defRPr>
             </a:lvl9pPr>
           </a:lstStyle>
@@ -7178,8 +5938,8 @@
         </p:nvSpPr>
         <p:spPr>
           <a:xfrm>
-            <a:off x="311700" y="1229875"/>
-            <a:ext cx="8520600" cy="3339000"/>
+            <a:off x="311700" y="1152475"/>
+            <a:ext cx="8520600" cy="3416400"/>
           </a:xfrm>
           <a:prstGeom prst="rect">
             <a:avLst/>
@@ -7205,19 +5965,19 @@
                 <a:spcPts val="0"/>
               </a:spcAft>
               <a:buClr>
-                <a:schemeClr val="dk2"/>
+                <a:schemeClr val="lt2"/>
               </a:buClr>
               <a:buSzPts val="1800"/>
-              <a:buFont typeface="Roboto"/>
+              <a:buFont typeface="Source Sans Pro"/>
               <a:buChar char="●"/>
               <a:defRPr sz="1800">
                 <a:solidFill>
-                  <a:schemeClr val="dk2"/>
-                </a:solidFill>
-                <a:latin typeface="Roboto"/>
-                <a:ea typeface="Roboto"/>
-                <a:cs typeface="Roboto"/>
-                <a:sym typeface="Roboto"/>
+                  <a:schemeClr val="lt2"/>
+                </a:solidFill>
+                <a:latin typeface="Source Sans Pro"/>
+                <a:ea typeface="Source Sans Pro"/>
+                <a:cs typeface="Source Sans Pro"/>
+                <a:sym typeface="Source Sans Pro"/>
               </a:defRPr>
             </a:lvl1pPr>
             <a:lvl2pPr indent="-317500" lvl="1" marL="914400">
@@ -7231,19 +5991,19 @@
                 <a:spcPts val="0"/>
               </a:spcAft>
               <a:buClr>
-                <a:schemeClr val="dk2"/>
+                <a:schemeClr val="lt2"/>
               </a:buClr>
               <a:buSzPts val="1400"/>
-              <a:buFont typeface="Roboto"/>
+              <a:buFont typeface="Source Sans Pro"/>
               <a:buChar char="○"/>
               <a:defRPr>
                 <a:solidFill>
-                  <a:schemeClr val="dk2"/>
-                </a:solidFill>
-                <a:latin typeface="Roboto"/>
-                <a:ea typeface="Roboto"/>
-                <a:cs typeface="Roboto"/>
-                <a:sym typeface="Roboto"/>
+                  <a:schemeClr val="lt2"/>
+                </a:solidFill>
+                <a:latin typeface="Source Sans Pro"/>
+                <a:ea typeface="Source Sans Pro"/>
+                <a:cs typeface="Source Sans Pro"/>
+                <a:sym typeface="Source Sans Pro"/>
               </a:defRPr>
             </a:lvl2pPr>
             <a:lvl3pPr indent="-317500" lvl="2" marL="1371600">
@@ -7257,19 +6017,19 @@
                 <a:spcPts val="0"/>
               </a:spcAft>
               <a:buClr>
-                <a:schemeClr val="dk2"/>
+                <a:schemeClr val="lt2"/>
               </a:buClr>
               <a:buSzPts val="1400"/>
-              <a:buFont typeface="Roboto"/>
+              <a:buFont typeface="Source Sans Pro"/>
               <a:buChar char="■"/>
               <a:defRPr>
                 <a:solidFill>
-                  <a:schemeClr val="dk2"/>
-                </a:solidFill>
-                <a:latin typeface="Roboto"/>
-                <a:ea typeface="Roboto"/>
-                <a:cs typeface="Roboto"/>
-                <a:sym typeface="Roboto"/>
+                  <a:schemeClr val="lt2"/>
+                </a:solidFill>
+                <a:latin typeface="Source Sans Pro"/>
+                <a:ea typeface="Source Sans Pro"/>
+                <a:cs typeface="Source Sans Pro"/>
+                <a:sym typeface="Source Sans Pro"/>
               </a:defRPr>
             </a:lvl3pPr>
             <a:lvl4pPr indent="-317500" lvl="3" marL="1828800">
@@ -7283,19 +6043,19 @@
                 <a:spcPts val="0"/>
               </a:spcAft>
               <a:buClr>
-                <a:schemeClr val="dk2"/>
+                <a:schemeClr val="lt2"/>
               </a:buClr>
               <a:buSzPts val="1400"/>
-              <a:buFont typeface="Roboto"/>
+              <a:buFont typeface="Source Sans Pro"/>
               <a:buChar char="●"/>
               <a:defRPr>
                 <a:solidFill>
-                  <a:schemeClr val="dk2"/>
-                </a:solidFill>
-                <a:latin typeface="Roboto"/>
-                <a:ea typeface="Roboto"/>
-                <a:cs typeface="Roboto"/>
-                <a:sym typeface="Roboto"/>
+                  <a:schemeClr val="lt2"/>
+                </a:solidFill>
+                <a:latin typeface="Source Sans Pro"/>
+                <a:ea typeface="Source Sans Pro"/>
+                <a:cs typeface="Source Sans Pro"/>
+                <a:sym typeface="Source Sans Pro"/>
               </a:defRPr>
             </a:lvl4pPr>
             <a:lvl5pPr indent="-317500" lvl="4" marL="2286000">
@@ -7309,19 +6069,19 @@
                 <a:spcPts val="0"/>
               </a:spcAft>
               <a:buClr>
-                <a:schemeClr val="dk2"/>
+                <a:schemeClr val="lt2"/>
               </a:buClr>
               <a:buSzPts val="1400"/>
-              <a:buFont typeface="Roboto"/>
+              <a:buFont typeface="Source Sans Pro"/>
               <a:buChar char="○"/>
               <a:defRPr>
                 <a:solidFill>
-                  <a:schemeClr val="dk2"/>
-                </a:solidFill>
-                <a:latin typeface="Roboto"/>
-                <a:ea typeface="Roboto"/>
-                <a:cs typeface="Roboto"/>
-                <a:sym typeface="Roboto"/>
+                  <a:schemeClr val="lt2"/>
+                </a:solidFill>
+                <a:latin typeface="Source Sans Pro"/>
+                <a:ea typeface="Source Sans Pro"/>
+                <a:cs typeface="Source Sans Pro"/>
+                <a:sym typeface="Source Sans Pro"/>
               </a:defRPr>
             </a:lvl5pPr>
             <a:lvl6pPr indent="-317500" lvl="5" marL="2743200">
@@ -7335,19 +6095,19 @@
                 <a:spcPts val="0"/>
               </a:spcAft>
               <a:buClr>
-                <a:schemeClr val="dk2"/>
+                <a:schemeClr val="lt2"/>
               </a:buClr>
               <a:buSzPts val="1400"/>
-              <a:buFont typeface="Roboto"/>
+              <a:buFont typeface="Source Sans Pro"/>
               <a:buChar char="■"/>
               <a:defRPr>
                 <a:solidFill>
-                  <a:schemeClr val="dk2"/>
-                </a:solidFill>
-                <a:latin typeface="Roboto"/>
-                <a:ea typeface="Roboto"/>
-                <a:cs typeface="Roboto"/>
-                <a:sym typeface="Roboto"/>
+                  <a:schemeClr val="lt2"/>
+                </a:solidFill>
+                <a:latin typeface="Source Sans Pro"/>
+                <a:ea typeface="Source Sans Pro"/>
+                <a:cs typeface="Source Sans Pro"/>
+                <a:sym typeface="Source Sans Pro"/>
               </a:defRPr>
             </a:lvl6pPr>
             <a:lvl7pPr indent="-317500" lvl="6" marL="3200400">
@@ -7361,19 +6121,19 @@
                 <a:spcPts val="0"/>
               </a:spcAft>
               <a:buClr>
-                <a:schemeClr val="dk2"/>
+                <a:schemeClr val="lt2"/>
               </a:buClr>
               <a:buSzPts val="1400"/>
-              <a:buFont typeface="Roboto"/>
+              <a:buFont typeface="Source Sans Pro"/>
               <a:buChar char="●"/>
               <a:defRPr>
                 <a:solidFill>
-                  <a:schemeClr val="dk2"/>
-                </a:solidFill>
-                <a:latin typeface="Roboto"/>
-                <a:ea typeface="Roboto"/>
-                <a:cs typeface="Roboto"/>
-                <a:sym typeface="Roboto"/>
+                  <a:schemeClr val="lt2"/>
+                </a:solidFill>
+                <a:latin typeface="Source Sans Pro"/>
+                <a:ea typeface="Source Sans Pro"/>
+                <a:cs typeface="Source Sans Pro"/>
+                <a:sym typeface="Source Sans Pro"/>
               </a:defRPr>
             </a:lvl7pPr>
             <a:lvl8pPr indent="-317500" lvl="7" marL="3657600">
@@ -7387,19 +6147,19 @@
                 <a:spcPts val="0"/>
               </a:spcAft>
               <a:buClr>
-                <a:schemeClr val="dk2"/>
+                <a:schemeClr val="lt2"/>
               </a:buClr>
               <a:buSzPts val="1400"/>
-              <a:buFont typeface="Roboto"/>
+              <a:buFont typeface="Source Sans Pro"/>
               <a:buChar char="○"/>
               <a:defRPr>
                 <a:solidFill>
-                  <a:schemeClr val="dk2"/>
-                </a:solidFill>
-                <a:latin typeface="Roboto"/>
-                <a:ea typeface="Roboto"/>
-                <a:cs typeface="Roboto"/>
-                <a:sym typeface="Roboto"/>
+                  <a:schemeClr val="lt2"/>
+                </a:solidFill>
+                <a:latin typeface="Source Sans Pro"/>
+                <a:ea typeface="Source Sans Pro"/>
+                <a:cs typeface="Source Sans Pro"/>
+                <a:sym typeface="Source Sans Pro"/>
               </a:defRPr>
             </a:lvl8pPr>
             <a:lvl9pPr indent="-317500" lvl="8" marL="4114800">
@@ -7413,19 +6173,19 @@
                 <a:spcPts val="0"/>
               </a:spcAft>
               <a:buClr>
-                <a:schemeClr val="dk2"/>
+                <a:schemeClr val="lt2"/>
               </a:buClr>
               <a:buSzPts val="1400"/>
-              <a:buFont typeface="Roboto"/>
+              <a:buFont typeface="Source Sans Pro"/>
               <a:buChar char="■"/>
               <a:defRPr>
                 <a:solidFill>
-                  <a:schemeClr val="dk2"/>
-                </a:solidFill>
-                <a:latin typeface="Roboto"/>
-                <a:ea typeface="Roboto"/>
-                <a:cs typeface="Roboto"/>
-                <a:sym typeface="Roboto"/>
+                  <a:schemeClr val="lt2"/>
+                </a:solidFill>
+                <a:latin typeface="Source Sans Pro"/>
+                <a:ea typeface="Source Sans Pro"/>
+                <a:cs typeface="Source Sans Pro"/>
+                <a:sym typeface="Source Sans Pro"/>
               </a:defRPr>
             </a:lvl9pPr>
           </a:lstStyle>
@@ -7442,7 +6202,7 @@
         </p:nvSpPr>
         <p:spPr>
           <a:xfrm>
-            <a:off x="8460431" y="4651190"/>
+            <a:off x="8497999" y="4688759"/>
             <a:ext cx="548700" cy="393600"/>
           </a:xfrm>
           <a:prstGeom prst="rect">
@@ -7462,108 +6222,108 @@
               <a:buNone/>
               <a:defRPr sz="1000">
                 <a:solidFill>
-                  <a:schemeClr val="lt1"/>
-                </a:solidFill>
-                <a:latin typeface="Roboto"/>
-                <a:ea typeface="Roboto"/>
-                <a:cs typeface="Roboto"/>
-                <a:sym typeface="Roboto"/>
+                  <a:schemeClr val="lt2"/>
+                </a:solidFill>
+                <a:latin typeface="Source Sans Pro"/>
+                <a:ea typeface="Source Sans Pro"/>
+                <a:cs typeface="Source Sans Pro"/>
+                <a:sym typeface="Source Sans Pro"/>
               </a:defRPr>
             </a:lvl1pPr>
             <a:lvl2pPr lvl="1" algn="r">
               <a:buNone/>
               <a:defRPr sz="1000">
                 <a:solidFill>
-                  <a:schemeClr val="lt1"/>
-                </a:solidFill>
-                <a:latin typeface="Roboto"/>
-                <a:ea typeface="Roboto"/>
-                <a:cs typeface="Roboto"/>
-                <a:sym typeface="Roboto"/>
+                  <a:schemeClr val="lt2"/>
+                </a:solidFill>
+                <a:latin typeface="Source Sans Pro"/>
+                <a:ea typeface="Source Sans Pro"/>
+                <a:cs typeface="Source Sans Pro"/>
+                <a:sym typeface="Source Sans Pro"/>
               </a:defRPr>
             </a:lvl2pPr>
             <a:lvl3pPr lvl="2" algn="r">
               <a:buNone/>
               <a:defRPr sz="1000">
                 <a:solidFill>
-                  <a:schemeClr val="lt1"/>
-                </a:solidFill>
-                <a:latin typeface="Roboto"/>
-                <a:ea typeface="Roboto"/>
-                <a:cs typeface="Roboto"/>
-                <a:sym typeface="Roboto"/>
+                  <a:schemeClr val="lt2"/>
+                </a:solidFill>
+                <a:latin typeface="Source Sans Pro"/>
+                <a:ea typeface="Source Sans Pro"/>
+                <a:cs typeface="Source Sans Pro"/>
+                <a:sym typeface="Source Sans Pro"/>
               </a:defRPr>
             </a:lvl3pPr>
             <a:lvl4pPr lvl="3" algn="r">
               <a:buNone/>
               <a:defRPr sz="1000">
                 <a:solidFill>
-                  <a:schemeClr val="lt1"/>
-                </a:solidFill>
-                <a:latin typeface="Roboto"/>
-                <a:ea typeface="Roboto"/>
-                <a:cs typeface="Roboto"/>
-                <a:sym typeface="Roboto"/>
+                  <a:schemeClr val="lt2"/>
+                </a:solidFill>
+                <a:latin typeface="Source Sans Pro"/>
+                <a:ea typeface="Source Sans Pro"/>
+                <a:cs typeface="Source Sans Pro"/>
+                <a:sym typeface="Source Sans Pro"/>
               </a:defRPr>
             </a:lvl4pPr>
             <a:lvl5pPr lvl="4" algn="r">
               <a:buNone/>
               <a:defRPr sz="1000">
                 <a:solidFill>
-                  <a:schemeClr val="lt1"/>
-                </a:solidFill>
-                <a:latin typeface="Roboto"/>
-                <a:ea typeface="Roboto"/>
-                <a:cs typeface="Roboto"/>
-                <a:sym typeface="Roboto"/>
+                  <a:schemeClr val="lt2"/>
+                </a:solidFill>
+                <a:latin typeface="Source Sans Pro"/>
+                <a:ea typeface="Source Sans Pro"/>
+                <a:cs typeface="Source Sans Pro"/>
+                <a:sym typeface="Source Sans Pro"/>
               </a:defRPr>
             </a:lvl5pPr>
             <a:lvl6pPr lvl="5" algn="r">
               <a:buNone/>
               <a:defRPr sz="1000">
                 <a:solidFill>
-                  <a:schemeClr val="lt1"/>
-                </a:solidFill>
-                <a:latin typeface="Roboto"/>
-                <a:ea typeface="Roboto"/>
-                <a:cs typeface="Roboto"/>
-                <a:sym typeface="Roboto"/>
+                  <a:schemeClr val="lt2"/>
+                </a:solidFill>
+                <a:latin typeface="Source Sans Pro"/>
+                <a:ea typeface="Source Sans Pro"/>
+                <a:cs typeface="Source Sans Pro"/>
+                <a:sym typeface="Source Sans Pro"/>
               </a:defRPr>
             </a:lvl6pPr>
             <a:lvl7pPr lvl="6" algn="r">
               <a:buNone/>
               <a:defRPr sz="1000">
                 <a:solidFill>
-                  <a:schemeClr val="lt1"/>
-                </a:solidFill>
-                <a:latin typeface="Roboto"/>
-                <a:ea typeface="Roboto"/>
-                <a:cs typeface="Roboto"/>
-                <a:sym typeface="Roboto"/>
+                  <a:schemeClr val="lt2"/>
+                </a:solidFill>
+                <a:latin typeface="Source Sans Pro"/>
+                <a:ea typeface="Source Sans Pro"/>
+                <a:cs typeface="Source Sans Pro"/>
+                <a:sym typeface="Source Sans Pro"/>
               </a:defRPr>
             </a:lvl7pPr>
             <a:lvl8pPr lvl="7" algn="r">
               <a:buNone/>
               <a:defRPr sz="1000">
                 <a:solidFill>
-                  <a:schemeClr val="lt1"/>
-                </a:solidFill>
-                <a:latin typeface="Roboto"/>
-                <a:ea typeface="Roboto"/>
-                <a:cs typeface="Roboto"/>
-                <a:sym typeface="Roboto"/>
+                  <a:schemeClr val="lt2"/>
+                </a:solidFill>
+                <a:latin typeface="Source Sans Pro"/>
+                <a:ea typeface="Source Sans Pro"/>
+                <a:cs typeface="Source Sans Pro"/>
+                <a:sym typeface="Source Sans Pro"/>
               </a:defRPr>
             </a:lvl8pPr>
             <a:lvl9pPr lvl="8" algn="r">
               <a:buNone/>
               <a:defRPr sz="1000">
                 <a:solidFill>
-                  <a:schemeClr val="lt1"/>
-                </a:solidFill>
-                <a:latin typeface="Roboto"/>
-                <a:ea typeface="Roboto"/>
-                <a:cs typeface="Roboto"/>
-                <a:sym typeface="Roboto"/>
+                  <a:schemeClr val="lt2"/>
+                </a:solidFill>
+                <a:latin typeface="Source Sans Pro"/>
+                <a:ea typeface="Source Sans Pro"/>
+                <a:cs typeface="Source Sans Pro"/>
+                <a:sym typeface="Source Sans Pro"/>
               </a:defRPr>
             </a:lvl9pPr>
           </a:lstStyle>
@@ -8299,7 +7059,7 @@
   <p:cSld>
     <p:spTree>
       <p:nvGrpSpPr>
-        <p:cNvPr id="84" name="Shape 84"/>
+        <p:cNvPr id="57" name="Shape 57"/>
         <p:cNvGrpSpPr/>
         <p:nvPr/>
       </p:nvGrpSpPr>
@@ -8313,7 +7073,7 @@
       </p:grpSpPr>
       <p:sp>
         <p:nvSpPr>
-          <p:cNvPr id="85" name="Google Shape;85;p13"/>
+          <p:cNvPr id="58" name="Google Shape;58;p13"/>
           <p:cNvSpPr txBox="1"/>
           <p:nvPr>
             <p:ph type="ctrTitle"/>
@@ -8321,8 +7081,8 @@
         </p:nvSpPr>
         <p:spPr>
           <a:xfrm>
-            <a:off x="598100" y="1775222"/>
-            <a:ext cx="8222100" cy="838800"/>
+            <a:off x="485875" y="264475"/>
+            <a:ext cx="8183700" cy="1473600"/>
           </a:xfrm>
           <a:prstGeom prst="rect">
             <a:avLst/>
@@ -8345,7 +7105,7 @@
             </a:pPr>
             <a:r>
               <a:rPr lang="en"/>
-              <a:t>Sprint 1</a:t>
+              <a:t>Sprint 2</a:t>
             </a:r>
             <a:endParaRPr/>
           </a:p>
@@ -8353,7 +7113,7 @@
       </p:sp>
       <p:sp>
         <p:nvSpPr>
-          <p:cNvPr id="86" name="Google Shape;86;p13"/>
+          <p:cNvPr id="59" name="Google Shape;59;p13"/>
           <p:cNvSpPr txBox="1"/>
           <p:nvPr>
             <p:ph idx="1" type="subTitle"/>
@@ -8361,8 +7121,8 @@
         </p:nvSpPr>
         <p:spPr>
           <a:xfrm>
-            <a:off x="598088" y="2715913"/>
-            <a:ext cx="8222100" cy="432900"/>
+            <a:off x="485875" y="1738075"/>
+            <a:ext cx="8183700" cy="861000"/>
           </a:xfrm>
           <a:prstGeom prst="rect">
             <a:avLst/>
@@ -8370,7 +7130,7 @@
         </p:spPr>
         <p:txBody>
           <a:bodyPr anchorCtr="0" anchor="t" bIns="91425" lIns="91425" spcFirstLastPara="1" rIns="91425" wrap="square" tIns="91425">
-            <a:normAutofit fontScale="92500" lnSpcReduction="20000"/>
+            <a:normAutofit/>
           </a:bodyPr>
           <a:lstStyle/>
           <a:p>
@@ -8404,7 +7164,7 @@
   <p:cSld>
     <p:spTree>
       <p:nvGrpSpPr>
-        <p:cNvPr id="142" name="Shape 142"/>
+        <p:cNvPr id="115" name="Shape 115"/>
         <p:cNvGrpSpPr/>
         <p:nvPr/>
       </p:nvGrpSpPr>
@@ -8418,7 +7178,7 @@
       </p:grpSpPr>
       <p:sp>
         <p:nvSpPr>
-          <p:cNvPr id="143" name="Google Shape;143;p22"/>
+          <p:cNvPr id="116" name="Google Shape;116;p22"/>
           <p:cNvSpPr txBox="1"/>
           <p:nvPr>
             <p:ph type="title"/>
@@ -8426,8 +7186,8 @@
         </p:nvSpPr>
         <p:spPr>
           <a:xfrm>
-            <a:off x="311700" y="410000"/>
-            <a:ext cx="8520600" cy="607800"/>
+            <a:off x="311700" y="445025"/>
+            <a:ext cx="8520600" cy="623400"/>
           </a:xfrm>
           <a:prstGeom prst="rect">
             <a:avLst/>
@@ -8458,7 +7218,7 @@
       </p:sp>
       <p:sp>
         <p:nvSpPr>
-          <p:cNvPr id="144" name="Google Shape;144;p22"/>
+          <p:cNvPr id="117" name="Google Shape;117;p22"/>
           <p:cNvSpPr txBox="1"/>
           <p:nvPr>
             <p:ph idx="1" type="body"/>
@@ -8466,8 +7226,8 @@
         </p:nvSpPr>
         <p:spPr>
           <a:xfrm>
-            <a:off x="311700" y="1229875"/>
-            <a:ext cx="8520600" cy="3339000"/>
+            <a:off x="311700" y="1152475"/>
+            <a:ext cx="8520600" cy="3416400"/>
           </a:xfrm>
           <a:prstGeom prst="rect">
             <a:avLst/>
@@ -8491,7 +7251,7 @@
             </a:pPr>
             <a:r>
               <a:rPr lang="en"/>
-              <a:t>VM setup with Egor</a:t>
+              <a:t>Node.js set up</a:t>
             </a:r>
             <a:endParaRPr/>
           </a:p>
@@ -8508,7 +7268,7 @@
             </a:pPr>
             <a:r>
               <a:rPr lang="en"/>
-              <a:t>About me page</a:t>
+              <a:t>Next.js initialization + setup</a:t>
             </a:r>
             <a:endParaRPr/>
           </a:p>
@@ -8525,7 +7285,7 @@
             </a:pPr>
             <a:r>
               <a:rPr lang="en"/>
-              <a:t>Landing page (Styling + Navbar)</a:t>
+              <a:t>Phaser + socket research</a:t>
             </a:r>
             <a:endParaRPr/>
           </a:p>
@@ -8542,22 +7302,24 @@
             </a:pPr>
             <a:r>
               <a:rPr lang="en"/>
-              <a:t>CI/CD Research</a:t>
+              <a:t>Phaser set up</a:t>
             </a:r>
             <a:endParaRPr/>
           </a:p>
           <a:p>
-            <a:pPr indent="0" lvl="0" marL="0" rtl="0" algn="l">
-              <a:spcBef>
-                <a:spcPts val="1200"/>
-              </a:spcBef>
-              <a:spcAft>
-                <a:spcPts val="0"/>
-              </a:spcAft>
-              <a:buNone/>
+            <a:pPr indent="-342900" lvl="0" marL="457200" rtl="0" algn="l">
+              <a:spcBef>
+                <a:spcPts val="0"/>
+              </a:spcBef>
+              <a:spcAft>
+                <a:spcPts val="0"/>
+              </a:spcAft>
+              <a:buSzPts val="1800"/>
+              <a:buChar char="-"/>
             </a:pPr>
             <a:r>
-              <a:t/>
+              <a:rPr lang="en"/>
+              <a:t>CI/CD build pipeline fix</a:t>
             </a:r>
             <a:endParaRPr/>
           </a:p>
@@ -8607,7 +7369,7 @@
   <p:cSld>
     <p:spTree>
       <p:nvGrpSpPr>
-        <p:cNvPr id="90" name="Shape 90"/>
+        <p:cNvPr id="63" name="Shape 63"/>
         <p:cNvGrpSpPr/>
         <p:nvPr/>
       </p:nvGrpSpPr>
@@ -8621,7 +7383,7 @@
       </p:grpSpPr>
       <p:sp>
         <p:nvSpPr>
-          <p:cNvPr id="91" name="Google Shape;91;p14"/>
+          <p:cNvPr id="64" name="Google Shape;64;p14"/>
           <p:cNvSpPr txBox="1"/>
           <p:nvPr>
             <p:ph type="title"/>
@@ -8629,8 +7391,8 @@
         </p:nvSpPr>
         <p:spPr>
           <a:xfrm>
-            <a:off x="311700" y="351950"/>
-            <a:ext cx="8520600" cy="607800"/>
+            <a:off x="311700" y="445025"/>
+            <a:ext cx="8520600" cy="623400"/>
           </a:xfrm>
           <a:prstGeom prst="rect">
             <a:avLst/>
@@ -8653,7 +7415,7 @@
             </a:pPr>
             <a:r>
               <a:rPr lang="en"/>
-              <a:t>Milestone 1 Chart</a:t>
+              <a:t>Milestone 2 Chart</a:t>
             </a:r>
             <a:endParaRPr/>
           </a:p>
@@ -8661,7 +7423,7 @@
       </p:sp>
       <p:pic>
         <p:nvPicPr>
-          <p:cNvPr id="92" name="Google Shape;92;p14"/>
+          <p:cNvPr id="65" name="Google Shape;65;p14"/>
           <p:cNvPicPr preferRelativeResize="0"/>
           <p:nvPr/>
         </p:nvPicPr>
@@ -8675,8 +7437,8 @@
         </p:blipFill>
         <p:spPr>
           <a:xfrm>
-            <a:off x="418450" y="959750"/>
-            <a:ext cx="5268687" cy="3878950"/>
+            <a:off x="311700" y="989300"/>
+            <a:ext cx="7398425" cy="4014324"/>
           </a:xfrm>
           <a:prstGeom prst="rect">
             <a:avLst/>
@@ -8700,7 +7462,7 @@
   <p:cSld>
     <p:spTree>
       <p:nvGrpSpPr>
-        <p:cNvPr id="96" name="Shape 96"/>
+        <p:cNvPr id="69" name="Shape 69"/>
         <p:cNvGrpSpPr/>
         <p:nvPr/>
       </p:nvGrpSpPr>
@@ -8714,7 +7476,7 @@
       </p:grpSpPr>
       <p:sp>
         <p:nvSpPr>
-          <p:cNvPr id="97" name="Google Shape;97;p15"/>
+          <p:cNvPr id="70" name="Google Shape;70;p15"/>
           <p:cNvSpPr txBox="1"/>
           <p:nvPr>
             <p:ph type="title"/>
@@ -8722,8 +7484,48 @@
         </p:nvSpPr>
         <p:spPr>
           <a:xfrm>
-            <a:off x="311700" y="410000"/>
-            <a:ext cx="3177900" cy="607800"/>
+            <a:off x="311700" y="445025"/>
+            <a:ext cx="8520600" cy="623400"/>
+          </a:xfrm>
+          <a:prstGeom prst="rect">
+            <a:avLst/>
+          </a:prstGeom>
+        </p:spPr>
+        <p:txBody>
+          <a:bodyPr anchorCtr="0" anchor="t" bIns="91425" lIns="91425" spcFirstLastPara="1" rIns="91425" wrap="square" tIns="91425">
+            <a:normAutofit fontScale="90000"/>
+          </a:bodyPr>
+          <a:lstStyle/>
+          <a:p>
+            <a:pPr indent="0" lvl="0" marL="0" rtl="0" algn="l">
+              <a:spcBef>
+                <a:spcPts val="0"/>
+              </a:spcBef>
+              <a:spcAft>
+                <a:spcPts val="0"/>
+              </a:spcAft>
+              <a:buNone/>
+            </a:pPr>
+            <a:r>
+              <a:rPr lang="en"/>
+              <a:t>Things To Improve:</a:t>
+            </a:r>
+            <a:endParaRPr/>
+          </a:p>
+        </p:txBody>
+      </p:sp>
+      <p:sp>
+        <p:nvSpPr>
+          <p:cNvPr id="71" name="Google Shape;71;p15"/>
+          <p:cNvSpPr txBox="1"/>
+          <p:nvPr>
+            <p:ph idx="1" type="body"/>
+          </p:nvPr>
+        </p:nvSpPr>
+        <p:spPr>
+          <a:xfrm>
+            <a:off x="311700" y="1152475"/>
+            <a:ext cx="3999900" cy="3416400"/>
           </a:xfrm>
           <a:prstGeom prst="rect">
             <a:avLst/>
@@ -8735,36 +7537,53 @@
           </a:bodyPr>
           <a:lstStyle/>
           <a:p>
-            <a:pPr indent="0" lvl="0" marL="0" rtl="0" algn="l">
-              <a:spcBef>
-                <a:spcPts val="0"/>
-              </a:spcBef>
-              <a:spcAft>
-                <a:spcPts val="0"/>
-              </a:spcAft>
-              <a:buSzPts val="990"/>
-              <a:buNone/>
+            <a:pPr indent="-317500" lvl="0" marL="457200" rtl="0" algn="l">
+              <a:spcBef>
+                <a:spcPts val="0"/>
+              </a:spcBef>
+              <a:spcAft>
+                <a:spcPts val="0"/>
+              </a:spcAft>
+              <a:buSzPts val="1400"/>
+              <a:buChar char="-"/>
             </a:pPr>
             <a:r>
-              <a:rPr lang="en" sz="2400"/>
-              <a:t>Things to Improve:</a:t>
+              <a:rPr lang="en"/>
+              <a:t>Team organization, especially meeting times</a:t>
             </a:r>
-            <a:endParaRPr sz="2400"/>
+            <a:endParaRPr/>
+          </a:p>
+          <a:p>
+            <a:pPr indent="-317500" lvl="0" marL="457200" rtl="0" algn="l">
+              <a:spcBef>
+                <a:spcPts val="0"/>
+              </a:spcBef>
+              <a:spcAft>
+                <a:spcPts val="0"/>
+              </a:spcAft>
+              <a:buSzPts val="1400"/>
+              <a:buChar char="-"/>
+            </a:pPr>
+            <a:r>
+              <a:rPr lang="en"/>
+              <a:t>Creating and assigning tasks earlier for burndown chart</a:t>
+            </a:r>
+            <a:endParaRPr/>
           </a:p>
         </p:txBody>
       </p:sp>
       <p:sp>
         <p:nvSpPr>
-          <p:cNvPr id="98" name="Google Shape;98;p15"/>
+          <p:cNvPr id="72" name="Google Shape;72;p15"/>
           <p:cNvSpPr txBox="1"/>
           <p:nvPr>
-            <p:ph idx="1" type="body"/>
+            <p:ph idx="2" type="body"/>
           </p:nvPr>
         </p:nvSpPr>
         <p:spPr>
           <a:xfrm>
-            <a:off x="311700" y="943100"/>
-            <a:ext cx="2894700" cy="3625800"/>
+            <a:off x="4832400" y="1152475"/>
+            <a:ext cx="3999900" cy="3416400"/>
           </a:xfrm>
           <a:prstGeom prst="rect">
             <a:avLst/>
@@ -8776,36 +7595,88 @@
           </a:bodyPr>
           <a:lstStyle/>
           <a:p>
-            <a:pPr indent="-342900" lvl="0" marL="457200" rtl="0" algn="l">
-              <a:spcBef>
-                <a:spcPts val="0"/>
-              </a:spcBef>
-              <a:spcAft>
-                <a:spcPts val="0"/>
-              </a:spcAft>
-              <a:buSzPts val="1800"/>
+            <a:pPr indent="-317500" lvl="0" marL="457200" rtl="0" algn="l">
+              <a:spcBef>
+                <a:spcPts val="0"/>
+              </a:spcBef>
+              <a:spcAft>
+                <a:spcPts val="0"/>
+              </a:spcAft>
+              <a:buSzPts val="1400"/>
               <a:buChar char="-"/>
             </a:pPr>
             <a:r>
               <a:rPr lang="en"/>
-              <a:t>Didn’t have our first meeting till Thursday</a:t>
+              <a:t>Completion of transition from a full PHP application to Nextjs</a:t>
             </a:r>
             <a:endParaRPr/>
           </a:p>
           <a:p>
-            <a:pPr indent="-342900" lvl="0" marL="457200" rtl="0" algn="l">
-              <a:spcBef>
-                <a:spcPts val="0"/>
-              </a:spcBef>
-              <a:spcAft>
-                <a:spcPts val="0"/>
-              </a:spcAft>
-              <a:buSzPts val="1800"/>
+            <a:pPr indent="-317500" lvl="0" marL="457200" rtl="0" algn="l">
+              <a:spcBef>
+                <a:spcPts val="0"/>
+              </a:spcBef>
+              <a:spcAft>
+                <a:spcPts val="0"/>
+              </a:spcAft>
+              <a:buSzPts val="1400"/>
               <a:buChar char="-"/>
             </a:pPr>
             <a:r>
               <a:rPr lang="en"/>
-              <a:t>Completing entirety of CI/CD for unit testing code</a:t>
+              <a:t>Documenting each aspect of development in project wiki pages: </a:t>
+            </a:r>
+            <a:r>
+              <a:rPr lang="en" u="sng">
+                <a:solidFill>
+                  <a:schemeClr val="hlink"/>
+                </a:solidFill>
+                <a:hlinkClick r:id="rId3"/>
+              </a:rPr>
+              <a:t>Phaser</a:t>
+            </a:r>
+            <a:r>
+              <a:rPr lang="en"/>
+              <a:t>, </a:t>
+            </a:r>
+            <a:r>
+              <a:rPr lang="en" u="sng">
+                <a:solidFill>
+                  <a:schemeClr val="hlink"/>
+                </a:solidFill>
+                <a:hlinkClick r:id="rId4"/>
+              </a:rPr>
+              <a:t>Socket.io</a:t>
+            </a:r>
+            <a:r>
+              <a:rPr lang="en"/>
+              <a:t>, </a:t>
+            </a:r>
+            <a:r>
+              <a:rPr lang="en" u="sng">
+                <a:solidFill>
+                  <a:schemeClr val="hlink"/>
+                </a:solidFill>
+                <a:hlinkClick r:id="rId5"/>
+              </a:rPr>
+              <a:t>CICD</a:t>
+            </a:r>
+            <a:endParaRPr/>
+          </a:p>
+          <a:p>
+            <a:pPr indent="-317500" lvl="0" marL="457200" rtl="0" algn="l">
+              <a:spcBef>
+                <a:spcPts val="0"/>
+              </a:spcBef>
+              <a:spcAft>
+                <a:spcPts val="0"/>
+              </a:spcAft>
+              <a:buSzPts val="1400"/>
+              <a:buChar char="-"/>
+            </a:pPr>
+            <a:r>
+              <a:rPr lang="en"/>
+              <a:t>Tasks delegated and completed well</a:t>
             </a:r>
             <a:endParaRPr/>
           </a:p>
@@ -8813,7 +7684,7 @@
       </p:sp>
       <p:sp>
         <p:nvSpPr>
-          <p:cNvPr id="99" name="Google Shape;99;p15"/>
+          <p:cNvPr id="73" name="Google Shape;73;p15"/>
           <p:cNvSpPr txBox="1"/>
           <p:nvPr>
             <p:ph type="title"/>
@@ -8821,8 +7692,8 @@
         </p:nvSpPr>
         <p:spPr>
           <a:xfrm>
-            <a:off x="3814650" y="410000"/>
-            <a:ext cx="4005900" cy="607800"/>
+            <a:off x="4588950" y="445025"/>
+            <a:ext cx="4486800" cy="623400"/>
           </a:xfrm>
           <a:prstGeom prst="rect">
             <a:avLst/>
@@ -8830,7 +7701,7 @@
         </p:spPr>
         <p:txBody>
           <a:bodyPr anchorCtr="0" anchor="t" bIns="91425" lIns="91425" spcFirstLastPara="1" rIns="91425" wrap="square" tIns="91425">
-            <a:normAutofit/>
+            <a:normAutofit fontScale="90000"/>
           </a:bodyPr>
           <a:lstStyle/>
           <a:p>
@@ -8841,112 +7712,11 @@
               <a:spcAft>
                 <a:spcPts val="0"/>
               </a:spcAft>
-              <a:buSzPts val="990"/>
-              <a:buNone/>
-            </a:pPr>
-            <a:r>
-              <a:rPr lang="en" sz="2400"/>
-              <a:t>Things Done Well:</a:t>
-            </a:r>
-            <a:endParaRPr sz="2400"/>
-          </a:p>
-        </p:txBody>
-      </p:sp>
-      <p:sp>
-        <p:nvSpPr>
-          <p:cNvPr id="100" name="Google Shape;100;p15"/>
-          <p:cNvSpPr txBox="1"/>
-          <p:nvPr>
-            <p:ph idx="1" type="body"/>
-          </p:nvPr>
-        </p:nvSpPr>
-        <p:spPr>
-          <a:xfrm>
-            <a:off x="3543600" y="943100"/>
-            <a:ext cx="5183700" cy="3625800"/>
-          </a:xfrm>
-          <a:prstGeom prst="rect">
-            <a:avLst/>
-          </a:prstGeom>
-        </p:spPr>
-        <p:txBody>
-          <a:bodyPr anchorCtr="0" anchor="t" bIns="91425" lIns="91425" spcFirstLastPara="1" rIns="91425" wrap="square" tIns="91425">
-            <a:normAutofit/>
-          </a:bodyPr>
-          <a:lstStyle/>
-          <a:p>
-            <a:pPr indent="-342900" lvl="0" marL="457200" rtl="0" algn="l">
-              <a:spcBef>
-                <a:spcPts val="0"/>
-              </a:spcBef>
-              <a:spcAft>
-                <a:spcPts val="0"/>
-              </a:spcAft>
-              <a:buSzPts val="1800"/>
-              <a:buChar char="-"/>
+              <a:buNone/>
             </a:pPr>
             <a:r>
               <a:rPr lang="en"/>
-              <a:t>Delegated tasks and completed them in a timely manner</a:t>
-            </a:r>
-            <a:endParaRPr/>
-          </a:p>
-          <a:p>
-            <a:pPr indent="-342900" lvl="0" marL="457200" rtl="0" algn="l">
-              <a:spcBef>
-                <a:spcPts val="0"/>
-              </a:spcBef>
-              <a:spcAft>
-                <a:spcPts val="0"/>
-              </a:spcAft>
-              <a:buSzPts val="1800"/>
-              <a:buChar char="-"/>
-            </a:pPr>
-            <a:r>
-              <a:rPr lang="en"/>
-              <a:t>Communicated with team members and arranged meetings for preparations for retrospective</a:t>
-            </a:r>
-            <a:endParaRPr/>
-          </a:p>
-          <a:p>
-            <a:pPr indent="-342900" lvl="0" marL="457200" rtl="0" algn="l">
-              <a:spcBef>
-                <a:spcPts val="0"/>
-              </a:spcBef>
-              <a:spcAft>
-                <a:spcPts val="0"/>
-              </a:spcAft>
-              <a:buSzPts val="1800"/>
-              <a:buChar char="-"/>
-            </a:pPr>
-            <a:r>
-              <a:rPr lang="en"/>
-              <a:t>Supported other team </a:t>
-            </a:r>
-            <a:r>
-              <a:rPr lang="en"/>
-              <a:t>members</a:t>
-            </a:r>
-            <a:r>
-              <a:rPr lang="en"/>
-              <a:t> to solve issues i.e., GitLab permissions errors which restricted pushing commits</a:t>
-            </a:r>
-            <a:endParaRPr/>
-          </a:p>
-          <a:p>
-            <a:pPr indent="-342900" lvl="0" marL="457200" rtl="0" algn="l">
-              <a:spcBef>
-                <a:spcPts val="0"/>
-              </a:spcBef>
-              <a:spcAft>
-                <a:spcPts val="0"/>
-              </a:spcAft>
-              <a:buSzPts val="1800"/>
-              <a:buChar char="-"/>
-            </a:pPr>
-            <a:r>
-              <a:rPr lang="en"/>
-              <a:t>Documented findings in Readme and CI/CD wiki</a:t>
+              <a:t>Things Done Well:</a:t>
             </a:r>
             <a:endParaRPr/>
           </a:p>
@@ -8965,7 +7735,7 @@
   <p:cSld>
     <p:spTree>
       <p:nvGrpSpPr>
-        <p:cNvPr id="104" name="Shape 104"/>
+        <p:cNvPr id="77" name="Shape 77"/>
         <p:cNvGrpSpPr/>
         <p:nvPr/>
       </p:nvGrpSpPr>
@@ -8979,7 +7749,7 @@
       </p:grpSpPr>
       <p:sp>
         <p:nvSpPr>
-          <p:cNvPr id="105" name="Google Shape;105;p16"/>
+          <p:cNvPr id="78" name="Google Shape;78;p16"/>
           <p:cNvSpPr txBox="1"/>
           <p:nvPr>
             <p:ph type="title"/>
@@ -8987,8 +7757,8 @@
         </p:nvSpPr>
         <p:spPr>
           <a:xfrm>
-            <a:off x="311700" y="410000"/>
-            <a:ext cx="8520600" cy="607800"/>
+            <a:off x="311700" y="445025"/>
+            <a:ext cx="8520600" cy="623400"/>
           </a:xfrm>
           <a:prstGeom prst="rect">
             <a:avLst/>
@@ -9011,7 +7781,7 @@
             </a:pPr>
             <a:r>
               <a:rPr lang="en"/>
-              <a:t>Eric</a:t>
+              <a:t>Karina</a:t>
             </a:r>
             <a:endParaRPr/>
           </a:p>
@@ -9019,7 +7789,7 @@
       </p:sp>
       <p:sp>
         <p:nvSpPr>
-          <p:cNvPr id="106" name="Google Shape;106;p16"/>
+          <p:cNvPr id="79" name="Google Shape;79;p16"/>
           <p:cNvSpPr txBox="1"/>
           <p:nvPr>
             <p:ph idx="1" type="body"/>
@@ -9027,8 +7797,8 @@
         </p:nvSpPr>
         <p:spPr>
           <a:xfrm>
-            <a:off x="311700" y="1229875"/>
-            <a:ext cx="8520600" cy="3339000"/>
+            <a:off x="311700" y="1152475"/>
+            <a:ext cx="8520600" cy="3416400"/>
           </a:xfrm>
           <a:prstGeom prst="rect">
             <a:avLst/>
@@ -9052,29 +7822,14 @@
             </a:pPr>
             <a:r>
               <a:rPr lang="en"/>
-              <a:t>Worked with Egor and Kal on landing page</a:t>
-            </a:r>
-            <a:endParaRPr/>
-          </a:p>
-          <a:p>
-            <a:pPr indent="0" lvl="0" marL="0" rtl="0" algn="l">
-              <a:spcBef>
-                <a:spcPts val="1200"/>
-              </a:spcBef>
-              <a:spcAft>
-                <a:spcPts val="0"/>
-              </a:spcAft>
-              <a:buNone/>
-            </a:pPr>
-            <a:r>
-              <a:t/>
+              <a:t>Phaser research</a:t>
             </a:r>
             <a:endParaRPr/>
           </a:p>
           <a:p>
             <a:pPr indent="-342900" lvl="0" marL="457200" rtl="0" algn="l">
               <a:spcBef>
-                <a:spcPts val="1200"/>
+                <a:spcPts val="0"/>
               </a:spcBef>
               <a:spcAft>
                 <a:spcPts val="0"/>
@@ -9084,7 +7839,54 @@
             </a:pPr>
             <a:r>
               <a:rPr lang="en"/>
-              <a:t>CI/CD Research and About me</a:t>
+              <a:t>CI/CD implementation</a:t>
+            </a:r>
+            <a:endParaRPr/>
+          </a:p>
+          <a:p>
+            <a:pPr indent="-342900" lvl="0" marL="457200" rtl="0" algn="l">
+              <a:spcBef>
+                <a:spcPts val="0"/>
+              </a:spcBef>
+              <a:spcAft>
+                <a:spcPts val="0"/>
+              </a:spcAft>
+              <a:buSzPts val="1800"/>
+              <a:buChar char="-"/>
+            </a:pPr>
+            <a:r>
+              <a:rPr lang="en"/>
+              <a:t>Documentation (CI/CD </a:t>
+            </a:r>
+            <a:r>
+              <a:rPr lang="en" u="sng">
+                <a:solidFill>
+                  <a:schemeClr val="hlink"/>
+                </a:solidFill>
+                <a:hlinkClick r:id="rId3"/>
+              </a:rPr>
+              <a:t>wiki</a:t>
+            </a:r>
+            <a:r>
+              <a:rPr lang="en"/>
+              <a:t>)</a:t>
+            </a:r>
+            <a:endParaRPr/>
+          </a:p>
+          <a:p>
+            <a:pPr indent="-342900" lvl="0" marL="457200" rtl="0" algn="l">
+              <a:spcBef>
+                <a:spcPts val="0"/>
+              </a:spcBef>
+              <a:spcAft>
+                <a:spcPts val="0"/>
+              </a:spcAft>
+              <a:buSzPts val="1800"/>
+              <a:buChar char="-"/>
+            </a:pPr>
+            <a:r>
+              <a:rPr lang="en"/>
+              <a:t>Designing the game/logic</a:t>
             </a:r>
             <a:endParaRPr/>
           </a:p>
@@ -9109,28 +7911,13 @@
                 <a:spcPts val="1200"/>
               </a:spcBef>
               <a:spcAft>
-                <a:spcPts val="0"/>
-              </a:spcAft>
-              <a:buNone/>
-            </a:pPr>
-            <a:r>
-              <a:t/>
-            </a:r>
-            <a:endParaRPr/>
-          </a:p>
-          <a:p>
-            <a:pPr indent="0" lvl="0" marL="0" rtl="0" algn="l">
-              <a:spcBef>
-                <a:spcPts val="1200"/>
-              </a:spcBef>
-              <a:spcAft>
                 <a:spcPts val="1200"/>
               </a:spcAft>
               <a:buNone/>
             </a:pPr>
             <a:r>
               <a:rPr lang="en"/>
-              <a:t>Total Weights: 12</a:t>
+              <a:t>Total: 16 weights</a:t>
             </a:r>
             <a:endParaRPr/>
           </a:p>
@@ -9149,7 +7936,7 @@
   <p:cSld>
     <p:spTree>
       <p:nvGrpSpPr>
-        <p:cNvPr id="110" name="Shape 110"/>
+        <p:cNvPr id="83" name="Shape 83"/>
         <p:cNvGrpSpPr/>
         <p:nvPr/>
       </p:nvGrpSpPr>
@@ -9163,7 +7950,7 @@
       </p:grpSpPr>
       <p:sp>
         <p:nvSpPr>
-          <p:cNvPr id="111" name="Google Shape;111;p17"/>
+          <p:cNvPr id="84" name="Google Shape;84;p17"/>
           <p:cNvSpPr txBox="1"/>
           <p:nvPr>
             <p:ph type="title"/>
@@ -9171,8 +7958,8 @@
         </p:nvSpPr>
         <p:spPr>
           <a:xfrm>
-            <a:off x="311700" y="410000"/>
-            <a:ext cx="8520600" cy="607800"/>
+            <a:off x="311700" y="445025"/>
+            <a:ext cx="8520600" cy="623400"/>
           </a:xfrm>
           <a:prstGeom prst="rect">
             <a:avLst/>
@@ -9195,7 +7982,7 @@
             </a:pPr>
             <a:r>
               <a:rPr lang="en"/>
-              <a:t>Cavaari Taylor</a:t>
+              <a:t>Muhammad</a:t>
             </a:r>
             <a:endParaRPr/>
           </a:p>
@@ -9203,7 +7990,7 @@
       </p:sp>
       <p:sp>
         <p:nvSpPr>
-          <p:cNvPr id="112" name="Google Shape;112;p17"/>
+          <p:cNvPr id="85" name="Google Shape;85;p17"/>
           <p:cNvSpPr txBox="1"/>
           <p:nvPr>
             <p:ph idx="1" type="body"/>
@@ -9211,8 +7998,8 @@
         </p:nvSpPr>
         <p:spPr>
           <a:xfrm>
-            <a:off x="311700" y="1229875"/>
-            <a:ext cx="3258000" cy="3339000"/>
+            <a:off x="311700" y="1152475"/>
+            <a:ext cx="8520600" cy="3416400"/>
           </a:xfrm>
           <a:prstGeom prst="rect">
             <a:avLst/>
@@ -9224,35 +8011,36 @@
           </a:bodyPr>
           <a:lstStyle/>
           <a:p>
-            <a:pPr indent="0" lvl="0" marL="0" rtl="0" algn="l">
-              <a:spcBef>
-                <a:spcPts val="0"/>
-              </a:spcBef>
-              <a:spcAft>
-                <a:spcPts val="0"/>
-              </a:spcAft>
-              <a:buNone/>
+            <a:pPr indent="-342900" lvl="0" marL="457200" rtl="0" algn="l">
+              <a:spcBef>
+                <a:spcPts val="0"/>
+              </a:spcBef>
+              <a:spcAft>
+                <a:spcPts val="0"/>
+              </a:spcAft>
+              <a:buSzPts val="1800"/>
+              <a:buChar char="-"/>
             </a:pPr>
             <a:r>
               <a:rPr lang="en"/>
-              <a:t>What I did this week:</a:t>
+              <a:t>Phaser research/wiki </a:t>
             </a:r>
             <a:endParaRPr/>
           </a:p>
           <a:p>
             <a:pPr indent="-342900" lvl="0" marL="457200" rtl="0" algn="l">
               <a:spcBef>
-                <a:spcPts val="1200"/>
+                <a:spcPts val="0"/>
               </a:spcBef>
               <a:spcAft>
                 <a:spcPts val="0"/>
               </a:spcAft>
               <a:buSzPts val="1800"/>
-              <a:buChar char="●"/>
+              <a:buChar char="-"/>
             </a:pPr>
             <a:r>
               <a:rPr lang="en"/>
-              <a:t>CI/CD Research (2)</a:t>
+              <a:t>CI/CD (a lot of problems to resolve)</a:t>
             </a:r>
             <a:endParaRPr/>
           </a:p>
@@ -9265,142 +8053,74 @@
                 <a:spcPts val="0"/>
               </a:spcAft>
               <a:buSzPts val="1800"/>
-              <a:buChar char="●"/>
+              <a:buChar char="-"/>
             </a:pPr>
             <a:r>
               <a:rPr lang="en"/>
-              <a:t>Design Landing Page (3)</a:t>
+              <a:t>Game Design and logic </a:t>
             </a:r>
             <a:endParaRPr/>
           </a:p>
           <a:p>
-            <a:pPr indent="-342900" lvl="0" marL="457200" rtl="0" algn="l">
-              <a:spcBef>
-                <a:spcPts val="0"/>
-              </a:spcBef>
-              <a:spcAft>
-                <a:spcPts val="0"/>
-              </a:spcAft>
-              <a:buSzPts val="1800"/>
-              <a:buChar char="●"/>
+            <a:pPr indent="0" lvl="0" marL="0" rtl="0" algn="l">
+              <a:spcBef>
+                <a:spcPts val="1200"/>
+              </a:spcBef>
+              <a:spcAft>
+                <a:spcPts val="0"/>
+              </a:spcAft>
+              <a:buNone/>
             </a:pPr>
             <a:r>
-              <a:rPr lang="en"/>
-              <a:t>Code About me Page (4)</a:t>
+              <a:t/>
             </a:r>
             <a:endParaRPr/>
           </a:p>
           <a:p>
-            <a:pPr indent="-342900" lvl="0" marL="457200" rtl="0" algn="l">
-              <a:spcBef>
-                <a:spcPts val="0"/>
-              </a:spcBef>
-              <a:spcAft>
-                <a:spcPts val="0"/>
-              </a:spcAft>
-              <a:buSzPts val="1800"/>
-              <a:buChar char="●"/>
+            <a:pPr indent="0" lvl="0" marL="0" rtl="0" algn="l">
+              <a:spcBef>
+                <a:spcPts val="1200"/>
+              </a:spcBef>
+              <a:spcAft>
+                <a:spcPts val="0"/>
+              </a:spcAft>
+              <a:buNone/>
+            </a:pPr>
+            <a:r>
+              <a:t/>
+            </a:r>
+            <a:endParaRPr/>
+          </a:p>
+          <a:p>
+            <a:pPr indent="0" lvl="0" marL="0" rtl="0" algn="l">
+              <a:spcBef>
+                <a:spcPts val="1200"/>
+              </a:spcBef>
+              <a:spcAft>
+                <a:spcPts val="0"/>
+              </a:spcAft>
+              <a:buNone/>
+            </a:pPr>
+            <a:r>
+              <a:t/>
+            </a:r>
+            <a:endParaRPr/>
+          </a:p>
+          <a:p>
+            <a:pPr indent="0" lvl="0" marL="0" rtl="0" algn="l">
+              <a:spcBef>
+                <a:spcPts val="1200"/>
+              </a:spcBef>
+              <a:spcAft>
+                <a:spcPts val="1200"/>
+              </a:spcAft>
+              <a:buNone/>
             </a:pPr>
             <a:r>
               <a:rPr lang="en"/>
-              <a:t>Update Readme (3)</a:t>
+              <a:t>Total weight: 15 weights</a:t>
             </a:r>
             <a:endParaRPr/>
-          </a:p>
-        </p:txBody>
-      </p:sp>
-      <p:sp>
-        <p:nvSpPr>
-          <p:cNvPr id="113" name="Google Shape;113;p17"/>
-          <p:cNvSpPr txBox="1"/>
-          <p:nvPr/>
-        </p:nvSpPr>
-        <p:spPr>
-          <a:xfrm>
-            <a:off x="4993275" y="1229875"/>
-            <a:ext cx="3720000" cy="3133200"/>
-          </a:xfrm>
-          <a:prstGeom prst="rect">
-            <a:avLst/>
-          </a:prstGeom>
-          <a:noFill/>
-          <a:ln>
-            <a:noFill/>
-          </a:ln>
-        </p:spPr>
-        <p:txBody>
-          <a:bodyPr anchorCtr="0" anchor="t" bIns="91425" lIns="91425" spcFirstLastPara="1" rIns="91425" wrap="square" tIns="91425">
-            <a:noAutofit/>
-          </a:bodyPr>
-          <a:lstStyle/>
-          <a:p>
-            <a:pPr indent="0" lvl="0" marL="0" rtl="0" algn="l">
-              <a:spcBef>
-                <a:spcPts val="0"/>
-              </a:spcBef>
-              <a:spcAft>
-                <a:spcPts val="0"/>
-              </a:spcAft>
-              <a:buNone/>
-            </a:pPr>
-            <a:r>
-              <a:rPr lang="en" sz="1800">
-                <a:solidFill>
-                  <a:schemeClr val="dk2"/>
-                </a:solidFill>
-                <a:latin typeface="Roboto"/>
-                <a:ea typeface="Roboto"/>
-                <a:cs typeface="Roboto"/>
-                <a:sym typeface="Roboto"/>
-              </a:rPr>
-              <a:t>Challenges Faced:</a:t>
-            </a:r>
-            <a:endParaRPr sz="1800">
-              <a:solidFill>
-                <a:schemeClr val="dk2"/>
-              </a:solidFill>
-              <a:latin typeface="Roboto"/>
-              <a:ea typeface="Roboto"/>
-              <a:cs typeface="Roboto"/>
-              <a:sym typeface="Roboto"/>
-            </a:endParaRPr>
-          </a:p>
-          <a:p>
-            <a:pPr indent="-342900" lvl="0" marL="457200" rtl="0" algn="l">
-              <a:spcBef>
-                <a:spcPts val="0"/>
-              </a:spcBef>
-              <a:spcAft>
-                <a:spcPts val="0"/>
-              </a:spcAft>
-              <a:buClr>
-                <a:schemeClr val="dk2"/>
-              </a:buClr>
-              <a:buSzPts val="1800"/>
-              <a:buFont typeface="Roboto"/>
-              <a:buChar char="●"/>
-            </a:pPr>
-            <a:r>
-              <a:rPr lang="en" sz="1800">
-                <a:solidFill>
-                  <a:schemeClr val="dk2"/>
-                </a:solidFill>
-                <a:latin typeface="Roboto"/>
-                <a:ea typeface="Roboto"/>
-                <a:cs typeface="Roboto"/>
-                <a:sym typeface="Roboto"/>
-              </a:rPr>
-              <a:t>Time</a:t>
-            </a:r>
-            <a:endParaRPr sz="1800">
-              <a:solidFill>
-                <a:schemeClr val="dk2"/>
-              </a:solidFill>
-              <a:latin typeface="Roboto"/>
-              <a:ea typeface="Roboto"/>
-              <a:cs typeface="Roboto"/>
-              <a:sym typeface="Roboto"/>
-            </a:endParaRPr>
           </a:p>
         </p:txBody>
       </p:sp>
@@ -9417,7 +8137,7 @@
   <p:cSld>
     <p:spTree>
       <p:nvGrpSpPr>
-        <p:cNvPr id="117" name="Shape 117"/>
+        <p:cNvPr id="89" name="Shape 89"/>
         <p:cNvGrpSpPr/>
         <p:nvPr/>
       </p:nvGrpSpPr>
@@ -9431,7 +8151,7 @@
       </p:grpSpPr>
       <p:sp>
         <p:nvSpPr>
-          <p:cNvPr id="118" name="Google Shape;118;p18"/>
+          <p:cNvPr id="90" name="Google Shape;90;p18"/>
           <p:cNvSpPr txBox="1"/>
           <p:nvPr>
             <p:ph type="title"/>
@@ -9439,8 +8159,8 @@
         </p:nvSpPr>
         <p:spPr>
           <a:xfrm>
-            <a:off x="311700" y="410000"/>
-            <a:ext cx="8520600" cy="607800"/>
+            <a:off x="311700" y="445025"/>
+            <a:ext cx="8520600" cy="623400"/>
           </a:xfrm>
           <a:prstGeom prst="rect">
             <a:avLst/>
@@ -9463,7 +8183,7 @@
             </a:pPr>
             <a:r>
               <a:rPr lang="en"/>
-              <a:t>Muhammad</a:t>
+              <a:t>Eric</a:t>
             </a:r>
             <a:endParaRPr/>
           </a:p>
@@ -9471,7 +8191,7 @@
       </p:sp>
       <p:sp>
         <p:nvSpPr>
-          <p:cNvPr id="119" name="Google Shape;119;p18"/>
+          <p:cNvPr id="91" name="Google Shape;91;p18"/>
           <p:cNvSpPr txBox="1"/>
           <p:nvPr>
             <p:ph idx="1" type="body"/>
@@ -9479,8 +8199,8 @@
         </p:nvSpPr>
         <p:spPr>
           <a:xfrm>
-            <a:off x="311700" y="1229875"/>
-            <a:ext cx="8520600" cy="3339000"/>
+            <a:off x="311700" y="1152475"/>
+            <a:ext cx="8520600" cy="3416400"/>
           </a:xfrm>
           <a:prstGeom prst="rect">
             <a:avLst/>
@@ -9492,224 +8212,112 @@
           </a:bodyPr>
           <a:lstStyle/>
           <a:p>
-            <a:pPr indent="0" lvl="0" marL="0" rtl="0" algn="l">
-              <a:spcBef>
-                <a:spcPts val="0"/>
-              </a:spcBef>
-              <a:spcAft>
-                <a:spcPts val="0"/>
-              </a:spcAft>
-              <a:buNone/>
+            <a:pPr indent="-342900" lvl="0" marL="457200" rtl="0" algn="l">
+              <a:spcBef>
+                <a:spcPts val="0"/>
+              </a:spcBef>
+              <a:spcAft>
+                <a:spcPts val="0"/>
+              </a:spcAft>
+              <a:buSzPts val="1800"/>
+              <a:buChar char="-"/>
             </a:pPr>
             <a:r>
-              <a:rPr lang="en" sz="1100">
-                <a:solidFill>
-                  <a:srgbClr val="000000"/>
-                </a:solidFill>
-                <a:latin typeface="Arial"/>
-                <a:ea typeface="Arial"/>
-                <a:cs typeface="Arial"/>
-                <a:sym typeface="Arial"/>
-              </a:rPr>
-              <a:t> Total Weights : 12</a:t>
+              <a:rPr lang="en"/>
+              <a:t>Ci/CD with Karina</a:t>
             </a:r>
-            <a:endParaRPr sz="1100">
-              <a:solidFill>
-                <a:srgbClr val="000000"/>
-              </a:solidFill>
-              <a:latin typeface="Arial"/>
-              <a:ea typeface="Arial"/>
-              <a:cs typeface="Arial"/>
-              <a:sym typeface="Arial"/>
-            </a:endParaRPr>
+            <a:endParaRPr/>
           </a:p>
           <a:p>
-            <a:pPr indent="-298450" lvl="0" marL="457200" rtl="0" algn="l">
-              <a:spcBef>
-                <a:spcPts val="0"/>
-              </a:spcBef>
-              <a:spcAft>
-                <a:spcPts val="0"/>
-              </a:spcAft>
-              <a:buClr>
-                <a:srgbClr val="000000"/>
-              </a:buClr>
-              <a:buSzPts val="1100"/>
-              <a:buFont typeface="Arial"/>
-              <a:buChar char="●"/>
+            <a:pPr indent="0" lvl="0" marL="0" rtl="0" algn="l">
+              <a:spcBef>
+                <a:spcPts val="1200"/>
+              </a:spcBef>
+              <a:spcAft>
+                <a:spcPts val="0"/>
+              </a:spcAft>
+              <a:buNone/>
             </a:pPr>
             <a:r>
-              <a:rPr lang="en" sz="1100">
-                <a:solidFill>
-                  <a:srgbClr val="000000"/>
-                </a:solidFill>
-                <a:latin typeface="Arial"/>
-                <a:ea typeface="Arial"/>
-                <a:cs typeface="Arial"/>
-                <a:sym typeface="Arial"/>
-              </a:rPr>
-              <a:t>CI/CD research ( </a:t>
+              <a:t/>
             </a:r>
-            <a:r>
-              <a:rPr lang="en" sz="1100" u="sng">
-                <a:solidFill>
-                  <a:schemeClr val="hlink"/>
-                </a:solidFill>
-                <a:latin typeface="Arial"/>
-                <a:ea typeface="Arial"/>
-                <a:cs typeface="Arial"/>
-                <a:sym typeface="Arial"/>
-                <a:hlinkClick r:id="rId3"/>
-              </a:rPr>
-              <a:t>commented on issue</a:t>
-            </a:r>
-            <a:r>
-              <a:rPr lang="en" sz="1100">
-                <a:solidFill>
-                  <a:srgbClr val="000000"/>
-                </a:solidFill>
-                <a:latin typeface="Arial"/>
-                <a:ea typeface="Arial"/>
-                <a:cs typeface="Arial"/>
-                <a:sym typeface="Arial"/>
-              </a:rPr>
-              <a:t>) - 2 weights</a:t>
-            </a:r>
-            <a:endParaRPr sz="1100">
-              <a:solidFill>
-                <a:srgbClr val="000000"/>
-              </a:solidFill>
-              <a:latin typeface="Arial"/>
-              <a:ea typeface="Arial"/>
-              <a:cs typeface="Arial"/>
-              <a:sym typeface="Arial"/>
-            </a:endParaRPr>
+            <a:endParaRPr/>
           </a:p>
           <a:p>
-            <a:pPr indent="-298450" lvl="0" marL="457200" rtl="0" algn="l">
-              <a:spcBef>
-                <a:spcPts val="0"/>
-              </a:spcBef>
-              <a:spcAft>
-                <a:spcPts val="0"/>
-              </a:spcAft>
-              <a:buClr>
-                <a:srgbClr val="000000"/>
-              </a:buClr>
-              <a:buSzPts val="1100"/>
-              <a:buFont typeface="Arial"/>
-              <a:buChar char="●"/>
+            <a:pPr indent="-342900" lvl="0" marL="457200" rtl="0" algn="l">
+              <a:spcBef>
+                <a:spcPts val="1200"/>
+              </a:spcBef>
+              <a:spcAft>
+                <a:spcPts val="0"/>
+              </a:spcAft>
+              <a:buSzPts val="1800"/>
+              <a:buChar char="-"/>
             </a:pPr>
             <a:r>
-              <a:rPr lang="en" sz="1100">
-                <a:solidFill>
-                  <a:srgbClr val="000000"/>
-                </a:solidFill>
-                <a:latin typeface="Arial"/>
-                <a:ea typeface="Arial"/>
-                <a:cs typeface="Arial"/>
-                <a:sym typeface="Arial"/>
-              </a:rPr>
-              <a:t>Readme - 3 weights</a:t>
+              <a:rPr lang="en"/>
+              <a:t>Joining and Creating rooms with Tehreem and Cavaari</a:t>
             </a:r>
-            <a:endParaRPr sz="1100">
-              <a:solidFill>
-                <a:srgbClr val="000000"/>
-              </a:solidFill>
-              <a:latin typeface="Arial"/>
-              <a:ea typeface="Arial"/>
-              <a:cs typeface="Arial"/>
-              <a:sym typeface="Arial"/>
-            </a:endParaRPr>
+            <a:endParaRPr/>
           </a:p>
           <a:p>
-            <a:pPr indent="-298450" lvl="0" marL="457200" rtl="0" algn="l">
-              <a:spcBef>
-                <a:spcPts val="0"/>
-              </a:spcBef>
-              <a:spcAft>
-                <a:spcPts val="0"/>
-              </a:spcAft>
-              <a:buClr>
-                <a:srgbClr val="000000"/>
-              </a:buClr>
-              <a:buSzPts val="1100"/>
-              <a:buFont typeface="Arial"/>
-              <a:buChar char="●"/>
+            <a:pPr indent="0" lvl="0" marL="0" rtl="0" algn="l">
+              <a:spcBef>
+                <a:spcPts val="1200"/>
+              </a:spcBef>
+              <a:spcAft>
+                <a:spcPts val="0"/>
+              </a:spcAft>
+              <a:buNone/>
             </a:pPr>
             <a:r>
-              <a:rPr lang="en" sz="1100">
-                <a:solidFill>
-                  <a:srgbClr val="000000"/>
-                </a:solidFill>
-                <a:latin typeface="Arial"/>
-                <a:ea typeface="Arial"/>
-                <a:cs typeface="Arial"/>
-                <a:sym typeface="Arial"/>
-              </a:rPr>
-              <a:t>About me page </a:t>
+              <a:t/>
             </a:r>
-            <a:r>
-              <a:rPr lang="en" sz="1100" u="sng">
-                <a:solidFill>
-                  <a:schemeClr val="hlink"/>
-                </a:solidFill>
-                <a:latin typeface="Arial"/>
-                <a:ea typeface="Arial"/>
-                <a:cs typeface="Arial"/>
-                <a:sym typeface="Arial"/>
-                <a:hlinkClick r:id="rId4"/>
-              </a:rPr>
-              <a:t>design on Figma</a:t>
-            </a:r>
-            <a:r>
-              <a:rPr lang="en" sz="1100">
-                <a:solidFill>
-                  <a:srgbClr val="000000"/>
-                </a:solidFill>
-                <a:latin typeface="Arial"/>
-                <a:ea typeface="Arial"/>
-                <a:cs typeface="Arial"/>
-                <a:sym typeface="Arial"/>
-              </a:rPr>
-              <a:t> - 3 weights</a:t>
-            </a:r>
-            <a:endParaRPr sz="1100">
-              <a:solidFill>
-                <a:srgbClr val="000000"/>
-              </a:solidFill>
-              <a:latin typeface="Arial"/>
-              <a:ea typeface="Arial"/>
-              <a:cs typeface="Arial"/>
-              <a:sym typeface="Arial"/>
-            </a:endParaRPr>
+            <a:endParaRPr/>
           </a:p>
           <a:p>
-            <a:pPr indent="-298450" lvl="0" marL="457200" rtl="0" algn="l">
-              <a:spcBef>
-                <a:spcPts val="0"/>
-              </a:spcBef>
-              <a:spcAft>
-                <a:spcPts val="0"/>
-              </a:spcAft>
-              <a:buClr>
-                <a:srgbClr val="000000"/>
-              </a:buClr>
-              <a:buSzPts val="1100"/>
-              <a:buFont typeface="Arial"/>
-              <a:buChar char="●"/>
+            <a:pPr indent="0" lvl="0" marL="0" rtl="0" algn="l">
+              <a:spcBef>
+                <a:spcPts val="1200"/>
+              </a:spcBef>
+              <a:spcAft>
+                <a:spcPts val="0"/>
+              </a:spcAft>
+              <a:buNone/>
             </a:pPr>
             <a:r>
-              <a:rPr lang="en" sz="1100">
-                <a:solidFill>
-                  <a:srgbClr val="000000"/>
-                </a:solidFill>
-                <a:latin typeface="Arial"/>
-                <a:ea typeface="Arial"/>
-                <a:cs typeface="Arial"/>
-                <a:sym typeface="Arial"/>
-              </a:rPr>
-              <a:t>About me page - 4 weights</a:t>
+              <a:t/>
+            </a:r>
+            <a:endParaRPr/>
+          </a:p>
+          <a:p>
+            <a:pPr indent="0" lvl="0" marL="0" rtl="0" algn="l">
+              <a:spcBef>
+                <a:spcPts val="1200"/>
+              </a:spcBef>
+              <a:spcAft>
+                <a:spcPts val="0"/>
+              </a:spcAft>
+              <a:buNone/>
+            </a:pPr>
+            <a:r>
+              <a:t/>
+            </a:r>
+            <a:endParaRPr/>
+          </a:p>
+          <a:p>
+            <a:pPr indent="0" lvl="0" marL="0" rtl="0" algn="l">
+              <a:spcBef>
+                <a:spcPts val="1200"/>
+              </a:spcBef>
+              <a:spcAft>
+                <a:spcPts val="1200"/>
+              </a:spcAft>
+              <a:buNone/>
+            </a:pPr>
+            <a:r>
+              <a:rPr lang="en"/>
+              <a:t>Total Weights: 12</a:t>
             </a:r>
             <a:endParaRPr/>
           </a:p>
@@ -9728,7 +8336,7 @@
   <p:cSld>
     <p:spTree>
       <p:nvGrpSpPr>
-        <p:cNvPr id="123" name="Shape 123"/>
+        <p:cNvPr id="95" name="Shape 95"/>
         <p:cNvGrpSpPr/>
         <p:nvPr/>
       </p:nvGrpSpPr>
@@ -9742,7 +8350,7 @@
       </p:grpSpPr>
       <p:sp>
         <p:nvSpPr>
-          <p:cNvPr id="124" name="Google Shape;124;p19"/>
+          <p:cNvPr id="96" name="Google Shape;96;p19"/>
           <p:cNvSpPr txBox="1"/>
           <p:nvPr>
             <p:ph type="title"/>
@@ -9750,8 +8358,8 @@
         </p:nvSpPr>
         <p:spPr>
           <a:xfrm>
-            <a:off x="311700" y="410000"/>
-            <a:ext cx="8520600" cy="607800"/>
+            <a:off x="311700" y="445025"/>
+            <a:ext cx="8520600" cy="623400"/>
           </a:xfrm>
           <a:prstGeom prst="rect">
             <a:avLst/>
@@ -9774,7 +8382,7 @@
             </a:pPr>
             <a:r>
               <a:rPr lang="en"/>
-              <a:t>Tehreem - Weight Total : 12</a:t>
+              <a:t>Cavaari Taylor</a:t>
             </a:r>
             <a:endParaRPr/>
           </a:p>
@@ -9782,7 +8390,7 @@
       </p:sp>
       <p:sp>
         <p:nvSpPr>
-          <p:cNvPr id="125" name="Google Shape;125;p19"/>
+          <p:cNvPr id="97" name="Google Shape;97;p19"/>
           <p:cNvSpPr txBox="1"/>
           <p:nvPr>
             <p:ph idx="1" type="body"/>
@@ -9790,8 +8398,8 @@
         </p:nvSpPr>
         <p:spPr>
           <a:xfrm>
-            <a:off x="311700" y="1229875"/>
-            <a:ext cx="3382800" cy="3339000"/>
+            <a:off x="376100" y="1208975"/>
+            <a:ext cx="2950500" cy="3416400"/>
           </a:xfrm>
           <a:prstGeom prst="rect">
             <a:avLst/>
@@ -9803,311 +8411,101 @@
           </a:bodyPr>
           <a:lstStyle/>
           <a:p>
-            <a:pPr indent="-330200" lvl="0" marL="457200" rtl="0" algn="l">
-              <a:spcBef>
-                <a:spcPts val="0"/>
-              </a:spcBef>
-              <a:spcAft>
-                <a:spcPts val="0"/>
-              </a:spcAft>
-              <a:buClr>
-                <a:srgbClr val="000000"/>
-              </a:buClr>
-              <a:buSzPts val="1600"/>
-              <a:buFont typeface="Arial"/>
-              <a:buChar char="●"/>
+            <a:pPr indent="0" lvl="0" marL="457200" rtl="0" algn="l">
+              <a:spcBef>
+                <a:spcPts val="0"/>
+              </a:spcBef>
+              <a:spcAft>
+                <a:spcPts val="0"/>
+              </a:spcAft>
+              <a:buNone/>
             </a:pPr>
             <a:r>
-              <a:rPr lang="en" sz="1600">
-                <a:solidFill>
-                  <a:srgbClr val="000000"/>
-                </a:solidFill>
-                <a:latin typeface="Arial"/>
-                <a:ea typeface="Arial"/>
-                <a:cs typeface="Arial"/>
-                <a:sym typeface="Arial"/>
-              </a:rPr>
-              <a:t>CI/CD Research(2)</a:t>
+              <a:rPr lang="en"/>
+              <a:t>What I did this week:</a:t>
             </a:r>
-            <a:endParaRPr sz="1600">
-              <a:solidFill>
-                <a:srgbClr val="000000"/>
-              </a:solidFill>
-              <a:latin typeface="Arial"/>
-              <a:ea typeface="Arial"/>
-              <a:cs typeface="Arial"/>
-              <a:sym typeface="Arial"/>
-            </a:endParaRPr>
+            <a:endParaRPr/>
           </a:p>
           <a:p>
-            <a:pPr indent="-330200" lvl="0" marL="457200" rtl="0" algn="l">
-              <a:spcBef>
-                <a:spcPts val="0"/>
-              </a:spcBef>
-              <a:spcAft>
-                <a:spcPts val="0"/>
-              </a:spcAft>
-              <a:buClr>
-                <a:srgbClr val="000000"/>
-              </a:buClr>
-              <a:buSzPts val="1600"/>
-              <a:buFont typeface="Arial"/>
-              <a:buChar char="●"/>
-            </a:pPr>
-            <a:r>
-              <a:rPr lang="en" sz="1600">
-                <a:solidFill>
-                  <a:srgbClr val="000000"/>
-                </a:solidFill>
-                <a:latin typeface="Arial"/>
-                <a:ea typeface="Arial"/>
-                <a:cs typeface="Arial"/>
-                <a:sym typeface="Arial"/>
-              </a:rPr>
-              <a:t>About Me(4)</a:t>
-            </a:r>
-            <a:endParaRPr sz="1600">
-              <a:solidFill>
-                <a:srgbClr val="000000"/>
-              </a:solidFill>
-              <a:latin typeface="Arial"/>
-              <a:ea typeface="Arial"/>
-              <a:cs typeface="Arial"/>
-              <a:sym typeface="Arial"/>
-            </a:endParaRPr>
-          </a:p>
-          <a:p>
-            <a:pPr indent="-330200" lvl="0" marL="457200" rtl="0" algn="l">
-              <a:spcBef>
-                <a:spcPts val="0"/>
-              </a:spcBef>
-              <a:spcAft>
-                <a:spcPts val="0"/>
-              </a:spcAft>
-              <a:buClr>
-                <a:srgbClr val="000000"/>
-              </a:buClr>
-              <a:buSzPts val="1600"/>
-              <a:buFont typeface="Arial"/>
-              <a:buChar char="●"/>
-            </a:pPr>
-            <a:r>
-              <a:rPr lang="en" sz="1600">
-                <a:solidFill>
-                  <a:srgbClr val="000000"/>
-                </a:solidFill>
-                <a:latin typeface="Arial"/>
-                <a:ea typeface="Arial"/>
-                <a:cs typeface="Arial"/>
-                <a:sym typeface="Arial"/>
-              </a:rPr>
-              <a:t>Landing Page Design(3)</a:t>
-            </a:r>
-            <a:endParaRPr sz="1600">
-              <a:solidFill>
-                <a:srgbClr val="000000"/>
-              </a:solidFill>
-              <a:latin typeface="Arial"/>
-              <a:ea typeface="Arial"/>
-              <a:cs typeface="Arial"/>
-              <a:sym typeface="Arial"/>
-            </a:endParaRPr>
-          </a:p>
-          <a:p>
-            <a:pPr indent="-330200" lvl="0" marL="457200" rtl="0" algn="l">
-              <a:spcBef>
-                <a:spcPts val="0"/>
-              </a:spcBef>
-              <a:spcAft>
-                <a:spcPts val="0"/>
-              </a:spcAft>
-              <a:buClr>
-                <a:srgbClr val="000000"/>
-              </a:buClr>
-              <a:buSzPts val="1600"/>
-              <a:buFont typeface="Arial"/>
-              <a:buChar char="●"/>
-            </a:pPr>
-            <a:r>
-              <a:rPr lang="en" sz="1600">
-                <a:solidFill>
-                  <a:srgbClr val="000000"/>
-                </a:solidFill>
-                <a:latin typeface="Arial"/>
-                <a:ea typeface="Arial"/>
-                <a:cs typeface="Arial"/>
-                <a:sym typeface="Arial"/>
-              </a:rPr>
-              <a:t>About Me Page Design(3)</a:t>
-            </a:r>
-            <a:endParaRPr sz="1600">
-              <a:solidFill>
-                <a:srgbClr val="000000"/>
-              </a:solidFill>
-              <a:latin typeface="Arial"/>
-              <a:ea typeface="Arial"/>
-              <a:cs typeface="Arial"/>
-              <a:sym typeface="Arial"/>
-            </a:endParaRPr>
-          </a:p>
-          <a:p>
-            <a:pPr indent="0" lvl="0" marL="0" rtl="0" algn="l">
-              <a:spcBef>
-                <a:spcPts val="0"/>
-              </a:spcBef>
-              <a:spcAft>
-                <a:spcPts val="0"/>
-              </a:spcAft>
-              <a:buNone/>
-            </a:pPr>
-            <a:r>
-              <a:t/>
-            </a:r>
-            <a:endParaRPr sz="1600">
-              <a:solidFill>
-                <a:srgbClr val="000000"/>
-              </a:solidFill>
-              <a:latin typeface="Arial"/>
-              <a:ea typeface="Arial"/>
-              <a:cs typeface="Arial"/>
-              <a:sym typeface="Arial"/>
-            </a:endParaRPr>
-          </a:p>
-          <a:p>
-            <a:pPr indent="0" lvl="0" marL="0" rtl="0" algn="l">
-              <a:spcBef>
-                <a:spcPts val="0"/>
-              </a:spcBef>
-              <a:spcAft>
-                <a:spcPts val="0"/>
-              </a:spcAft>
-              <a:buNone/>
-            </a:pPr>
-            <a:r>
-              <a:rPr lang="en" sz="1600">
-                <a:solidFill>
-                  <a:srgbClr val="000000"/>
-                </a:solidFill>
-                <a:latin typeface="Arial"/>
-                <a:ea typeface="Arial"/>
-                <a:cs typeface="Arial"/>
-                <a:sym typeface="Arial"/>
-              </a:rPr>
-              <a:t>Challenges:</a:t>
-            </a:r>
-            <a:endParaRPr sz="1600">
-              <a:solidFill>
-                <a:srgbClr val="000000"/>
-              </a:solidFill>
-              <a:latin typeface="Arial"/>
-              <a:ea typeface="Arial"/>
-              <a:cs typeface="Arial"/>
-              <a:sym typeface="Arial"/>
-            </a:endParaRPr>
-          </a:p>
-          <a:p>
-            <a:pPr indent="-330200" lvl="0" marL="457200" rtl="0" algn="l">
-              <a:spcBef>
-                <a:spcPts val="0"/>
-              </a:spcBef>
-              <a:spcAft>
-                <a:spcPts val="0"/>
-              </a:spcAft>
-              <a:buClr>
-                <a:srgbClr val="000000"/>
-              </a:buClr>
-              <a:buSzPts val="1600"/>
-              <a:buFont typeface="Arial"/>
+            <a:pPr indent="-342900" lvl="0" marL="457200" rtl="0" algn="l">
+              <a:spcBef>
+                <a:spcPts val="1200"/>
+              </a:spcBef>
+              <a:spcAft>
+                <a:spcPts val="0"/>
+              </a:spcAft>
+              <a:buSzPts val="1800"/>
               <a:buChar char="-"/>
             </a:pPr>
             <a:r>
-              <a:rPr lang="en" sz="1600">
-                <a:solidFill>
-                  <a:srgbClr val="000000"/>
-                </a:solidFill>
-                <a:latin typeface="Arial"/>
-                <a:ea typeface="Arial"/>
-                <a:cs typeface="Arial"/>
-                <a:sym typeface="Arial"/>
-              </a:rPr>
-              <a:t>Forgetting to close tickets earlier</a:t>
+              <a:rPr lang="en"/>
+              <a:t>Documentation</a:t>
             </a:r>
-            <a:endParaRPr sz="1600">
-              <a:solidFill>
-                <a:srgbClr val="000000"/>
-              </a:solidFill>
-              <a:latin typeface="Arial"/>
-              <a:ea typeface="Arial"/>
-              <a:cs typeface="Arial"/>
-              <a:sym typeface="Arial"/>
-            </a:endParaRPr>
+            <a:endParaRPr/>
           </a:p>
           <a:p>
-            <a:pPr indent="0" lvl="0" marL="0" rtl="0" algn="l">
-              <a:spcBef>
-                <a:spcPts val="0"/>
-              </a:spcBef>
-              <a:spcAft>
-                <a:spcPts val="0"/>
-              </a:spcAft>
-              <a:buNone/>
+            <a:pPr indent="-342900" lvl="0" marL="457200" rtl="0" algn="l">
+              <a:spcBef>
+                <a:spcPts val="0"/>
+              </a:spcBef>
+              <a:spcAft>
+                <a:spcPts val="0"/>
+              </a:spcAft>
+              <a:buSzPts val="1800"/>
+              <a:buChar char="-"/>
             </a:pPr>
             <a:r>
-              <a:t/>
+              <a:rPr lang="en"/>
+              <a:t>Designing the game/logic</a:t>
             </a:r>
-            <a:endParaRPr sz="1600">
-              <a:solidFill>
-                <a:srgbClr val="000000"/>
-              </a:solidFill>
-              <a:latin typeface="Arial"/>
-              <a:ea typeface="Arial"/>
-              <a:cs typeface="Arial"/>
-              <a:sym typeface="Arial"/>
-            </a:endParaRPr>
+            <a:endParaRPr/>
           </a:p>
           <a:p>
-            <a:pPr indent="0" lvl="0" marL="0" rtl="0" algn="l">
-              <a:spcBef>
-                <a:spcPts val="0"/>
-              </a:spcBef>
-              <a:spcAft>
-                <a:spcPts val="0"/>
-              </a:spcAft>
-              <a:buNone/>
+            <a:pPr indent="-342900" lvl="0" marL="457200" rtl="0" algn="l">
+              <a:spcBef>
+                <a:spcPts val="0"/>
+              </a:spcBef>
+              <a:spcAft>
+                <a:spcPts val="0"/>
+              </a:spcAft>
+              <a:buSzPts val="1800"/>
+              <a:buChar char="-"/>
             </a:pPr>
             <a:r>
-              <a:t/>
+              <a:rPr lang="en"/>
+              <a:t>Phaser research</a:t>
             </a:r>
-            <a:endParaRPr sz="1600">
-              <a:solidFill>
-                <a:srgbClr val="000000"/>
-              </a:solidFill>
-              <a:latin typeface="Arial"/>
-              <a:ea typeface="Arial"/>
-              <a:cs typeface="Arial"/>
-              <a:sym typeface="Arial"/>
-            </a:endParaRPr>
+            <a:endParaRPr/>
+          </a:p>
+          <a:p>
+            <a:pPr indent="-342900" lvl="0" marL="457200" rtl="0" algn="l">
+              <a:spcBef>
+                <a:spcPts val="0"/>
+              </a:spcBef>
+              <a:spcAft>
+                <a:spcPts val="0"/>
+              </a:spcAft>
+              <a:buSzPts val="1800"/>
+              <a:buChar char="-"/>
+            </a:pPr>
+            <a:r>
+              <a:rPr lang="en"/>
+              <a:t>Trying very hard to understand socket and creating and joining rooms</a:t>
+            </a:r>
+            <a:endParaRPr/>
           </a:p>
         </p:txBody>
       </p:sp>
-      <p:pic>
-        <p:nvPicPr>
-          <p:cNvPr id="126" name="Google Shape;126;p19"/>
-          <p:cNvPicPr preferRelativeResize="0"/>
+      <p:sp>
+        <p:nvSpPr>
+          <p:cNvPr id="98" name="Google Shape;98;p19"/>
+          <p:cNvSpPr txBox="1"/>
           <p:nvPr/>
-        </p:nvPicPr>
-        <p:blipFill>
-          <a:blip r:embed="rId3">
-            <a:alphaModFix/>
-          </a:blip>
-          <a:stretch>
-            <a:fillRect/>
-          </a:stretch>
-        </p:blipFill>
+        </p:nvSpPr>
         <p:spPr>
           <a:xfrm>
-            <a:off x="3388975" y="1133750"/>
-            <a:ext cx="5571151" cy="2742225"/>
+            <a:off x="5279425" y="1208975"/>
+            <a:ext cx="3226200" cy="2875800"/>
           </a:xfrm>
           <a:prstGeom prst="rect">
             <a:avLst/>
@@ -10117,7 +8515,100 @@
             <a:noFill/>
           </a:ln>
         </p:spPr>
-      </p:pic>
+        <p:txBody>
+          <a:bodyPr anchorCtr="0" anchor="t" bIns="91425" lIns="91425" spcFirstLastPara="1" rIns="91425" wrap="square" tIns="91425">
+            <a:noAutofit/>
+          </a:bodyPr>
+          <a:lstStyle/>
+          <a:p>
+            <a:pPr indent="0" lvl="0" marL="0" rtl="0" algn="l">
+              <a:spcBef>
+                <a:spcPts val="0"/>
+              </a:spcBef>
+              <a:spcAft>
+                <a:spcPts val="0"/>
+              </a:spcAft>
+              <a:buNone/>
+            </a:pPr>
+            <a:r>
+              <a:rPr lang="en" sz="1800">
+                <a:solidFill>
+                  <a:schemeClr val="lt2"/>
+                </a:solidFill>
+                <a:latin typeface="Source Sans Pro"/>
+                <a:ea typeface="Source Sans Pro"/>
+                <a:cs typeface="Source Sans Pro"/>
+                <a:sym typeface="Source Sans Pro"/>
+              </a:rPr>
+              <a:t>Challenges:</a:t>
+            </a:r>
+            <a:endParaRPr sz="1800">
+              <a:solidFill>
+                <a:schemeClr val="lt2"/>
+              </a:solidFill>
+              <a:latin typeface="Source Sans Pro"/>
+              <a:ea typeface="Source Sans Pro"/>
+              <a:cs typeface="Source Sans Pro"/>
+              <a:sym typeface="Source Sans Pro"/>
+            </a:endParaRPr>
+          </a:p>
+          <a:p>
+            <a:pPr indent="0" lvl="0" marL="0" rtl="0" algn="l">
+              <a:spcBef>
+                <a:spcPts val="0"/>
+              </a:spcBef>
+              <a:spcAft>
+                <a:spcPts val="0"/>
+              </a:spcAft>
+              <a:buNone/>
+            </a:pPr>
+            <a:r>
+              <a:t/>
+            </a:r>
+            <a:endParaRPr sz="1800">
+              <a:solidFill>
+                <a:schemeClr val="lt2"/>
+              </a:solidFill>
+              <a:latin typeface="Source Sans Pro"/>
+              <a:ea typeface="Source Sans Pro"/>
+              <a:cs typeface="Source Sans Pro"/>
+              <a:sym typeface="Source Sans Pro"/>
+            </a:endParaRPr>
+          </a:p>
+          <a:p>
+            <a:pPr indent="0" lvl="0" marL="0" rtl="0" algn="l">
+              <a:spcBef>
+                <a:spcPts val="0"/>
+              </a:spcBef>
+              <a:spcAft>
+                <a:spcPts val="0"/>
+              </a:spcAft>
+              <a:buNone/>
+            </a:pPr>
+            <a:r>
+              <a:rPr lang="en" sz="1800">
+                <a:solidFill>
+                  <a:schemeClr val="lt2"/>
+                </a:solidFill>
+                <a:latin typeface="Source Sans Pro"/>
+                <a:ea typeface="Source Sans Pro"/>
+                <a:cs typeface="Source Sans Pro"/>
+                <a:sym typeface="Source Sans Pro"/>
+              </a:rPr>
+              <a:t>Understanding socket</a:t>
+            </a:r>
+            <a:endParaRPr sz="1800">
+              <a:solidFill>
+                <a:schemeClr val="lt2"/>
+              </a:solidFill>
+              <a:latin typeface="Source Sans Pro"/>
+              <a:ea typeface="Source Sans Pro"/>
+              <a:cs typeface="Source Sans Pro"/>
+              <a:sym typeface="Source Sans Pro"/>
+            </a:endParaRPr>
+          </a:p>
+        </p:txBody>
+      </p:sp>
     </p:spTree>
   </p:cSld>
   <p:clrMapOvr>
@@ -10131,7 +8622,7 @@
   <p:cSld>
     <p:spTree>
       <p:nvGrpSpPr>
-        <p:cNvPr id="130" name="Shape 130"/>
+        <p:cNvPr id="102" name="Shape 102"/>
         <p:cNvGrpSpPr/>
         <p:nvPr/>
       </p:nvGrpSpPr>
@@ -10145,7 +8636,7 @@
       </p:grpSpPr>
       <p:sp>
         <p:nvSpPr>
-          <p:cNvPr id="131" name="Google Shape;131;p20"/>
+          <p:cNvPr id="103" name="Google Shape;103;p20"/>
           <p:cNvSpPr txBox="1"/>
           <p:nvPr>
             <p:ph type="title"/>
@@ -10153,8 +8644,8 @@
         </p:nvSpPr>
         <p:spPr>
           <a:xfrm>
-            <a:off x="311700" y="410000"/>
-            <a:ext cx="8520600" cy="607800"/>
+            <a:off x="311700" y="445025"/>
+            <a:ext cx="8520600" cy="623400"/>
           </a:xfrm>
           <a:prstGeom prst="rect">
             <a:avLst/>
@@ -10177,7 +8668,7 @@
             </a:pPr>
             <a:r>
               <a:rPr lang="en"/>
-              <a:t>Karina - Weight Total: 12</a:t>
+              <a:t>Tehreem</a:t>
             </a:r>
             <a:endParaRPr/>
           </a:p>
@@ -10185,7 +8676,7 @@
       </p:sp>
       <p:sp>
         <p:nvSpPr>
-          <p:cNvPr id="132" name="Google Shape;132;p20"/>
+          <p:cNvPr id="104" name="Google Shape;104;p20"/>
           <p:cNvSpPr txBox="1"/>
           <p:nvPr>
             <p:ph idx="1" type="body"/>
@@ -10193,8 +8684,8 @@
         </p:nvSpPr>
         <p:spPr>
           <a:xfrm>
-            <a:off x="311700" y="1229875"/>
-            <a:ext cx="8520600" cy="3339000"/>
+            <a:off x="311700" y="1152475"/>
+            <a:ext cx="4675200" cy="3416400"/>
           </a:xfrm>
           <a:prstGeom prst="rect">
             <a:avLst/>
@@ -10206,102 +8697,55 @@
           </a:bodyPr>
           <a:lstStyle/>
           <a:p>
-            <a:pPr indent="-330200" lvl="0" marL="457200" rtl="0" algn="l">
-              <a:spcBef>
-                <a:spcPts val="0"/>
-              </a:spcBef>
-              <a:spcAft>
-                <a:spcPts val="0"/>
-              </a:spcAft>
-              <a:buSzPts val="1600"/>
-              <a:buChar char="●"/>
+            <a:pPr indent="-342900" lvl="0" marL="457200" rtl="0" algn="l">
+              <a:spcBef>
+                <a:spcPts val="0"/>
+              </a:spcBef>
+              <a:spcAft>
+                <a:spcPts val="0"/>
+              </a:spcAft>
+              <a:buSzPts val="1800"/>
+              <a:buChar char="-"/>
             </a:pPr>
             <a:r>
-              <a:rPr lang="en" sz="1600"/>
-              <a:t>CI/CD research - 2 weights</a:t>
+              <a:rPr lang="en"/>
+              <a:t>Designing the game + game logic</a:t>
             </a:r>
-            <a:endParaRPr sz="1600"/>
+            <a:endParaRPr/>
           </a:p>
           <a:p>
-            <a:pPr indent="-330200" lvl="0" marL="457200" rtl="0" algn="l">
-              <a:spcBef>
-                <a:spcPts val="0"/>
-              </a:spcBef>
-              <a:spcAft>
-                <a:spcPts val="0"/>
-              </a:spcAft>
-              <a:buSzPts val="1600"/>
-              <a:buChar char="●"/>
+            <a:pPr indent="-342900" lvl="0" marL="457200" rtl="0" algn="l">
+              <a:spcBef>
+                <a:spcPts val="0"/>
+              </a:spcBef>
+              <a:spcAft>
+                <a:spcPts val="0"/>
+              </a:spcAft>
+              <a:buSzPts val="1800"/>
+              <a:buChar char="-"/>
             </a:pPr>
             <a:r>
-              <a:rPr lang="en" sz="1600"/>
-              <a:t>CI/CD implementation - 4 weights</a:t>
+              <a:rPr lang="en"/>
+              <a:t>Socket and create and joining rooms</a:t>
             </a:r>
-            <a:endParaRPr sz="1600"/>
+            <a:endParaRPr/>
           </a:p>
           <a:p>
-            <a:pPr indent="-330200" lvl="1" marL="1371600" rtl="0" algn="l">
-              <a:spcBef>
-                <a:spcPts val="0"/>
-              </a:spcBef>
-              <a:spcAft>
-                <a:spcPts val="0"/>
-              </a:spcAft>
-              <a:buSzPts val="1600"/>
-              <a:buChar char="○"/>
+            <a:pPr indent="-342900" lvl="0" marL="457200" rtl="0" algn="l">
+              <a:spcBef>
+                <a:spcPts val="0"/>
+              </a:spcBef>
+              <a:spcAft>
+                <a:spcPts val="0"/>
+              </a:spcAft>
+              <a:buSzPts val="1800"/>
+              <a:buChar char="-"/>
             </a:pPr>
             <a:r>
-              <a:rPr lang="en" sz="1600"/>
-              <a:t>Created CI/CD </a:t>
+              <a:rPr lang="en"/>
+              <a:t>Phaser + socket research</a:t>
             </a:r>
-            <a:r>
-              <a:rPr lang="en" sz="1600" u="sng">
-                <a:solidFill>
-                  <a:schemeClr val="hlink"/>
-                </a:solidFill>
-                <a:hlinkClick r:id="rId3"/>
-              </a:rPr>
-              <a:t>wiki</a:t>
-            </a:r>
-            <a:r>
-              <a:rPr lang="en" sz="1600"/>
-              <a:t> to document specific details on Pipeline</a:t>
-            </a:r>
-            <a:endParaRPr sz="1600"/>
-          </a:p>
-          <a:p>
-            <a:pPr indent="-330200" lvl="0" marL="457200" rtl="0" algn="l">
-              <a:spcBef>
-                <a:spcPts val="0"/>
-              </a:spcBef>
-              <a:spcAft>
-                <a:spcPts val="0"/>
-              </a:spcAft>
-              <a:buSzPts val="1600"/>
-              <a:buChar char="●"/>
-            </a:pPr>
-            <a:r>
-              <a:rPr lang="en" sz="1600"/>
-              <a:t>About me page - 4 weights</a:t>
-            </a:r>
-            <a:endParaRPr sz="1600"/>
-          </a:p>
-          <a:p>
-            <a:pPr indent="-330200" lvl="0" marL="457200" rtl="0" algn="l">
-              <a:spcBef>
-                <a:spcPts val="0"/>
-              </a:spcBef>
-              <a:spcAft>
-                <a:spcPts val="0"/>
-              </a:spcAft>
-              <a:buSzPts val="1600"/>
-              <a:buChar char="●"/>
-            </a:pPr>
-            <a:r>
-              <a:rPr lang="en" sz="1600"/>
-              <a:t>Set up sprint in git - 2 weights</a:t>
-            </a:r>
-            <a:endParaRPr sz="1600"/>
+            <a:endParaRPr/>
           </a:p>
           <a:p>
             <a:pPr indent="0" lvl="0" marL="0" rtl="0" algn="l">
@@ -10316,7 +8760,7 @@
             <a:r>
               <a:t/>
             </a:r>
-            <a:endParaRPr sz="1600"/>
+            <a:endParaRPr/>
           </a:p>
           <a:p>
             <a:pPr indent="0" lvl="0" marL="0" rtl="0" algn="l">
@@ -10329,27 +8773,40 @@
               <a:buNone/>
             </a:pPr>
             <a:r>
-              <a:rPr lang="en" sz="1600"/>
-              <a:t>Challenges</a:t>
+              <a:t/>
             </a:r>
-            <a:endParaRPr sz="1600"/>
+            <a:endParaRPr/>
           </a:p>
           <a:p>
-            <a:pPr indent="-330200" lvl="0" marL="457200" rtl="0" algn="l">
+            <a:pPr indent="0" lvl="0" marL="0" rtl="0" algn="l">
               <a:spcBef>
                 <a:spcPts val="1200"/>
               </a:spcBef>
               <a:spcAft>
                 <a:spcPts val="0"/>
               </a:spcAft>
-              <a:buSzPts val="1600"/>
-              <a:buChar char="●"/>
+              <a:buNone/>
             </a:pPr>
             <a:r>
-              <a:rPr lang="en" sz="1600"/>
-              <a:t>Connection to socs VM through GitLab pipeline for production</a:t>
+              <a:t/>
             </a:r>
-            <a:endParaRPr sz="1600"/>
+            <a:endParaRPr/>
+          </a:p>
+          <a:p>
+            <a:pPr indent="0" lvl="0" marL="0" rtl="0" algn="l">
+              <a:spcBef>
+                <a:spcPts val="1200"/>
+              </a:spcBef>
+              <a:spcAft>
+                <a:spcPts val="1200"/>
+              </a:spcAft>
+              <a:buNone/>
+            </a:pPr>
+            <a:r>
+              <a:rPr lang="en"/>
+              <a:t>Total weights: 12</a:t>
+            </a:r>
+            <a:endParaRPr/>
           </a:p>
         </p:txBody>
       </p:sp>
@@ -10366,7 +8823,7 @@
   <p:cSld>
     <p:spTree>
       <p:nvGrpSpPr>
-        <p:cNvPr id="136" name="Shape 136"/>
+        <p:cNvPr id="108" name="Shape 108"/>
         <p:cNvGrpSpPr/>
         <p:nvPr/>
       </p:nvGrpSpPr>
@@ -10380,7 +8837,7 @@
       </p:grpSpPr>
       <p:sp>
         <p:nvSpPr>
-          <p:cNvPr id="137" name="Google Shape;137;p21"/>
+          <p:cNvPr id="109" name="Google Shape;109;p21"/>
           <p:cNvSpPr txBox="1"/>
           <p:nvPr>
             <p:ph type="title"/>
@@ -10388,8 +8845,8 @@
         </p:nvSpPr>
         <p:spPr>
           <a:xfrm>
-            <a:off x="311700" y="410000"/>
-            <a:ext cx="8520600" cy="607800"/>
+            <a:off x="311700" y="445025"/>
+            <a:ext cx="8520600" cy="623400"/>
           </a:xfrm>
           <a:prstGeom prst="rect">
             <a:avLst/>
@@ -10420,7 +8877,7 @@
       </p:sp>
       <p:sp>
         <p:nvSpPr>
-          <p:cNvPr id="138" name="Google Shape;138;p21"/>
+          <p:cNvPr id="110" name="Google Shape;110;p21"/>
           <p:cNvSpPr txBox="1"/>
           <p:nvPr>
             <p:ph idx="1" type="body"/>
@@ -10428,8 +8885,8 @@
         </p:nvSpPr>
         <p:spPr>
           <a:xfrm>
-            <a:off x="311700" y="1229875"/>
-            <a:ext cx="8520600" cy="3339000"/>
+            <a:off x="311700" y="1152475"/>
+            <a:ext cx="3600000" cy="3416400"/>
           </a:xfrm>
           <a:prstGeom prst="rect">
             <a:avLst/>
@@ -10441,103 +8898,162 @@
           </a:bodyPr>
           <a:lstStyle/>
           <a:p>
-            <a:pPr indent="-342900" lvl="0" marL="457200" rtl="0" algn="l">
-              <a:spcBef>
-                <a:spcPts val="0"/>
-              </a:spcBef>
-              <a:spcAft>
-                <a:spcPts val="0"/>
-              </a:spcAft>
-              <a:buSzPts val="1800"/>
-              <a:buChar char="●"/>
+            <a:pPr indent="0" lvl="0" marL="457200" rtl="0" algn="l">
+              <a:spcBef>
+                <a:spcPts val="0"/>
+              </a:spcBef>
+              <a:spcAft>
+                <a:spcPts val="0"/>
+              </a:spcAft>
+              <a:buNone/>
             </a:pPr>
             <a:r>
               <a:rPr lang="en"/>
-              <a:t>VM Setup + Git Lab(Readme </a:t>
-            </a:r>
-            <a:r>
-              <a:rPr lang="en"/>
-              <a:t>Nginx </a:t>
-            </a:r>
-            <a:r>
-              <a:rPr lang="en"/>
-              <a:t>Guide production </a:t>
-            </a:r>
-            <a:r>
-              <a:rPr lang="en"/>
-              <a:t>environment</a:t>
-            </a:r>
-            <a:r>
-              <a:rPr lang="en"/>
-              <a:t>) - </a:t>
-            </a:r>
-            <a:r>
-              <a:rPr b="1" lang="en"/>
-              <a:t>3</a:t>
-            </a:r>
-            <a:endParaRPr b="1"/>
-          </a:p>
-          <a:p>
-            <a:pPr indent="-342900" lvl="0" marL="457200" rtl="0" algn="l">
-              <a:spcBef>
-                <a:spcPts val="0"/>
-              </a:spcBef>
-              <a:spcAft>
-                <a:spcPts val="0"/>
-              </a:spcAft>
-              <a:buSzPts val="1800"/>
-              <a:buChar char="●"/>
-            </a:pPr>
-            <a:r>
-              <a:rPr lang="en"/>
-              <a:t>About me - </a:t>
-            </a:r>
-            <a:r>
-              <a:rPr b="1" lang="en"/>
-              <a:t>4</a:t>
-            </a:r>
-            <a:r>
-              <a:rPr lang="en"/>
-              <a:t> </a:t>
+              <a:t>I took part in:</a:t>
             </a:r>
             <a:endParaRPr/>
           </a:p>
           <a:p>
             <a:pPr indent="-342900" lvl="0" marL="457200" rtl="0" algn="l">
               <a:spcBef>
-                <a:spcPts val="0"/>
+                <a:spcPts val="1200"/>
               </a:spcBef>
               <a:spcAft>
                 <a:spcPts val="0"/>
               </a:spcAft>
               <a:buSzPts val="1800"/>
-              <a:buChar char="●"/>
+              <a:buChar char="-"/>
             </a:pPr>
             <a:r>
               <a:rPr lang="en"/>
-              <a:t>Landing Page(global.css theme, Navbar.php component like Figma Design) - </a:t>
+              <a:t>Nginx config for Next.js </a:t>
             </a:r>
-            <a:r>
-              <a:rPr b="1" lang="en"/>
-              <a:t>3</a:t>
-            </a:r>
-            <a:endParaRPr b="1"/>
+            <a:endParaRPr/>
           </a:p>
           <a:p>
-            <a:pPr indent="0" lvl="0" marL="0" rtl="0" algn="l">
-              <a:spcBef>
-                <a:spcPts val="1200"/>
-              </a:spcBef>
-              <a:spcAft>
-                <a:spcPts val="1200"/>
-              </a:spcAft>
-              <a:buNone/>
+            <a:pPr indent="-342900" lvl="0" marL="457200" rtl="0" algn="l">
+              <a:spcBef>
+                <a:spcPts val="0"/>
+              </a:spcBef>
+              <a:spcAft>
+                <a:spcPts val="0"/>
+              </a:spcAft>
+              <a:buSzPts val="1800"/>
+              <a:buChar char="-"/>
             </a:pPr>
             <a:r>
-              <a:rPr b="1" lang="en" sz="1600"/>
-              <a:t>Total: 10 Points </a:t>
+              <a:rPr lang="en"/>
+              <a:t>Socket.io set up + Room demo</a:t>
             </a:r>
-            <a:endParaRPr b="1" sz="1600"/>
+            <a:endParaRPr/>
+          </a:p>
+          <a:p>
+            <a:pPr indent="-342900" lvl="0" marL="457200" rtl="0" algn="l">
+              <a:spcBef>
+                <a:spcPts val="0"/>
+              </a:spcBef>
+              <a:spcAft>
+                <a:spcPts val="0"/>
+              </a:spcAft>
+              <a:buSzPts val="1800"/>
+              <a:buChar char="-"/>
+            </a:pPr>
+            <a:r>
+              <a:rPr lang="en"/>
+              <a:t>Phaser init scene</a:t>
+            </a:r>
+            <a:endParaRPr/>
+          </a:p>
+          <a:p>
+            <a:pPr indent="-342900" lvl="0" marL="457200" rtl="0" algn="l">
+              <a:spcBef>
+                <a:spcPts val="0"/>
+              </a:spcBef>
+              <a:spcAft>
+                <a:spcPts val="0"/>
+              </a:spcAft>
+              <a:buSzPts val="1800"/>
+              <a:buChar char="-"/>
+            </a:pPr>
+            <a:r>
+              <a:rPr lang="en"/>
+              <a:t>Read Me</a:t>
+            </a:r>
+            <a:endParaRPr/>
+          </a:p>
+          <a:p>
+            <a:pPr indent="-342900" lvl="0" marL="457200" rtl="0" algn="l">
+              <a:spcBef>
+                <a:spcPts val="0"/>
+              </a:spcBef>
+              <a:spcAft>
+                <a:spcPts val="0"/>
+              </a:spcAft>
+              <a:buSzPts val="1800"/>
+              <a:buChar char="-"/>
+            </a:pPr>
+            <a:r>
+              <a:rPr lang="en"/>
+              <a:t>Wiki</a:t>
+            </a:r>
+            <a:endParaRPr/>
+          </a:p>
+        </p:txBody>
+      </p:sp>
+      <p:sp>
+        <p:nvSpPr>
+          <p:cNvPr id="111" name="Google Shape;111;p21"/>
+          <p:cNvSpPr txBox="1"/>
+          <p:nvPr>
+            <p:ph idx="1" type="body"/>
+          </p:nvPr>
+        </p:nvSpPr>
+        <p:spPr>
+          <a:xfrm>
+            <a:off x="4465875" y="1152475"/>
+            <a:ext cx="3600000" cy="3416400"/>
+          </a:xfrm>
+          <a:prstGeom prst="rect">
+            <a:avLst/>
+          </a:prstGeom>
+        </p:spPr>
+        <p:txBody>
+          <a:bodyPr anchorCtr="0" anchor="t" bIns="91425" lIns="91425" spcFirstLastPara="1" rIns="91425" wrap="square" tIns="91425">
+            <a:normAutofit/>
+          </a:bodyPr>
+          <a:lstStyle/>
+          <a:p>
+            <a:pPr indent="0" lvl="0" marL="457200" rtl="0" algn="l">
+              <a:spcBef>
+                <a:spcPts val="0"/>
+              </a:spcBef>
+              <a:spcAft>
+                <a:spcPts val="0"/>
+              </a:spcAft>
+              <a:buNone/>
+            </a:pPr>
+            <a:r>
+              <a:rPr lang="en"/>
+              <a:t>Challenges</a:t>
+            </a:r>
+            <a:endParaRPr/>
+          </a:p>
+          <a:p>
+            <a:pPr indent="-342900" lvl="0" marL="457200" rtl="0" algn="l">
+              <a:spcBef>
+                <a:spcPts val="1200"/>
+              </a:spcBef>
+              <a:spcAft>
+                <a:spcPts val="0"/>
+              </a:spcAft>
+              <a:buSzPts val="1800"/>
+              <a:buChar char="-"/>
+            </a:pPr>
+            <a:r>
+              <a:rPr lang="en"/>
+              <a:t>Socket.io production</a:t>
+            </a:r>
+            <a:endParaRPr/>
           </a:p>
         </p:txBody>
       </p:sp>
@@ -10550,44 +9066,44 @@
 </file>
 
 <file path=ppt/theme/theme1.xml><?xml version="1.0" encoding="utf-8"?>
-<a:theme xmlns:a="http://schemas.openxmlformats.org/drawingml/2006/main" xmlns:r="http://schemas.openxmlformats.org/officeDocument/2006/relationships" name="Geometric">
+<a:theme xmlns:a="http://schemas.openxmlformats.org/drawingml/2006/main" xmlns:r="http://schemas.openxmlformats.org/officeDocument/2006/relationships" name="Plum">
   <a:themeElements>
-    <a:clrScheme name="Geometric">
+    <a:clrScheme name="Plum">
       <a:dk1>
-        <a:srgbClr val="2A3990"/>
+        <a:srgbClr val="611BB8"/>
       </a:dk1>
       <a:lt1>
         <a:srgbClr val="FFFFFF"/>
       </a:lt1>
       <a:dk2>
-        <a:srgbClr val="434343"/>
+        <a:srgbClr val="000000"/>
       </a:dk2>
       <a:lt2>
-        <a:srgbClr val="999999"/>
+        <a:srgbClr val="7F7F7F"/>
       </a:lt2>
       <a:accent1>
-        <a:srgbClr val="212D74"/>
+        <a:srgbClr val="333333"/>
       </a:accent1>
       <a:accent2>
-        <a:srgbClr val="3949AB"/>
+        <a:srgbClr val="5E2B97"/>
       </a:accent2>
       <a:accent3>
-        <a:srgbClr val="9C254D"/>
+        <a:srgbClr val="7E57C2"/>
       </a:accent3>
       <a:accent4>
-        <a:srgbClr val="D23369"/>
+        <a:srgbClr val="C77025"/>
       </a:accent4>
       <a:accent5>
-        <a:srgbClr val="F06292"/>
+        <a:srgbClr val="009688"/>
       </a:accent5>
       <a:accent6>
-        <a:srgbClr val="7890CD"/>
+        <a:srgbClr val="FFD600"/>
       </a:accent6>
       <a:hlink>
-        <a:srgbClr val="F06292"/>
+        <a:srgbClr val="009688"/>
       </a:hlink>
       <a:folHlink>
-        <a:srgbClr val="F06292"/>
+        <a:srgbClr val="009688"/>
       </a:folHlink>
     </a:clrScheme>
     <a:fontScheme name="Office">
